--- a/Folder0/Presentation.pptx
+++ b/Folder0/Presentation.pptx
@@ -14,10 +14,11 @@
     <p:sldId id="258" r:id="rId8"/>
     <p:sldId id="269" r:id="rId9"/>
     <p:sldId id="265" r:id="rId10"/>
-    <p:sldId id="266" r:id="rId11"/>
-    <p:sldId id="268" r:id="rId12"/>
-    <p:sldId id="267" r:id="rId13"/>
-    <p:sldId id="270" r:id="rId14"/>
+    <p:sldId id="271" r:id="rId11"/>
+    <p:sldId id="266" r:id="rId12"/>
+    <p:sldId id="268" r:id="rId13"/>
+    <p:sldId id="267" r:id="rId14"/>
+    <p:sldId id="270" r:id="rId15"/>
   </p:sldIdLst>
   <p:sldSz cx="12192000" cy="6858000"/>
   <p:notesSz cx="6858000" cy="9144000"/>
@@ -3460,50 +3461,16 @@
           <a:p>
             <a:r>
               <a:rPr lang="en-US" dirty="0"/>
-              <a:t>Preventative Measures [John]</a:t>
+              <a:t>Health Care : Hospital Beds versus Death Rate</a:t>
             </a:r>
             <a:br>
               <a:rPr lang="en-US" dirty="0"/>
             </a:br>
             <a:r>
               <a:rPr lang="en-US" sz="3200" dirty="0"/>
-              <a:t>High-level conclusion</a:t>
+              <a:t>Does having accessible healthcare effect death rate?</a:t>
             </a:r>
             <a:endParaRPr lang="en-US" dirty="0"/>
-          </a:p>
-        </p:txBody>
-      </p:sp>
-      <p:sp>
-        <p:nvSpPr>
-          <p:cNvPr id="3" name="Content Placeholder 2">
-            <a:extLst>
-              <a:ext uri="{FF2B5EF4-FFF2-40B4-BE49-F238E27FC236}">
-                <a16:creationId xmlns:a16="http://schemas.microsoft.com/office/drawing/2014/main" id="{8255C409-34C6-40B3-BFB5-F40F2E36F4B8}"/>
-              </a:ext>
-            </a:extLst>
-          </p:cNvPr>
-          <p:cNvSpPr>
-            <a:spLocks noGrp="1"/>
-          </p:cNvSpPr>
-          <p:nvPr>
-            <p:ph idx="1"/>
-          </p:nvPr>
-        </p:nvSpPr>
-        <p:spPr/>
-        <p:txBody>
-          <a:bodyPr/>
-          <a:lstStyle/>
-          <a:p>
-            <a:r>
-              <a:rPr lang="en-US" dirty="0"/>
-              <a:t>2 histogram on same plot – death rate with mask and without mask</a:t>
-            </a:r>
-          </a:p>
-          <a:p>
-            <a:r>
-              <a:rPr lang="en-US" dirty="0"/>
-              <a:t>2 Sample t-test – is there a difference?</a:t>
-            </a:r>
           </a:p>
         </p:txBody>
       </p:sp>
@@ -3521,8 +3488,8 @@
         </p:nvSpPr>
         <p:spPr>
           <a:xfrm>
-            <a:off x="786384" y="5850235"/>
-            <a:ext cx="9589008" cy="830997"/>
+            <a:off x="838200" y="6171972"/>
+            <a:ext cx="9589008" cy="461665"/>
           </a:xfrm>
           <a:prstGeom prst="rect">
             <a:avLst/>
@@ -3539,31 +3506,64 @@
               <a:rPr lang="en-US" sz="1200" b="1" u="sng" dirty="0"/>
               <a:t>The Small Print</a:t>
             </a:r>
-          </a:p>
-          <a:p>
             <a:r>
               <a:rPr lang="en-US" sz="1200" dirty="0"/>
-              <a:t>Definitions of any terms or metrics:  March 2020 to April 2021 | Death Rate is cumulative confirmed Covid Deaths / cumulative confirmed Covid Cases </a:t>
+              <a:t> </a:t>
             </a:r>
           </a:p>
           <a:p>
             <a:r>
               <a:rPr lang="en-US" sz="1200" dirty="0"/>
-              <a:t>Data Sources: Center for Disease Control (CDC) website: cdc.gov</a:t>
-            </a:r>
-          </a:p>
-          <a:p>
-            <a:r>
-              <a:rPr lang="en-US" sz="1200" dirty="0"/>
-              <a:t>Omissions or filtering: No data for AS</a:t>
-            </a:r>
-          </a:p>
-        </p:txBody>
-      </p:sp>
+              <a:t>Data Sources: Center for Disease Control (CDC) website: </a:t>
+            </a:r>
+            <a:r>
+              <a:rPr lang="en-US" sz="1200" dirty="0" err="1"/>
+              <a:t>cdc.gov</a:t>
+            </a:r>
+            <a:endParaRPr lang="en-US" sz="1200" dirty="0"/>
+          </a:p>
+        </p:txBody>
+      </p:sp>
+      <p:pic>
+        <p:nvPicPr>
+          <p:cNvPr id="13" name="Picture 12" descr="Chart, scatter chart&#10;&#10;Description automatically generated">
+            <a:extLst>
+              <a:ext uri="{FF2B5EF4-FFF2-40B4-BE49-F238E27FC236}">
+                <a16:creationId xmlns:a16="http://schemas.microsoft.com/office/drawing/2014/main" id="{738CF0A2-1A7E-3744-AA6A-80CC811A987E}"/>
+              </a:ext>
+            </a:extLst>
+          </p:cNvPr>
+          <p:cNvPicPr>
+            <a:picLocks noChangeAspect="1"/>
+          </p:cNvPicPr>
+          <p:nvPr/>
+        </p:nvPicPr>
+        <p:blipFill>
+          <a:blip r:embed="rId2">
+            <a:extLst>
+              <a:ext uri="{28A0092B-C50C-407E-A947-70E740481C1C}">
+                <a14:useLocalDpi xmlns:a14="http://schemas.microsoft.com/office/drawing/2010/main" val="0"/>
+              </a:ext>
+            </a:extLst>
+          </a:blip>
+          <a:stretch>
+            <a:fillRect/>
+          </a:stretch>
+        </p:blipFill>
+        <p:spPr>
+          <a:xfrm>
+            <a:off x="2649378" y="1620566"/>
+            <a:ext cx="6893243" cy="4595495"/>
+          </a:xfrm>
+          <a:prstGeom prst="rect">
+            <a:avLst/>
+          </a:prstGeom>
+        </p:spPr>
+      </p:pic>
     </p:spTree>
     <p:extLst>
       <p:ext uri="{BB962C8B-B14F-4D97-AF65-F5344CB8AC3E}">
-        <p14:creationId xmlns:p14="http://schemas.microsoft.com/office/powerpoint/2010/main" val="4204894420"/>
+        <p14:creationId xmlns:p14="http://schemas.microsoft.com/office/powerpoint/2010/main" val="4154975767"/>
       </p:ext>
     </p:extLst>
   </p:cSld>
@@ -3613,7 +3613,7 @@
           <a:p>
             <a:r>
               <a:rPr lang="en-US" dirty="0"/>
-              <a:t>Vaccination Rollout [?]</a:t>
+              <a:t>Preventative Measures [John]</a:t>
             </a:r>
             <a:br>
               <a:rPr lang="en-US" dirty="0"/>
@@ -3649,13 +3649,13 @@
           <a:p>
             <a:r>
               <a:rPr lang="en-US" dirty="0"/>
-              <a:t>Scatter % complete versus death rate</a:t>
-            </a:r>
-          </a:p>
-          <a:p>
-            <a:r>
-              <a:rPr lang="en-US" dirty="0"/>
-              <a:t>Regression</a:t>
+              <a:t>2 histogram on same plot – death rate with mask and without mask</a:t>
+            </a:r>
+          </a:p>
+          <a:p>
+            <a:r>
+              <a:rPr lang="en-US" dirty="0"/>
+              <a:t>2 Sample t-test – is there a difference?</a:t>
             </a:r>
           </a:p>
         </p:txBody>
@@ -3716,7 +3716,7 @@
     </p:spTree>
     <p:extLst>
       <p:ext uri="{BB962C8B-B14F-4D97-AF65-F5344CB8AC3E}">
-        <p14:creationId xmlns:p14="http://schemas.microsoft.com/office/powerpoint/2010/main" val="2518426682"/>
+        <p14:creationId xmlns:p14="http://schemas.microsoft.com/office/powerpoint/2010/main" val="4204894420"/>
       </p:ext>
     </p:extLst>
   </p:cSld>
@@ -3766,6 +3766,159 @@
           <a:p>
             <a:r>
               <a:rPr lang="en-US" dirty="0"/>
+              <a:t>Vaccination Rollout [?]</a:t>
+            </a:r>
+            <a:br>
+              <a:rPr lang="en-US" dirty="0"/>
+            </a:br>
+            <a:r>
+              <a:rPr lang="en-US" sz="3200" dirty="0"/>
+              <a:t>High-level conclusion</a:t>
+            </a:r>
+            <a:endParaRPr lang="en-US" dirty="0"/>
+          </a:p>
+        </p:txBody>
+      </p:sp>
+      <p:sp>
+        <p:nvSpPr>
+          <p:cNvPr id="3" name="Content Placeholder 2">
+            <a:extLst>
+              <a:ext uri="{FF2B5EF4-FFF2-40B4-BE49-F238E27FC236}">
+                <a16:creationId xmlns:a16="http://schemas.microsoft.com/office/drawing/2014/main" id="{8255C409-34C6-40B3-BFB5-F40F2E36F4B8}"/>
+              </a:ext>
+            </a:extLst>
+          </p:cNvPr>
+          <p:cNvSpPr>
+            <a:spLocks noGrp="1"/>
+          </p:cNvSpPr>
+          <p:nvPr>
+            <p:ph idx="1"/>
+          </p:nvPr>
+        </p:nvSpPr>
+        <p:spPr/>
+        <p:txBody>
+          <a:bodyPr/>
+          <a:lstStyle/>
+          <a:p>
+            <a:r>
+              <a:rPr lang="en-US" dirty="0"/>
+              <a:t>Scatter % complete versus death rate</a:t>
+            </a:r>
+          </a:p>
+          <a:p>
+            <a:r>
+              <a:rPr lang="en-US" dirty="0"/>
+              <a:t>Regression</a:t>
+            </a:r>
+          </a:p>
+        </p:txBody>
+      </p:sp>
+      <p:sp>
+        <p:nvSpPr>
+          <p:cNvPr id="4" name="TextBox 3">
+            <a:extLst>
+              <a:ext uri="{FF2B5EF4-FFF2-40B4-BE49-F238E27FC236}">
+                <a16:creationId xmlns:a16="http://schemas.microsoft.com/office/drawing/2014/main" id="{AB8D94A0-A1DF-4026-97E3-EEA0267611A1}"/>
+              </a:ext>
+            </a:extLst>
+          </p:cNvPr>
+          <p:cNvSpPr txBox="1"/>
+          <p:nvPr/>
+        </p:nvSpPr>
+        <p:spPr>
+          <a:xfrm>
+            <a:off x="786384" y="5850235"/>
+            <a:ext cx="9589008" cy="830997"/>
+          </a:xfrm>
+          <a:prstGeom prst="rect">
+            <a:avLst/>
+          </a:prstGeom>
+          <a:noFill/>
+        </p:spPr>
+        <p:txBody>
+          <a:bodyPr wrap="square" rtlCol="0">
+            <a:spAutoFit/>
+          </a:bodyPr>
+          <a:lstStyle/>
+          <a:p>
+            <a:r>
+              <a:rPr lang="en-US" sz="1200" b="1" u="sng" dirty="0"/>
+              <a:t>The Small Print</a:t>
+            </a:r>
+          </a:p>
+          <a:p>
+            <a:r>
+              <a:rPr lang="en-US" sz="1200" dirty="0"/>
+              <a:t>Definitions of any terms or metrics:  March 2020 to April 2021 | Death Rate is cumulative confirmed Covid Deaths / cumulative confirmed Covid Cases </a:t>
+            </a:r>
+          </a:p>
+          <a:p>
+            <a:r>
+              <a:rPr lang="en-US" sz="1200" dirty="0"/>
+              <a:t>Data Sources: Center for Disease Control (CDC) website: cdc.gov</a:t>
+            </a:r>
+          </a:p>
+          <a:p>
+            <a:r>
+              <a:rPr lang="en-US" sz="1200" dirty="0"/>
+              <a:t>Omissions or filtering: No data for AS</a:t>
+            </a:r>
+          </a:p>
+        </p:txBody>
+      </p:sp>
+    </p:spTree>
+    <p:extLst>
+      <p:ext uri="{BB962C8B-B14F-4D97-AF65-F5344CB8AC3E}">
+        <p14:creationId xmlns:p14="http://schemas.microsoft.com/office/powerpoint/2010/main" val="2518426682"/>
+      </p:ext>
+    </p:extLst>
+  </p:cSld>
+  <p:clrMapOvr>
+    <a:masterClrMapping/>
+  </p:clrMapOvr>
+</p:sld>
+</file>
+
+<file path=ppt/slides/slide13.xml><?xml version="1.0" encoding="utf-8"?>
+<p:sld xmlns:a="http://schemas.openxmlformats.org/drawingml/2006/main" xmlns:r="http://schemas.openxmlformats.org/officeDocument/2006/relationships" xmlns:p="http://schemas.openxmlformats.org/presentationml/2006/main">
+  <p:cSld>
+    <p:spTree>
+      <p:nvGrpSpPr>
+        <p:cNvPr id="1" name=""/>
+        <p:cNvGrpSpPr/>
+        <p:nvPr/>
+      </p:nvGrpSpPr>
+      <p:grpSpPr>
+        <a:xfrm>
+          <a:off x="0" y="0"/>
+          <a:ext cx="0" cy="0"/>
+          <a:chOff x="0" y="0"/>
+          <a:chExt cx="0" cy="0"/>
+        </a:xfrm>
+      </p:grpSpPr>
+      <p:sp>
+        <p:nvSpPr>
+          <p:cNvPr id="2" name="Title 1">
+            <a:extLst>
+              <a:ext uri="{FF2B5EF4-FFF2-40B4-BE49-F238E27FC236}">
+                <a16:creationId xmlns:a16="http://schemas.microsoft.com/office/drawing/2014/main" id="{88EEA56A-21EC-4C5D-9474-BFBF3B512795}"/>
+              </a:ext>
+            </a:extLst>
+          </p:cNvPr>
+          <p:cNvSpPr>
+            <a:spLocks noGrp="1"/>
+          </p:cNvSpPr>
+          <p:nvPr>
+            <p:ph type="title"/>
+          </p:nvPr>
+        </p:nvSpPr>
+        <p:spPr/>
+        <p:txBody>
+          <a:bodyPr/>
+          <a:lstStyle/>
+          <a:p>
+            <a:r>
+              <a:rPr lang="en-US" dirty="0"/>
               <a:t>Demographics [?]</a:t>
             </a:r>
             <a:br>
@@ -3873,7 +4026,7 @@
 </p:sld>
 </file>
 
-<file path=ppt/slides/slide13.xml><?xml version="1.0" encoding="utf-8"?>
+<file path=ppt/slides/slide14.xml><?xml version="1.0" encoding="utf-8"?>
 <p:sld xmlns:a="http://schemas.openxmlformats.org/drawingml/2006/main" xmlns:r="http://schemas.openxmlformats.org/officeDocument/2006/relationships" xmlns:p="http://schemas.openxmlformats.org/presentationml/2006/main">
   <p:cSld>
     <p:spTree>
@@ -4201,9 +4354,16 @@
             <p:ph idx="1"/>
           </p:nvPr>
         </p:nvSpPr>
-        <p:spPr/>
-        <p:txBody>
-          <a:bodyPr/>
+        <p:spPr>
+          <a:xfrm>
+            <a:off x="7265656" y="218559"/>
+            <a:ext cx="4710111" cy="1325563"/>
+          </a:xfrm>
+        </p:spPr>
+        <p:txBody>
+          <a:bodyPr>
+            <a:normAutofit lnSpcReduction="10000"/>
+          </a:bodyPr>
           <a:lstStyle/>
           <a:p>
             <a:r>
@@ -4233,8 +4393,8 @@
         </p:nvSpPr>
         <p:spPr>
           <a:xfrm>
-            <a:off x="786384" y="5850235"/>
-            <a:ext cx="9589008" cy="830997"/>
+            <a:off x="714946" y="5993110"/>
+            <a:ext cx="9589008" cy="646331"/>
           </a:xfrm>
           <a:prstGeom prst="rect">
             <a:avLst/>
@@ -4261,23 +4421,22 @@
           <a:p>
             <a:r>
               <a:rPr lang="en-US" sz="1200" dirty="0"/>
-              <a:t>Data Sources: Center for Disease Control (CDC) website: cdc.gov</a:t>
-            </a:r>
-          </a:p>
-          <a:p>
-            <a:r>
-              <a:rPr lang="en-US" sz="1200" dirty="0"/>
-              <a:t>Omissions or filtering: No data for AS</a:t>
-            </a:r>
+              <a:t>Data Sources: Center for Disease Control (CDC) website: </a:t>
+            </a:r>
+            <a:r>
+              <a:rPr lang="en-US" sz="1200" dirty="0" err="1"/>
+              <a:t>cdc.gov</a:t>
+            </a:r>
+            <a:endParaRPr lang="en-US" sz="1200" dirty="0"/>
           </a:p>
         </p:txBody>
       </p:sp>
       <p:pic>
         <p:nvPicPr>
-          <p:cNvPr id="6" name="Picture 5">
-            <a:extLst>
-              <a:ext uri="{FF2B5EF4-FFF2-40B4-BE49-F238E27FC236}">
-                <a16:creationId xmlns:a16="http://schemas.microsoft.com/office/drawing/2014/main" id="{5870906F-6366-4FBA-AEB0-88F7FB3B87CA}"/>
+          <p:cNvPr id="9" name="Picture 8" descr="Chart&#10;&#10;Description automatically generated">
+            <a:extLst>
+              <a:ext uri="{FF2B5EF4-FFF2-40B4-BE49-F238E27FC236}">
+                <a16:creationId xmlns:a16="http://schemas.microsoft.com/office/drawing/2014/main" id="{76B6520F-DC6D-9A40-9634-D526F7C04C8E}"/>
               </a:ext>
             </a:extLst>
           </p:cNvPr>
@@ -4287,15 +4446,21 @@
           <p:nvPr/>
         </p:nvPicPr>
         <p:blipFill>
-          <a:blip r:embed="rId2"/>
+          <a:blip r:embed="rId2">
+            <a:extLst>
+              <a:ext uri="{28A0092B-C50C-407E-A947-70E740481C1C}">
+                <a14:useLocalDpi xmlns:a14="http://schemas.microsoft.com/office/drawing/2010/main" val="0"/>
+              </a:ext>
+            </a:extLst>
+          </a:blip>
           <a:stretch>
             <a:fillRect/>
           </a:stretch>
         </p:blipFill>
         <p:spPr>
           <a:xfrm>
-            <a:off x="838200" y="1690688"/>
-            <a:ext cx="5445541" cy="3889673"/>
+            <a:off x="0" y="1544122"/>
+            <a:ext cx="12192000" cy="4064000"/>
           </a:xfrm>
           <a:prstGeom prst="rect">
             <a:avLst/>
@@ -5179,10 +5344,10 @@
       </p:sp>
       <p:pic>
         <p:nvPicPr>
-          <p:cNvPr id="13" name="Picture 12" descr="Chart, scatter chart&#10;&#10;Description automatically generated">
-            <a:extLst>
-              <a:ext uri="{FF2B5EF4-FFF2-40B4-BE49-F238E27FC236}">
-                <a16:creationId xmlns:a16="http://schemas.microsoft.com/office/drawing/2014/main" id="{738CF0A2-1A7E-3744-AA6A-80CC811A987E}"/>
+          <p:cNvPr id="5" name="Picture 4" descr="Chart, bar chart&#10;&#10;Description automatically generated">
+            <a:extLst>
+              <a:ext uri="{FF2B5EF4-FFF2-40B4-BE49-F238E27FC236}">
+                <a16:creationId xmlns:a16="http://schemas.microsoft.com/office/drawing/2014/main" id="{468618AA-81E2-8C47-AF2E-15853D4AFA1D}"/>
               </a:ext>
             </a:extLst>
           </p:cNvPr>
@@ -5205,44 +5370,8 @@
         </p:blipFill>
         <p:spPr>
           <a:xfrm>
-            <a:off x="5938837" y="1814512"/>
-            <a:ext cx="5486400" cy="3657600"/>
-          </a:xfrm>
-          <a:prstGeom prst="rect">
-            <a:avLst/>
-          </a:prstGeom>
-        </p:spPr>
-      </p:pic>
-      <p:pic>
-        <p:nvPicPr>
-          <p:cNvPr id="15" name="Picture 14" descr="Scatter chart&#10;&#10;Description automatically generated with medium confidence">
-            <a:extLst>
-              <a:ext uri="{FF2B5EF4-FFF2-40B4-BE49-F238E27FC236}">
-                <a16:creationId xmlns:a16="http://schemas.microsoft.com/office/drawing/2014/main" id="{B3D94F88-F060-434C-9C6F-61A6985525E9}"/>
-              </a:ext>
-            </a:extLst>
-          </p:cNvPr>
-          <p:cNvPicPr>
-            <a:picLocks noChangeAspect="1"/>
-          </p:cNvPicPr>
-          <p:nvPr/>
-        </p:nvPicPr>
-        <p:blipFill>
-          <a:blip r:embed="rId3">
-            <a:extLst>
-              <a:ext uri="{28A0092B-C50C-407E-A947-70E740481C1C}">
-                <a14:useLocalDpi xmlns:a14="http://schemas.microsoft.com/office/drawing/2010/main" val="0"/>
-              </a:ext>
-            </a:extLst>
-          </a:blip>
-          <a:stretch>
-            <a:fillRect/>
-          </a:stretch>
-        </p:blipFill>
-        <p:spPr>
-          <a:xfrm>
-            <a:off x="609600" y="1814512"/>
-            <a:ext cx="5486400" cy="3657600"/>
+            <a:off x="0" y="1690688"/>
+            <a:ext cx="12192000" cy="4064000"/>
           </a:xfrm>
           <a:prstGeom prst="rect">
             <a:avLst/>

--- a/Folder0/Presentation.pptx
+++ b/Folder0/Presentation.pptx
@@ -8,17 +8,18 @@
     <p:sldId id="256" r:id="rId2"/>
     <p:sldId id="257" r:id="rId3"/>
     <p:sldId id="261" r:id="rId4"/>
-    <p:sldId id="262" r:id="rId5"/>
-    <p:sldId id="263" r:id="rId6"/>
-    <p:sldId id="264" r:id="rId7"/>
-    <p:sldId id="258" r:id="rId8"/>
-    <p:sldId id="269" r:id="rId9"/>
-    <p:sldId id="265" r:id="rId10"/>
-    <p:sldId id="271" r:id="rId11"/>
-    <p:sldId id="266" r:id="rId12"/>
-    <p:sldId id="268" r:id="rId13"/>
-    <p:sldId id="267" r:id="rId14"/>
-    <p:sldId id="270" r:id="rId15"/>
+    <p:sldId id="273" r:id="rId5"/>
+    <p:sldId id="262" r:id="rId6"/>
+    <p:sldId id="263" r:id="rId7"/>
+    <p:sldId id="264" r:id="rId8"/>
+    <p:sldId id="258" r:id="rId9"/>
+    <p:sldId id="269" r:id="rId10"/>
+    <p:sldId id="265" r:id="rId11"/>
+    <p:sldId id="271" r:id="rId12"/>
+    <p:sldId id="266" r:id="rId13"/>
+    <p:sldId id="268" r:id="rId14"/>
+    <p:sldId id="267" r:id="rId15"/>
+    <p:sldId id="270" r:id="rId16"/>
   </p:sldIdLst>
   <p:sldSz cx="12192000" cy="6858000"/>
   <p:notesSz cx="6858000" cy="9144000"/>
@@ -272,7 +273,7 @@
           <a:p>
             <a:fld id="{8BE9BC1A-C169-4E52-B4D1-E3FCE31958F7}" type="datetimeFigureOut">
               <a:rPr lang="en-US" smtClean="0"/>
-              <a:t>5/6/21</a:t>
+              <a:t>5/7/21</a:t>
             </a:fld>
             <a:endParaRPr lang="en-US"/>
           </a:p>
@@ -470,7 +471,7 @@
           <a:p>
             <a:fld id="{8BE9BC1A-C169-4E52-B4D1-E3FCE31958F7}" type="datetimeFigureOut">
               <a:rPr lang="en-US" smtClean="0"/>
-              <a:t>5/6/21</a:t>
+              <a:t>5/7/21</a:t>
             </a:fld>
             <a:endParaRPr lang="en-US"/>
           </a:p>
@@ -678,7 +679,7 @@
           <a:p>
             <a:fld id="{8BE9BC1A-C169-4E52-B4D1-E3FCE31958F7}" type="datetimeFigureOut">
               <a:rPr lang="en-US" smtClean="0"/>
-              <a:t>5/6/21</a:t>
+              <a:t>5/7/21</a:t>
             </a:fld>
             <a:endParaRPr lang="en-US"/>
           </a:p>
@@ -876,7 +877,7 @@
           <a:p>
             <a:fld id="{8BE9BC1A-C169-4E52-B4D1-E3FCE31958F7}" type="datetimeFigureOut">
               <a:rPr lang="en-US" smtClean="0"/>
-              <a:t>5/6/21</a:t>
+              <a:t>5/7/21</a:t>
             </a:fld>
             <a:endParaRPr lang="en-US"/>
           </a:p>
@@ -1151,7 +1152,7 @@
           <a:p>
             <a:fld id="{8BE9BC1A-C169-4E52-B4D1-E3FCE31958F7}" type="datetimeFigureOut">
               <a:rPr lang="en-US" smtClean="0"/>
-              <a:t>5/6/21</a:t>
+              <a:t>5/7/21</a:t>
             </a:fld>
             <a:endParaRPr lang="en-US"/>
           </a:p>
@@ -1416,7 +1417,7 @@
           <a:p>
             <a:fld id="{8BE9BC1A-C169-4E52-B4D1-E3FCE31958F7}" type="datetimeFigureOut">
               <a:rPr lang="en-US" smtClean="0"/>
-              <a:t>5/6/21</a:t>
+              <a:t>5/7/21</a:t>
             </a:fld>
             <a:endParaRPr lang="en-US"/>
           </a:p>
@@ -1828,7 +1829,7 @@
           <a:p>
             <a:fld id="{8BE9BC1A-C169-4E52-B4D1-E3FCE31958F7}" type="datetimeFigureOut">
               <a:rPr lang="en-US" smtClean="0"/>
-              <a:t>5/6/21</a:t>
+              <a:t>5/7/21</a:t>
             </a:fld>
             <a:endParaRPr lang="en-US"/>
           </a:p>
@@ -1969,7 +1970,7 @@
           <a:p>
             <a:fld id="{8BE9BC1A-C169-4E52-B4D1-E3FCE31958F7}" type="datetimeFigureOut">
               <a:rPr lang="en-US" smtClean="0"/>
-              <a:t>5/6/21</a:t>
+              <a:t>5/7/21</a:t>
             </a:fld>
             <a:endParaRPr lang="en-US"/>
           </a:p>
@@ -2082,7 +2083,7 @@
           <a:p>
             <a:fld id="{8BE9BC1A-C169-4E52-B4D1-E3FCE31958F7}" type="datetimeFigureOut">
               <a:rPr lang="en-US" smtClean="0"/>
-              <a:t>5/6/21</a:t>
+              <a:t>5/7/21</a:t>
             </a:fld>
             <a:endParaRPr lang="en-US"/>
           </a:p>
@@ -2393,7 +2394,7 @@
           <a:p>
             <a:fld id="{8BE9BC1A-C169-4E52-B4D1-E3FCE31958F7}" type="datetimeFigureOut">
               <a:rPr lang="en-US" smtClean="0"/>
-              <a:t>5/6/21</a:t>
+              <a:t>5/7/21</a:t>
             </a:fld>
             <a:endParaRPr lang="en-US"/>
           </a:p>
@@ -2681,7 +2682,7 @@
           <a:p>
             <a:fld id="{8BE9BC1A-C169-4E52-B4D1-E3FCE31958F7}" type="datetimeFigureOut">
               <a:rPr lang="en-US" smtClean="0"/>
-              <a:t>5/6/21</a:t>
+              <a:t>5/7/21</a:t>
             </a:fld>
             <a:endParaRPr lang="en-US"/>
           </a:p>
@@ -2922,7 +2923,7 @@
           <a:p>
             <a:fld id="{8BE9BC1A-C169-4E52-B4D1-E3FCE31958F7}" type="datetimeFigureOut">
               <a:rPr lang="en-US" smtClean="0"/>
-              <a:t>5/6/21</a:t>
+              <a:t>5/7/21</a:t>
             </a:fld>
             <a:endParaRPr lang="en-US"/>
           </a:p>
@@ -3325,6 +3326,14 @@
 <file path=ppt/slides/slide1.xml><?xml version="1.0" encoding="utf-8"?>
 <p:sld xmlns:a="http://schemas.openxmlformats.org/drawingml/2006/main" xmlns:r="http://schemas.openxmlformats.org/officeDocument/2006/relationships" xmlns:p="http://schemas.openxmlformats.org/presentationml/2006/main">
   <p:cSld>
+    <p:bg>
+      <p:bgPr>
+        <a:solidFill>
+          <a:schemeClr val="bg1"/>
+        </a:solidFill>
+        <a:effectLst/>
+      </p:bgPr>
+    </p:bg>
     <p:spTree>
       <p:nvGrpSpPr>
         <p:cNvPr id="1" name=""/>
@@ -3339,34 +3348,97 @@
           <a:chExt cx="0" cy="0"/>
         </a:xfrm>
       </p:grpSpPr>
-      <p:sp>
-        <p:nvSpPr>
-          <p:cNvPr id="2" name="Title 1">
-            <a:extLst>
-              <a:ext uri="{FF2B5EF4-FFF2-40B4-BE49-F238E27FC236}">
-                <a16:creationId xmlns:a16="http://schemas.microsoft.com/office/drawing/2014/main" id="{CDD1987A-4C07-48B3-8BC9-DD2B87140C9B}"/>
-              </a:ext>
-            </a:extLst>
-          </p:cNvPr>
-          <p:cNvSpPr>
-            <a:spLocks noGrp="1"/>
-          </p:cNvSpPr>
-          <p:nvPr>
-            <p:ph type="ctrTitle"/>
+      <p:sp useBgFill="1">
+        <p:nvSpPr>
+          <p:cNvPr id="8" name="Rectangle 7">
+            <a:extLst>
+              <a:ext uri="{FF2B5EF4-FFF2-40B4-BE49-F238E27FC236}">
+                <a16:creationId xmlns:a16="http://schemas.microsoft.com/office/drawing/2014/main" id="{BAD76F3E-3A97-486B-B402-44400A8B9173}"/>
+              </a:ext>
+              <a:ext uri="{C183D7F6-B498-43B3-948B-1728B52AA6E4}">
+                <adec:decorative xmlns:adec="http://schemas.microsoft.com/office/drawing/2017/decorative" val="1"/>
+              </a:ext>
+            </a:extLst>
+          </p:cNvPr>
+          <p:cNvSpPr>
+            <a:spLocks noGrp="1" noRot="1" noChangeAspect="1" noMove="1" noResize="1" noEditPoints="1" noAdjustHandles="1" noChangeArrowheads="1" noChangeShapeType="1" noTextEdit="1"/>
+          </p:cNvSpPr>
+          <p:nvPr>
+            <p:extLst>
+              <p:ext uri="{386F3935-93C4-4BCD-93E2-E3B085C9AB24}">
+                <p16:designElem xmlns:p16="http://schemas.microsoft.com/office/powerpoint/2015/main" val="1"/>
+              </p:ext>
+            </p:extLst>
           </p:nvPr>
         </p:nvSpPr>
         <p:spPr>
           <a:xfrm>
-            <a:off x="1524000" y="608013"/>
-            <a:ext cx="9144000" cy="2387600"/>
+            <a:off x="0" y="0"/>
+            <a:ext cx="12192000" cy="6858000"/>
+          </a:xfrm>
+          <a:prstGeom prst="rect">
+            <a:avLst/>
+          </a:prstGeom>
+          <a:ln>
+            <a:noFill/>
+          </a:ln>
+        </p:spPr>
+        <p:style>
+          <a:lnRef idx="2">
+            <a:schemeClr val="accent1">
+              <a:shade val="50000"/>
+            </a:schemeClr>
+          </a:lnRef>
+          <a:fillRef idx="1">
+            <a:schemeClr val="accent1"/>
+          </a:fillRef>
+          <a:effectRef idx="0">
+            <a:schemeClr val="accent1"/>
+          </a:effectRef>
+          <a:fontRef idx="minor">
+            <a:schemeClr val="lt1"/>
+          </a:fontRef>
+        </p:style>
+        <p:txBody>
+          <a:bodyPr rtlCol="0" anchor="ctr"/>
+          <a:lstStyle/>
+          <a:p>
+            <a:pPr algn="ctr"/>
+            <a:endParaRPr lang="en-US"/>
+          </a:p>
+        </p:txBody>
+      </p:sp>
+      <p:sp>
+        <p:nvSpPr>
+          <p:cNvPr id="2" name="Title 1">
+            <a:extLst>
+              <a:ext uri="{FF2B5EF4-FFF2-40B4-BE49-F238E27FC236}">
+                <a16:creationId xmlns:a16="http://schemas.microsoft.com/office/drawing/2014/main" id="{CDD1987A-4C07-48B3-8BC9-DD2B87140C9B}"/>
+              </a:ext>
+            </a:extLst>
+          </p:cNvPr>
+          <p:cNvSpPr>
+            <a:spLocks noGrp="1"/>
+          </p:cNvSpPr>
+          <p:nvPr>
+            <p:ph type="ctrTitle"/>
+          </p:nvPr>
+        </p:nvSpPr>
+        <p:spPr>
+          <a:xfrm>
+            <a:off x="838199" y="1093788"/>
+            <a:ext cx="10506455" cy="2967208"/>
           </a:xfrm>
         </p:spPr>
         <p:txBody>
-          <a:bodyPr/>
-          <a:lstStyle/>
-          <a:p>
-            <a:r>
-              <a:rPr lang="en-US" dirty="0"/>
+          <a:bodyPr>
+            <a:normAutofit/>
+          </a:bodyPr>
+          <a:lstStyle/>
+          <a:p>
+            <a:pPr algn="l"/>
+            <a:r>
+              <a:rPr lang="en-US" sz="8000"/>
               <a:t>COVID-19 </a:t>
             </a:r>
           </a:p>
@@ -3388,23 +3460,193 @@
             <p:ph type="subTitle" idx="1"/>
           </p:nvPr>
         </p:nvSpPr>
-        <p:spPr/>
-        <p:txBody>
-          <a:bodyPr/>
-          <a:lstStyle/>
-          <a:p>
-            <a:endParaRPr lang="en-US" dirty="0"/>
-          </a:p>
-          <a:p>
-            <a:r>
-              <a:rPr lang="en-US" dirty="0"/>
+        <p:spPr>
+          <a:xfrm>
+            <a:off x="4257676" y="4619624"/>
+            <a:ext cx="7090028" cy="1038225"/>
+          </a:xfrm>
+        </p:spPr>
+        <p:txBody>
+          <a:bodyPr>
+            <a:normAutofit/>
+          </a:bodyPr>
+          <a:lstStyle/>
+          <a:p>
+            <a:pPr algn="r"/>
+            <a:endParaRPr lang="en-US" sz="1900" dirty="0"/>
+          </a:p>
+          <a:p>
+            <a:pPr algn="r"/>
+            <a:r>
+              <a:rPr lang="en-US" sz="1900" dirty="0"/>
               <a:t>Jennie Cinelli, John Russell, Mohamed Ismael, Pallavi </a:t>
             </a:r>
             <a:r>
-              <a:rPr lang="en-US" dirty="0" err="1"/>
+              <a:rPr lang="en-US" sz="1900" dirty="0" err="1"/>
               <a:t>Umap</a:t>
             </a:r>
-            <a:endParaRPr lang="en-US" dirty="0"/>
+            <a:endParaRPr lang="en-US" sz="1900" dirty="0"/>
+          </a:p>
+        </p:txBody>
+      </p:sp>
+      <p:sp>
+        <p:nvSpPr>
+          <p:cNvPr id="10" name="Rectangle 9">
+            <a:extLst>
+              <a:ext uri="{FF2B5EF4-FFF2-40B4-BE49-F238E27FC236}">
+                <a16:creationId xmlns:a16="http://schemas.microsoft.com/office/drawing/2014/main" id="{391F6B52-91F4-4AEB-B6DB-29FEBCF28C8B}"/>
+              </a:ext>
+              <a:ext uri="{C183D7F6-B498-43B3-948B-1728B52AA6E4}">
+                <adec:decorative xmlns:adec="http://schemas.microsoft.com/office/drawing/2017/decorative" val="1"/>
+              </a:ext>
+            </a:extLst>
+          </p:cNvPr>
+          <p:cNvSpPr>
+            <a:spLocks noGrp="1" noRot="1" noChangeAspect="1" noMove="1" noResize="1" noEditPoints="1" noAdjustHandles="1" noChangeArrowheads="1" noChangeShapeType="1" noTextEdit="1"/>
+          </p:cNvSpPr>
+          <p:nvPr>
+            <p:extLst>
+              <p:ext uri="{386F3935-93C4-4BCD-93E2-E3B085C9AB24}">
+                <p16:designElem xmlns:p16="http://schemas.microsoft.com/office/powerpoint/2015/main" val="1"/>
+              </p:ext>
+            </p:extLst>
+          </p:nvPr>
+        </p:nvSpPr>
+        <p:spPr>
+          <a:xfrm>
+            <a:off x="841248" y="4331166"/>
+            <a:ext cx="10506456" cy="18288"/>
+          </a:xfrm>
+          <a:prstGeom prst="rect">
+            <a:avLst/>
+          </a:prstGeom>
+          <a:solidFill>
+            <a:srgbClr val="D5D5D5"/>
+          </a:solidFill>
+          <a:ln w="3175">
+            <a:noFill/>
+          </a:ln>
+          <a:effectLst/>
+        </p:spPr>
+        <p:style>
+          <a:lnRef idx="2">
+            <a:schemeClr val="accent1">
+              <a:shade val="50000"/>
+            </a:schemeClr>
+          </a:lnRef>
+          <a:fillRef idx="1">
+            <a:schemeClr val="accent1"/>
+          </a:fillRef>
+          <a:effectRef idx="0">
+            <a:schemeClr val="accent1"/>
+          </a:effectRef>
+          <a:fontRef idx="minor">
+            <a:schemeClr val="lt1"/>
+          </a:fontRef>
+        </p:style>
+        <p:txBody>
+          <a:bodyPr rtlCol="0" anchor="ctr"/>
+          <a:lstStyle/>
+          <a:p>
+            <a:pPr algn="ctr"/>
+            <a:endParaRPr lang="en-US">
+              <a:solidFill>
+                <a:prstClr val="white"/>
+              </a:solidFill>
+              <a:latin typeface="Calibri" panose="020F0502020204030204"/>
+            </a:endParaRPr>
+          </a:p>
+        </p:txBody>
+      </p:sp>
+      <p:sp>
+        <p:nvSpPr>
+          <p:cNvPr id="12" name="Rectangle 11">
+            <a:extLst>
+              <a:ext uri="{FF2B5EF4-FFF2-40B4-BE49-F238E27FC236}">
+                <a16:creationId xmlns:a16="http://schemas.microsoft.com/office/drawing/2014/main" id="{2CD6F061-7C53-44F4-9794-953DB70A451B}"/>
+              </a:ext>
+              <a:ext uri="{C183D7F6-B498-43B3-948B-1728B52AA6E4}">
+                <adec:decorative xmlns:adec="http://schemas.microsoft.com/office/drawing/2017/decorative" val="1"/>
+              </a:ext>
+            </a:extLst>
+          </p:cNvPr>
+          <p:cNvSpPr>
+            <a:spLocks noGrp="1" noRot="1" noChangeAspect="1" noMove="1" noResize="1" noEditPoints="1" noAdjustHandles="1" noChangeArrowheads="1" noChangeShapeType="1" noTextEdit="1"/>
+          </p:cNvSpPr>
+          <p:nvPr>
+            <p:extLst>
+              <p:ext uri="{386F3935-93C4-4BCD-93E2-E3B085C9AB24}">
+                <p16:designElem xmlns:p16="http://schemas.microsoft.com/office/powerpoint/2015/main" val="1"/>
+              </p:ext>
+            </p:extLst>
+          </p:nvPr>
+        </p:nvSpPr>
+        <p:spPr>
+          <a:xfrm rot="5400000">
+            <a:off x="9346882" y="2348839"/>
+            <a:ext cx="54864" cy="3946779"/>
+          </a:xfrm>
+          <a:prstGeom prst="rect">
+            <a:avLst/>
+          </a:prstGeom>
+          <a:solidFill>
+            <a:schemeClr val="accent2"/>
+          </a:solidFill>
+          <a:ln>
+            <a:noFill/>
+          </a:ln>
+        </p:spPr>
+        <p:style>
+          <a:lnRef idx="2">
+            <a:schemeClr val="accent1">
+              <a:shade val="50000"/>
+            </a:schemeClr>
+          </a:lnRef>
+          <a:fillRef idx="1">
+            <a:schemeClr val="accent1"/>
+          </a:fillRef>
+          <a:effectRef idx="0">
+            <a:schemeClr val="accent1"/>
+          </a:effectRef>
+          <a:fontRef idx="minor">
+            <a:schemeClr val="lt1"/>
+          </a:fontRef>
+        </p:style>
+        <p:txBody>
+          <a:bodyPr rtlCol="0" anchor="ctr"/>
+          <a:lstStyle/>
+          <a:p>
+            <a:pPr marL="0" marR="0" lvl="0" indent="0" algn="ctr" defTabSz="914400" rtl="0" eaLnBrk="1" fontAlgn="auto" latinLnBrk="0" hangingPunct="1">
+              <a:lnSpc>
+                <a:spcPct val="100000"/>
+              </a:lnSpc>
+              <a:spcBef>
+                <a:spcPts val="0"/>
+              </a:spcBef>
+              <a:spcAft>
+                <a:spcPts val="0"/>
+              </a:spcAft>
+              <a:buClrTx/>
+              <a:buSzTx/>
+              <a:buFontTx/>
+              <a:buNone/>
+              <a:tabLst/>
+              <a:defRPr/>
+            </a:pPr>
+            <a:endParaRPr kumimoji="0" lang="en-US" sz="1800" b="0" i="0" u="none" strike="noStrike" kern="1200" cap="none" spc="0" normalizeH="0" baseline="0" noProof="0">
+              <a:ln>
+                <a:noFill/>
+              </a:ln>
+              <a:solidFill>
+                <a:prstClr val="white"/>
+              </a:solidFill>
+              <a:effectLst/>
+              <a:uLnTx/>
+              <a:uFillTx/>
+              <a:latin typeface="Calibri" panose="020F0502020204030204"/>
+              <a:ea typeface="+mn-ea"/>
+              <a:cs typeface="+mn-cs"/>
+            </a:endParaRPr>
           </a:p>
         </p:txBody>
       </p:sp>
@@ -3526,6 +3768,158 @@
       </p:sp>
       <p:pic>
         <p:nvPicPr>
+          <p:cNvPr id="5" name="Picture 4" descr="Chart, bar chart&#10;&#10;Description automatically generated">
+            <a:extLst>
+              <a:ext uri="{FF2B5EF4-FFF2-40B4-BE49-F238E27FC236}">
+                <a16:creationId xmlns:a16="http://schemas.microsoft.com/office/drawing/2014/main" id="{468618AA-81E2-8C47-AF2E-15853D4AFA1D}"/>
+              </a:ext>
+            </a:extLst>
+          </p:cNvPr>
+          <p:cNvPicPr>
+            <a:picLocks noChangeAspect="1"/>
+          </p:cNvPicPr>
+          <p:nvPr/>
+        </p:nvPicPr>
+        <p:blipFill>
+          <a:blip r:embed="rId2">
+            <a:extLst>
+              <a:ext uri="{28A0092B-C50C-407E-A947-70E740481C1C}">
+                <a14:useLocalDpi xmlns:a14="http://schemas.microsoft.com/office/drawing/2010/main" val="0"/>
+              </a:ext>
+            </a:extLst>
+          </a:blip>
+          <a:stretch>
+            <a:fillRect/>
+          </a:stretch>
+        </p:blipFill>
+        <p:spPr>
+          <a:xfrm>
+            <a:off x="0" y="1690688"/>
+            <a:ext cx="12192000" cy="4064000"/>
+          </a:xfrm>
+          <a:prstGeom prst="rect">
+            <a:avLst/>
+          </a:prstGeom>
+        </p:spPr>
+      </p:pic>
+    </p:spTree>
+    <p:extLst>
+      <p:ext uri="{BB962C8B-B14F-4D97-AF65-F5344CB8AC3E}">
+        <p14:creationId xmlns:p14="http://schemas.microsoft.com/office/powerpoint/2010/main" val="3645529043"/>
+      </p:ext>
+    </p:extLst>
+  </p:cSld>
+  <p:clrMapOvr>
+    <a:masterClrMapping/>
+  </p:clrMapOvr>
+</p:sld>
+</file>
+
+<file path=ppt/slides/slide11.xml><?xml version="1.0" encoding="utf-8"?>
+<p:sld xmlns:a="http://schemas.openxmlformats.org/drawingml/2006/main" xmlns:r="http://schemas.openxmlformats.org/officeDocument/2006/relationships" xmlns:p="http://schemas.openxmlformats.org/presentationml/2006/main">
+  <p:cSld>
+    <p:spTree>
+      <p:nvGrpSpPr>
+        <p:cNvPr id="1" name=""/>
+        <p:cNvGrpSpPr/>
+        <p:nvPr/>
+      </p:nvGrpSpPr>
+      <p:grpSpPr>
+        <a:xfrm>
+          <a:off x="0" y="0"/>
+          <a:ext cx="0" cy="0"/>
+          <a:chOff x="0" y="0"/>
+          <a:chExt cx="0" cy="0"/>
+        </a:xfrm>
+      </p:grpSpPr>
+      <p:sp>
+        <p:nvSpPr>
+          <p:cNvPr id="2" name="Title 1">
+            <a:extLst>
+              <a:ext uri="{FF2B5EF4-FFF2-40B4-BE49-F238E27FC236}">
+                <a16:creationId xmlns:a16="http://schemas.microsoft.com/office/drawing/2014/main" id="{88EEA56A-21EC-4C5D-9474-BFBF3B512795}"/>
+              </a:ext>
+            </a:extLst>
+          </p:cNvPr>
+          <p:cNvSpPr>
+            <a:spLocks noGrp="1"/>
+          </p:cNvSpPr>
+          <p:nvPr>
+            <p:ph type="title"/>
+          </p:nvPr>
+        </p:nvSpPr>
+        <p:spPr/>
+        <p:txBody>
+          <a:bodyPr/>
+          <a:lstStyle/>
+          <a:p>
+            <a:r>
+              <a:rPr lang="en-US" dirty="0"/>
+              <a:t>Health Care : Hospital Beds versus Death Rate</a:t>
+            </a:r>
+            <a:br>
+              <a:rPr lang="en-US" dirty="0"/>
+            </a:br>
+            <a:r>
+              <a:rPr lang="en-US" sz="3200" dirty="0"/>
+              <a:t>Does having accessible healthcare effect death rate?</a:t>
+            </a:r>
+            <a:endParaRPr lang="en-US" dirty="0"/>
+          </a:p>
+        </p:txBody>
+      </p:sp>
+      <p:sp>
+        <p:nvSpPr>
+          <p:cNvPr id="4" name="TextBox 3">
+            <a:extLst>
+              <a:ext uri="{FF2B5EF4-FFF2-40B4-BE49-F238E27FC236}">
+                <a16:creationId xmlns:a16="http://schemas.microsoft.com/office/drawing/2014/main" id="{AB8D94A0-A1DF-4026-97E3-EEA0267611A1}"/>
+              </a:ext>
+            </a:extLst>
+          </p:cNvPr>
+          <p:cNvSpPr txBox="1"/>
+          <p:nvPr/>
+        </p:nvSpPr>
+        <p:spPr>
+          <a:xfrm>
+            <a:off x="838200" y="6171972"/>
+            <a:ext cx="9589008" cy="461665"/>
+          </a:xfrm>
+          <a:prstGeom prst="rect">
+            <a:avLst/>
+          </a:prstGeom>
+          <a:noFill/>
+        </p:spPr>
+        <p:txBody>
+          <a:bodyPr wrap="square" rtlCol="0">
+            <a:spAutoFit/>
+          </a:bodyPr>
+          <a:lstStyle/>
+          <a:p>
+            <a:r>
+              <a:rPr lang="en-US" sz="1200" b="1" u="sng" dirty="0"/>
+              <a:t>The Small Print</a:t>
+            </a:r>
+            <a:r>
+              <a:rPr lang="en-US" sz="1200" dirty="0"/>
+              <a:t> </a:t>
+            </a:r>
+          </a:p>
+          <a:p>
+            <a:r>
+              <a:rPr lang="en-US" sz="1200" dirty="0"/>
+              <a:t>Data Sources: Center for Disease Control (CDC) website: </a:t>
+            </a:r>
+            <a:r>
+              <a:rPr lang="en-US" sz="1200" dirty="0" err="1"/>
+              <a:t>cdc.gov</a:t>
+            </a:r>
+            <a:endParaRPr lang="en-US" sz="1200" dirty="0"/>
+          </a:p>
+        </p:txBody>
+      </p:sp>
+      <p:pic>
+        <p:nvPicPr>
           <p:cNvPr id="13" name="Picture 12" descr="Chart, scatter chart&#10;&#10;Description automatically generated">
             <a:extLst>
               <a:ext uri="{FF2B5EF4-FFF2-40B4-BE49-F238E27FC236}">
@@ -3573,159 +3967,6 @@
 </p:sld>
 </file>
 
-<file path=ppt/slides/slide11.xml><?xml version="1.0" encoding="utf-8"?>
-<p:sld xmlns:a="http://schemas.openxmlformats.org/drawingml/2006/main" xmlns:r="http://schemas.openxmlformats.org/officeDocument/2006/relationships" xmlns:p="http://schemas.openxmlformats.org/presentationml/2006/main">
-  <p:cSld>
-    <p:spTree>
-      <p:nvGrpSpPr>
-        <p:cNvPr id="1" name=""/>
-        <p:cNvGrpSpPr/>
-        <p:nvPr/>
-      </p:nvGrpSpPr>
-      <p:grpSpPr>
-        <a:xfrm>
-          <a:off x="0" y="0"/>
-          <a:ext cx="0" cy="0"/>
-          <a:chOff x="0" y="0"/>
-          <a:chExt cx="0" cy="0"/>
-        </a:xfrm>
-      </p:grpSpPr>
-      <p:sp>
-        <p:nvSpPr>
-          <p:cNvPr id="2" name="Title 1">
-            <a:extLst>
-              <a:ext uri="{FF2B5EF4-FFF2-40B4-BE49-F238E27FC236}">
-                <a16:creationId xmlns:a16="http://schemas.microsoft.com/office/drawing/2014/main" id="{88EEA56A-21EC-4C5D-9474-BFBF3B512795}"/>
-              </a:ext>
-            </a:extLst>
-          </p:cNvPr>
-          <p:cNvSpPr>
-            <a:spLocks noGrp="1"/>
-          </p:cNvSpPr>
-          <p:nvPr>
-            <p:ph type="title"/>
-          </p:nvPr>
-        </p:nvSpPr>
-        <p:spPr/>
-        <p:txBody>
-          <a:bodyPr/>
-          <a:lstStyle/>
-          <a:p>
-            <a:r>
-              <a:rPr lang="en-US" dirty="0"/>
-              <a:t>Preventative Measures [John]</a:t>
-            </a:r>
-            <a:br>
-              <a:rPr lang="en-US" dirty="0"/>
-            </a:br>
-            <a:r>
-              <a:rPr lang="en-US" sz="3200" dirty="0"/>
-              <a:t>High-level conclusion</a:t>
-            </a:r>
-            <a:endParaRPr lang="en-US" dirty="0"/>
-          </a:p>
-        </p:txBody>
-      </p:sp>
-      <p:sp>
-        <p:nvSpPr>
-          <p:cNvPr id="3" name="Content Placeholder 2">
-            <a:extLst>
-              <a:ext uri="{FF2B5EF4-FFF2-40B4-BE49-F238E27FC236}">
-                <a16:creationId xmlns:a16="http://schemas.microsoft.com/office/drawing/2014/main" id="{8255C409-34C6-40B3-BFB5-F40F2E36F4B8}"/>
-              </a:ext>
-            </a:extLst>
-          </p:cNvPr>
-          <p:cNvSpPr>
-            <a:spLocks noGrp="1"/>
-          </p:cNvSpPr>
-          <p:nvPr>
-            <p:ph idx="1"/>
-          </p:nvPr>
-        </p:nvSpPr>
-        <p:spPr/>
-        <p:txBody>
-          <a:bodyPr/>
-          <a:lstStyle/>
-          <a:p>
-            <a:r>
-              <a:rPr lang="en-US" dirty="0"/>
-              <a:t>2 histogram on same plot – death rate with mask and without mask</a:t>
-            </a:r>
-          </a:p>
-          <a:p>
-            <a:r>
-              <a:rPr lang="en-US" dirty="0"/>
-              <a:t>2 Sample t-test – is there a difference?</a:t>
-            </a:r>
-          </a:p>
-        </p:txBody>
-      </p:sp>
-      <p:sp>
-        <p:nvSpPr>
-          <p:cNvPr id="4" name="TextBox 3">
-            <a:extLst>
-              <a:ext uri="{FF2B5EF4-FFF2-40B4-BE49-F238E27FC236}">
-                <a16:creationId xmlns:a16="http://schemas.microsoft.com/office/drawing/2014/main" id="{AB8D94A0-A1DF-4026-97E3-EEA0267611A1}"/>
-              </a:ext>
-            </a:extLst>
-          </p:cNvPr>
-          <p:cNvSpPr txBox="1"/>
-          <p:nvPr/>
-        </p:nvSpPr>
-        <p:spPr>
-          <a:xfrm>
-            <a:off x="786384" y="5850235"/>
-            <a:ext cx="9589008" cy="830997"/>
-          </a:xfrm>
-          <a:prstGeom prst="rect">
-            <a:avLst/>
-          </a:prstGeom>
-          <a:noFill/>
-        </p:spPr>
-        <p:txBody>
-          <a:bodyPr wrap="square" rtlCol="0">
-            <a:spAutoFit/>
-          </a:bodyPr>
-          <a:lstStyle/>
-          <a:p>
-            <a:r>
-              <a:rPr lang="en-US" sz="1200" b="1" u="sng" dirty="0"/>
-              <a:t>The Small Print</a:t>
-            </a:r>
-          </a:p>
-          <a:p>
-            <a:r>
-              <a:rPr lang="en-US" sz="1200" dirty="0"/>
-              <a:t>Definitions of any terms or metrics:  March 2020 to April 2021 | Death Rate is cumulative confirmed Covid Deaths / cumulative confirmed Covid Cases </a:t>
-            </a:r>
-          </a:p>
-          <a:p>
-            <a:r>
-              <a:rPr lang="en-US" sz="1200" dirty="0"/>
-              <a:t>Data Sources: Center for Disease Control (CDC) website: cdc.gov</a:t>
-            </a:r>
-          </a:p>
-          <a:p>
-            <a:r>
-              <a:rPr lang="en-US" sz="1200" dirty="0"/>
-              <a:t>Omissions or filtering: No data for AS</a:t>
-            </a:r>
-          </a:p>
-        </p:txBody>
-      </p:sp>
-    </p:spTree>
-    <p:extLst>
-      <p:ext uri="{BB962C8B-B14F-4D97-AF65-F5344CB8AC3E}">
-        <p14:creationId xmlns:p14="http://schemas.microsoft.com/office/powerpoint/2010/main" val="4204894420"/>
-      </p:ext>
-    </p:extLst>
-  </p:cSld>
-  <p:clrMapOvr>
-    <a:masterClrMapping/>
-  </p:clrMapOvr>
-</p:sld>
-</file>
-
 <file path=ppt/slides/slide12.xml><?xml version="1.0" encoding="utf-8"?>
 <p:sld xmlns:a="http://schemas.openxmlformats.org/drawingml/2006/main" xmlns:r="http://schemas.openxmlformats.org/officeDocument/2006/relationships" xmlns:p="http://schemas.openxmlformats.org/presentationml/2006/main">
   <p:cSld>
@@ -3766,7 +4007,7 @@
           <a:p>
             <a:r>
               <a:rPr lang="en-US" dirty="0"/>
-              <a:t>Vaccination Rollout [?]</a:t>
+              <a:t>Preventative Measures [John]</a:t>
             </a:r>
             <a:br>
               <a:rPr lang="en-US" dirty="0"/>
@@ -3802,13 +4043,13 @@
           <a:p>
             <a:r>
               <a:rPr lang="en-US" dirty="0"/>
-              <a:t>Scatter % complete versus death rate</a:t>
+              <a:t>2 histogram on same plot – death rate with mask and without mask</a:t>
             </a:r>
           </a:p>
           <a:p>
             <a:r>
               <a:rPr lang="en-US" dirty="0"/>
-              <a:t>Regression</a:t>
+              <a:t>2 Sample t-test – is there a difference?</a:t>
             </a:r>
           </a:p>
         </p:txBody>
@@ -3869,7 +4110,7 @@
     </p:spTree>
     <p:extLst>
       <p:ext uri="{BB962C8B-B14F-4D97-AF65-F5344CB8AC3E}">
-        <p14:creationId xmlns:p14="http://schemas.microsoft.com/office/powerpoint/2010/main" val="2518426682"/>
+        <p14:creationId xmlns:p14="http://schemas.microsoft.com/office/powerpoint/2010/main" val="4204894420"/>
       </p:ext>
     </p:extLst>
   </p:cSld>
@@ -3919,6 +4160,159 @@
           <a:p>
             <a:r>
               <a:rPr lang="en-US" dirty="0"/>
+              <a:t>Vaccination Rollout [?]</a:t>
+            </a:r>
+            <a:br>
+              <a:rPr lang="en-US" dirty="0"/>
+            </a:br>
+            <a:r>
+              <a:rPr lang="en-US" sz="3200" dirty="0"/>
+              <a:t>High-level conclusion</a:t>
+            </a:r>
+            <a:endParaRPr lang="en-US" dirty="0"/>
+          </a:p>
+        </p:txBody>
+      </p:sp>
+      <p:sp>
+        <p:nvSpPr>
+          <p:cNvPr id="3" name="Content Placeholder 2">
+            <a:extLst>
+              <a:ext uri="{FF2B5EF4-FFF2-40B4-BE49-F238E27FC236}">
+                <a16:creationId xmlns:a16="http://schemas.microsoft.com/office/drawing/2014/main" id="{8255C409-34C6-40B3-BFB5-F40F2E36F4B8}"/>
+              </a:ext>
+            </a:extLst>
+          </p:cNvPr>
+          <p:cNvSpPr>
+            <a:spLocks noGrp="1"/>
+          </p:cNvSpPr>
+          <p:nvPr>
+            <p:ph idx="1"/>
+          </p:nvPr>
+        </p:nvSpPr>
+        <p:spPr/>
+        <p:txBody>
+          <a:bodyPr/>
+          <a:lstStyle/>
+          <a:p>
+            <a:r>
+              <a:rPr lang="en-US" dirty="0"/>
+              <a:t>Scatter % complete versus death rate</a:t>
+            </a:r>
+          </a:p>
+          <a:p>
+            <a:r>
+              <a:rPr lang="en-US" dirty="0"/>
+              <a:t>Regression</a:t>
+            </a:r>
+          </a:p>
+        </p:txBody>
+      </p:sp>
+      <p:sp>
+        <p:nvSpPr>
+          <p:cNvPr id="4" name="TextBox 3">
+            <a:extLst>
+              <a:ext uri="{FF2B5EF4-FFF2-40B4-BE49-F238E27FC236}">
+                <a16:creationId xmlns:a16="http://schemas.microsoft.com/office/drawing/2014/main" id="{AB8D94A0-A1DF-4026-97E3-EEA0267611A1}"/>
+              </a:ext>
+            </a:extLst>
+          </p:cNvPr>
+          <p:cNvSpPr txBox="1"/>
+          <p:nvPr/>
+        </p:nvSpPr>
+        <p:spPr>
+          <a:xfrm>
+            <a:off x="786384" y="5850235"/>
+            <a:ext cx="9589008" cy="830997"/>
+          </a:xfrm>
+          <a:prstGeom prst="rect">
+            <a:avLst/>
+          </a:prstGeom>
+          <a:noFill/>
+        </p:spPr>
+        <p:txBody>
+          <a:bodyPr wrap="square" rtlCol="0">
+            <a:spAutoFit/>
+          </a:bodyPr>
+          <a:lstStyle/>
+          <a:p>
+            <a:r>
+              <a:rPr lang="en-US" sz="1200" b="1" u="sng" dirty="0"/>
+              <a:t>The Small Print</a:t>
+            </a:r>
+          </a:p>
+          <a:p>
+            <a:r>
+              <a:rPr lang="en-US" sz="1200" dirty="0"/>
+              <a:t>Definitions of any terms or metrics:  March 2020 to April 2021 | Death Rate is cumulative confirmed Covid Deaths / cumulative confirmed Covid Cases </a:t>
+            </a:r>
+          </a:p>
+          <a:p>
+            <a:r>
+              <a:rPr lang="en-US" sz="1200" dirty="0"/>
+              <a:t>Data Sources: Center for Disease Control (CDC) website: cdc.gov</a:t>
+            </a:r>
+          </a:p>
+          <a:p>
+            <a:r>
+              <a:rPr lang="en-US" sz="1200" dirty="0"/>
+              <a:t>Omissions or filtering: No data for AS</a:t>
+            </a:r>
+          </a:p>
+        </p:txBody>
+      </p:sp>
+    </p:spTree>
+    <p:extLst>
+      <p:ext uri="{BB962C8B-B14F-4D97-AF65-F5344CB8AC3E}">
+        <p14:creationId xmlns:p14="http://schemas.microsoft.com/office/powerpoint/2010/main" val="2518426682"/>
+      </p:ext>
+    </p:extLst>
+  </p:cSld>
+  <p:clrMapOvr>
+    <a:masterClrMapping/>
+  </p:clrMapOvr>
+</p:sld>
+</file>
+
+<file path=ppt/slides/slide14.xml><?xml version="1.0" encoding="utf-8"?>
+<p:sld xmlns:a="http://schemas.openxmlformats.org/drawingml/2006/main" xmlns:r="http://schemas.openxmlformats.org/officeDocument/2006/relationships" xmlns:p="http://schemas.openxmlformats.org/presentationml/2006/main">
+  <p:cSld>
+    <p:spTree>
+      <p:nvGrpSpPr>
+        <p:cNvPr id="1" name=""/>
+        <p:cNvGrpSpPr/>
+        <p:nvPr/>
+      </p:nvGrpSpPr>
+      <p:grpSpPr>
+        <a:xfrm>
+          <a:off x="0" y="0"/>
+          <a:ext cx="0" cy="0"/>
+          <a:chOff x="0" y="0"/>
+          <a:chExt cx="0" cy="0"/>
+        </a:xfrm>
+      </p:grpSpPr>
+      <p:sp>
+        <p:nvSpPr>
+          <p:cNvPr id="2" name="Title 1">
+            <a:extLst>
+              <a:ext uri="{FF2B5EF4-FFF2-40B4-BE49-F238E27FC236}">
+                <a16:creationId xmlns:a16="http://schemas.microsoft.com/office/drawing/2014/main" id="{88EEA56A-21EC-4C5D-9474-BFBF3B512795}"/>
+              </a:ext>
+            </a:extLst>
+          </p:cNvPr>
+          <p:cNvSpPr>
+            <a:spLocks noGrp="1"/>
+          </p:cNvSpPr>
+          <p:nvPr>
+            <p:ph type="title"/>
+          </p:nvPr>
+        </p:nvSpPr>
+        <p:spPr/>
+        <p:txBody>
+          <a:bodyPr/>
+          <a:lstStyle/>
+          <a:p>
+            <a:r>
+              <a:rPr lang="en-US" dirty="0"/>
               <a:t>Demographics [?]</a:t>
             </a:r>
             <a:br>
@@ -4026,7 +4420,7 @@
 </p:sld>
 </file>
 
-<file path=ppt/slides/slide14.xml><?xml version="1.0" encoding="utf-8"?>
+<file path=ppt/slides/slide15.xml><?xml version="1.0" encoding="utf-8"?>
 <p:sld xmlns:a="http://schemas.openxmlformats.org/drawingml/2006/main" xmlns:r="http://schemas.openxmlformats.org/officeDocument/2006/relationships" xmlns:p="http://schemas.openxmlformats.org/presentationml/2006/main">
   <p:cSld>
     <p:spTree>
@@ -4325,7 +4719,7 @@
           <a:p>
             <a:r>
               <a:rPr lang="en-US" dirty="0"/>
-              <a:t>Death Rate by State [Pallavi]</a:t>
+              <a:t>Death Rate by State</a:t>
             </a:r>
             <a:br>
               <a:rPr lang="en-US" dirty="0"/>
@@ -4335,47 +4729,6 @@
               <a:t>High-level conclusion</a:t>
             </a:r>
             <a:endParaRPr lang="en-US" dirty="0"/>
-          </a:p>
-        </p:txBody>
-      </p:sp>
-      <p:sp>
-        <p:nvSpPr>
-          <p:cNvPr id="3" name="Content Placeholder 2">
-            <a:extLst>
-              <a:ext uri="{FF2B5EF4-FFF2-40B4-BE49-F238E27FC236}">
-                <a16:creationId xmlns:a16="http://schemas.microsoft.com/office/drawing/2014/main" id="{8255C409-34C6-40B3-BFB5-F40F2E36F4B8}"/>
-              </a:ext>
-            </a:extLst>
-          </p:cNvPr>
-          <p:cNvSpPr>
-            <a:spLocks noGrp="1"/>
-          </p:cNvSpPr>
-          <p:nvPr>
-            <p:ph idx="1"/>
-          </p:nvPr>
-        </p:nvSpPr>
-        <p:spPr>
-          <a:xfrm>
-            <a:off x="7265656" y="218559"/>
-            <a:ext cx="4710111" cy="1325563"/>
-          </a:xfrm>
-        </p:spPr>
-        <p:txBody>
-          <a:bodyPr>
-            <a:normAutofit lnSpcReduction="10000"/>
-          </a:bodyPr>
-          <a:lstStyle/>
-          <a:p>
-            <a:r>
-              <a:rPr lang="en-US" dirty="0"/>
-              <a:t>Bar Chart – death rate versus state</a:t>
-            </a:r>
-          </a:p>
-          <a:p>
-            <a:r>
-              <a:rPr lang="en-US" dirty="0"/>
-              <a:t>Box Plot - outliers</a:t>
-            </a:r>
           </a:p>
         </p:txBody>
       </p:sp>
@@ -4515,6 +4868,39 @@
         </p:nvSpPr>
         <p:spPr/>
         <p:txBody>
+          <a:bodyPr/>
+          <a:lstStyle/>
+          <a:p>
+            <a:r>
+              <a:rPr lang="en-US" dirty="0"/>
+              <a:t>Death Rate by State</a:t>
+            </a:r>
+          </a:p>
+        </p:txBody>
+      </p:sp>
+      <p:sp>
+        <p:nvSpPr>
+          <p:cNvPr id="3" name="Content Placeholder 2">
+            <a:extLst>
+              <a:ext uri="{FF2B5EF4-FFF2-40B4-BE49-F238E27FC236}">
+                <a16:creationId xmlns:a16="http://schemas.microsoft.com/office/drawing/2014/main" id="{8255C409-34C6-40B3-BFB5-F40F2E36F4B8}"/>
+              </a:ext>
+            </a:extLst>
+          </p:cNvPr>
+          <p:cNvSpPr>
+            <a:spLocks noGrp="1"/>
+          </p:cNvSpPr>
+          <p:nvPr>
+            <p:ph idx="1"/>
+          </p:nvPr>
+        </p:nvSpPr>
+        <p:spPr>
+          <a:xfrm>
+            <a:off x="3740944" y="2766218"/>
+            <a:ext cx="4710111" cy="1325563"/>
+          </a:xfrm>
+        </p:spPr>
+        <p:txBody>
           <a:bodyPr>
             <a:normAutofit/>
           </a:bodyPr>
@@ -4522,15 +4908,124 @@
           <a:p>
             <a:r>
               <a:rPr lang="en-US" dirty="0"/>
-              <a:t>Death Rate Normalized by age</a:t>
+              <a:t>Box Plot - outliers</a:t>
+            </a:r>
+          </a:p>
+        </p:txBody>
+      </p:sp>
+      <p:sp>
+        <p:nvSpPr>
+          <p:cNvPr id="4" name="TextBox 3">
+            <a:extLst>
+              <a:ext uri="{FF2B5EF4-FFF2-40B4-BE49-F238E27FC236}">
+                <a16:creationId xmlns:a16="http://schemas.microsoft.com/office/drawing/2014/main" id="{AB8D94A0-A1DF-4026-97E3-EEA0267611A1}"/>
+              </a:ext>
+            </a:extLst>
+          </p:cNvPr>
+          <p:cNvSpPr txBox="1"/>
+          <p:nvPr/>
+        </p:nvSpPr>
+        <p:spPr>
+          <a:xfrm>
+            <a:off x="714946" y="5993110"/>
+            <a:ext cx="9589008" cy="646331"/>
+          </a:xfrm>
+          <a:prstGeom prst="rect">
+            <a:avLst/>
+          </a:prstGeom>
+          <a:noFill/>
+        </p:spPr>
+        <p:txBody>
+          <a:bodyPr wrap="square" rtlCol="0">
+            <a:spAutoFit/>
+          </a:bodyPr>
+          <a:lstStyle/>
+          <a:p>
+            <a:r>
+              <a:rPr lang="en-US" sz="1200" b="1" u="sng" dirty="0"/>
+              <a:t>The Small Print</a:t>
+            </a:r>
+          </a:p>
+          <a:p>
+            <a:r>
+              <a:rPr lang="en-US" sz="1200" dirty="0"/>
+              <a:t>Definitions of any terms or metrics:  March 2020 to April 2021 | Death Rate is cumulative confirmed Covid Deaths / cumulative confirmed Covid Cases </a:t>
+            </a:r>
+          </a:p>
+          <a:p>
+            <a:r>
+              <a:rPr lang="en-US" sz="1200" dirty="0"/>
+              <a:t>Data Sources: Center for Disease Control (CDC) website: </a:t>
+            </a:r>
+            <a:r>
+              <a:rPr lang="en-US" sz="1200" dirty="0" err="1"/>
+              <a:t>cdc.gov</a:t>
+            </a:r>
+            <a:endParaRPr lang="en-US" sz="1200" dirty="0"/>
+          </a:p>
+        </p:txBody>
+      </p:sp>
+    </p:spTree>
+    <p:extLst>
+      <p:ext uri="{BB962C8B-B14F-4D97-AF65-F5344CB8AC3E}">
+        <p14:creationId xmlns:p14="http://schemas.microsoft.com/office/powerpoint/2010/main" val="2376214889"/>
+      </p:ext>
+    </p:extLst>
+  </p:cSld>
+  <p:clrMapOvr>
+    <a:masterClrMapping/>
+  </p:clrMapOvr>
+</p:sld>
+</file>
+
+<file path=ppt/slides/slide5.xml><?xml version="1.0" encoding="utf-8"?>
+<p:sld xmlns:a="http://schemas.openxmlformats.org/drawingml/2006/main" xmlns:r="http://schemas.openxmlformats.org/officeDocument/2006/relationships" xmlns:p="http://schemas.openxmlformats.org/presentationml/2006/main">
+  <p:cSld>
+    <p:spTree>
+      <p:nvGrpSpPr>
+        <p:cNvPr id="1" name=""/>
+        <p:cNvGrpSpPr/>
+        <p:nvPr/>
+      </p:nvGrpSpPr>
+      <p:grpSpPr>
+        <a:xfrm>
+          <a:off x="0" y="0"/>
+          <a:ext cx="0" cy="0"/>
+          <a:chOff x="0" y="0"/>
+          <a:chExt cx="0" cy="0"/>
+        </a:xfrm>
+      </p:grpSpPr>
+      <p:sp>
+        <p:nvSpPr>
+          <p:cNvPr id="2" name="Title 1">
+            <a:extLst>
+              <a:ext uri="{FF2B5EF4-FFF2-40B4-BE49-F238E27FC236}">
+                <a16:creationId xmlns:a16="http://schemas.microsoft.com/office/drawing/2014/main" id="{88EEA56A-21EC-4C5D-9474-BFBF3B512795}"/>
+              </a:ext>
+            </a:extLst>
+          </p:cNvPr>
+          <p:cNvSpPr>
+            <a:spLocks noGrp="1"/>
+          </p:cNvSpPr>
+          <p:nvPr>
+            <p:ph type="title"/>
+          </p:nvPr>
+        </p:nvSpPr>
+        <p:spPr/>
+        <p:txBody>
+          <a:bodyPr>
+            <a:normAutofit/>
+          </a:bodyPr>
+          <a:lstStyle/>
+          <a:p>
+            <a:r>
+              <a:rPr lang="en-US" dirty="0"/>
+              <a:t>Death Rate by Age</a:t>
             </a:r>
             <a:br>
               <a:rPr lang="en-US" dirty="0"/>
             </a:br>
-            <a:r>
-              <a:rPr lang="en-US" sz="2000" dirty="0"/>
-              <a:t>Age is obviously a factor, but</a:t>
-            </a:r>
+            <a:endParaRPr lang="en-US" sz="2000" dirty="0"/>
           </a:p>
         </p:txBody>
       </p:sp>
@@ -4671,7 +5166,7 @@
 </p:sld>
 </file>
 
-<file path=ppt/slides/slide5.xml><?xml version="1.0" encoding="utf-8"?>
+<file path=ppt/slides/slide6.xml><?xml version="1.0" encoding="utf-8"?>
 <p:sld xmlns:a="http://schemas.openxmlformats.org/drawingml/2006/main" xmlns:r="http://schemas.openxmlformats.org/officeDocument/2006/relationships" xmlns:p="http://schemas.openxmlformats.org/presentationml/2006/main">
   <p:cSld>
     <p:spTree>
@@ -4873,89 +5368,6 @@
 </p:sld>
 </file>
 
-<file path=ppt/slides/slide6.xml><?xml version="1.0" encoding="utf-8"?>
-<p:sld xmlns:a="http://schemas.openxmlformats.org/drawingml/2006/main" xmlns:r="http://schemas.openxmlformats.org/officeDocument/2006/relationships" xmlns:p="http://schemas.openxmlformats.org/presentationml/2006/main">
-  <p:cSld>
-    <p:spTree>
-      <p:nvGrpSpPr>
-        <p:cNvPr id="1" name=""/>
-        <p:cNvGrpSpPr/>
-        <p:nvPr/>
-      </p:nvGrpSpPr>
-      <p:grpSpPr>
-        <a:xfrm>
-          <a:off x="0" y="0"/>
-          <a:ext cx="0" cy="0"/>
-          <a:chOff x="0" y="0"/>
-          <a:chExt cx="0" cy="0"/>
-        </a:xfrm>
-      </p:grpSpPr>
-      <p:sp>
-        <p:nvSpPr>
-          <p:cNvPr id="2" name="Title 1">
-            <a:extLst>
-              <a:ext uri="{FF2B5EF4-FFF2-40B4-BE49-F238E27FC236}">
-                <a16:creationId xmlns:a16="http://schemas.microsoft.com/office/drawing/2014/main" id="{AE77BA51-5CA8-47D3-BBDF-9027CDFCCFBB}"/>
-              </a:ext>
-            </a:extLst>
-          </p:cNvPr>
-          <p:cNvSpPr>
-            <a:spLocks noGrp="1"/>
-          </p:cNvSpPr>
-          <p:nvPr>
-            <p:ph type="title"/>
-          </p:nvPr>
-        </p:nvSpPr>
-        <p:spPr/>
-        <p:txBody>
-          <a:bodyPr/>
-          <a:lstStyle/>
-          <a:p>
-            <a:r>
-              <a:rPr lang="en-US" dirty="0"/>
-              <a:t>Conclusions [All]</a:t>
-            </a:r>
-          </a:p>
-        </p:txBody>
-      </p:sp>
-      <p:sp>
-        <p:nvSpPr>
-          <p:cNvPr id="3" name="Content Placeholder 2">
-            <a:extLst>
-              <a:ext uri="{FF2B5EF4-FFF2-40B4-BE49-F238E27FC236}">
-                <a16:creationId xmlns:a16="http://schemas.microsoft.com/office/drawing/2014/main" id="{1EF89807-BD61-448C-AECF-F0035C097D51}"/>
-              </a:ext>
-            </a:extLst>
-          </p:cNvPr>
-          <p:cNvSpPr>
-            <a:spLocks noGrp="1"/>
-          </p:cNvSpPr>
-          <p:nvPr>
-            <p:ph idx="1"/>
-          </p:nvPr>
-        </p:nvSpPr>
-        <p:spPr/>
-        <p:txBody>
-          <a:bodyPr/>
-          <a:lstStyle/>
-          <a:p>
-            <a:endParaRPr lang="en-US" dirty="0"/>
-          </a:p>
-        </p:txBody>
-      </p:sp>
-    </p:spTree>
-    <p:extLst>
-      <p:ext uri="{BB962C8B-B14F-4D97-AF65-F5344CB8AC3E}">
-        <p14:creationId xmlns:p14="http://schemas.microsoft.com/office/powerpoint/2010/main" val="3665675223"/>
-      </p:ext>
-    </p:extLst>
-  </p:cSld>
-  <p:clrMapOvr>
-    <a:masterClrMapping/>
-  </p:clrMapOvr>
-</p:sld>
-</file>
-
 <file path=ppt/slides/slide7.xml><?xml version="1.0" encoding="utf-8"?>
 <p:sld xmlns:a="http://schemas.openxmlformats.org/drawingml/2006/main" xmlns:r="http://schemas.openxmlformats.org/officeDocument/2006/relationships" xmlns:p="http://schemas.openxmlformats.org/presentationml/2006/main">
   <p:cSld>
@@ -4978,7 +5390,7 @@
           <p:cNvPr id="2" name="Title 1">
             <a:extLst>
               <a:ext uri="{FF2B5EF4-FFF2-40B4-BE49-F238E27FC236}">
-                <a16:creationId xmlns:a16="http://schemas.microsoft.com/office/drawing/2014/main" id="{3F26E01B-F803-4DC7-95D3-9844DB734770}"/>
+                <a16:creationId xmlns:a16="http://schemas.microsoft.com/office/drawing/2014/main" id="{AE77BA51-5CA8-47D3-BBDF-9027CDFCCFBB}"/>
               </a:ext>
             </a:extLst>
           </p:cNvPr>
@@ -4996,7 +5408,7 @@
           <a:p>
             <a:r>
               <a:rPr lang="en-US" dirty="0"/>
-              <a:t>Mitigating / Explanations</a:t>
+              <a:t>Conclusions [All]</a:t>
             </a:r>
           </a:p>
         </p:txBody>
@@ -5006,7 +5418,7 @@
           <p:cNvPr id="3" name="Content Placeholder 2">
             <a:extLst>
               <a:ext uri="{FF2B5EF4-FFF2-40B4-BE49-F238E27FC236}">
-                <a16:creationId xmlns:a16="http://schemas.microsoft.com/office/drawing/2014/main" id="{B839295A-742B-48D5-BF10-2EEC2FE791B0}"/>
+                <a16:creationId xmlns:a16="http://schemas.microsoft.com/office/drawing/2014/main" id="{1EF89807-BD61-448C-AECF-F0035C097D51}"/>
               </a:ext>
             </a:extLst>
           </p:cNvPr>
@@ -5022,69 +5434,14 @@
           <a:bodyPr/>
           <a:lstStyle/>
           <a:p>
-            <a:r>
-              <a:rPr lang="en-US" dirty="0"/>
-              <a:t>Health</a:t>
-            </a:r>
-          </a:p>
-          <a:p>
-            <a:pPr lvl="1"/>
-            <a:r>
-              <a:rPr lang="en-US" dirty="0"/>
-              <a:t>Quality of health care =&gt; hospital beds per capita</a:t>
-            </a:r>
-          </a:p>
-          <a:p>
-            <a:pPr lvl="1"/>
-            <a:r>
-              <a:rPr lang="en-US" dirty="0"/>
-              <a:t>Scatter plot normalized death rate versus hospital beds</a:t>
-            </a:r>
-          </a:p>
-          <a:p>
-            <a:pPr lvl="1"/>
-            <a:r>
-              <a:rPr lang="en-US" dirty="0"/>
-              <a:t>Regression analysis</a:t>
-            </a:r>
-          </a:p>
-          <a:p>
-            <a:pPr lvl="1"/>
             <a:endParaRPr lang="en-US" dirty="0"/>
-          </a:p>
-          <a:p>
-            <a:r>
-              <a:rPr lang="en-US" dirty="0"/>
-              <a:t>Preventative Measures</a:t>
-            </a:r>
-          </a:p>
-          <a:p>
-            <a:pPr lvl="1"/>
-            <a:r>
-              <a:rPr lang="en-US" dirty="0"/>
-              <a:t>Mask mandate data (by month)</a:t>
-            </a:r>
-          </a:p>
-          <a:p>
-            <a:pPr lvl="1"/>
-            <a:r>
-              <a:rPr lang="en-US" dirty="0"/>
-              <a:t>Yes or no</a:t>
-            </a:r>
-          </a:p>
-          <a:p>
-            <a:pPr lvl="1"/>
-            <a:r>
-              <a:rPr lang="en-US" dirty="0"/>
-              <a:t>2-sample t-test</a:t>
-            </a:r>
           </a:p>
         </p:txBody>
       </p:sp>
     </p:spTree>
     <p:extLst>
       <p:ext uri="{BB962C8B-B14F-4D97-AF65-F5344CB8AC3E}">
-        <p14:creationId xmlns:p14="http://schemas.microsoft.com/office/powerpoint/2010/main" val="3984935855"/>
+        <p14:creationId xmlns:p14="http://schemas.microsoft.com/office/powerpoint/2010/main" val="3665675223"/>
       </p:ext>
     </p:extLst>
   </p:cSld>
@@ -5116,7 +5473,7 @@
           <p:cNvPr id="2" name="Title 1">
             <a:extLst>
               <a:ext uri="{FF2B5EF4-FFF2-40B4-BE49-F238E27FC236}">
-                <a16:creationId xmlns:a16="http://schemas.microsoft.com/office/drawing/2014/main" id="{DD2BE12E-2C71-4FC3-A715-6EA7AEBF1F6F}"/>
+                <a16:creationId xmlns:a16="http://schemas.microsoft.com/office/drawing/2014/main" id="{3F26E01B-F803-4DC7-95D3-9844DB734770}"/>
               </a:ext>
             </a:extLst>
           </p:cNvPr>
@@ -5144,7 +5501,7 @@
           <p:cNvPr id="3" name="Content Placeholder 2">
             <a:extLst>
               <a:ext uri="{FF2B5EF4-FFF2-40B4-BE49-F238E27FC236}">
-                <a16:creationId xmlns:a16="http://schemas.microsoft.com/office/drawing/2014/main" id="{7F6B4214-1624-4766-8D3F-611B88207B9D}"/>
+                <a16:creationId xmlns:a16="http://schemas.microsoft.com/office/drawing/2014/main" id="{B839295A-742B-48D5-BF10-2EEC2FE791B0}"/>
               </a:ext>
             </a:extLst>
           </p:cNvPr>
@@ -5162,28 +5519,28 @@
           <a:p>
             <a:r>
               <a:rPr lang="en-US" dirty="0"/>
-              <a:t>Demographics (Scatter Plot – regression)</a:t>
+              <a:t>Health</a:t>
             </a:r>
           </a:p>
           <a:p>
             <a:pPr lvl="1"/>
             <a:r>
               <a:rPr lang="en-US" dirty="0"/>
-              <a:t>Sex</a:t>
+              <a:t>Quality of health care =&gt; hospital beds per capita</a:t>
             </a:r>
           </a:p>
           <a:p>
             <a:pPr lvl="1"/>
             <a:r>
               <a:rPr lang="en-US" dirty="0"/>
-              <a:t>Race</a:t>
+              <a:t>Scatter plot normalized death rate versus hospital beds</a:t>
             </a:r>
           </a:p>
           <a:p>
             <a:pPr lvl="1"/>
             <a:r>
               <a:rPr lang="en-US" dirty="0"/>
-              <a:t>Income (if we have time)</a:t>
+              <a:t>Regression analysis</a:t>
             </a:r>
           </a:p>
           <a:p>
@@ -5193,43 +5550,36 @@
           <a:p>
             <a:r>
               <a:rPr lang="en-US" dirty="0"/>
-              <a:t>Timing</a:t>
+              <a:t>Preventative Measures</a:t>
             </a:r>
           </a:p>
           <a:p>
             <a:pPr lvl="1"/>
             <a:r>
               <a:rPr lang="en-US" dirty="0"/>
-              <a:t>Vaccination roll out</a:t>
+              <a:t>Mask mandate data (by month)</a:t>
             </a:r>
           </a:p>
           <a:p>
             <a:pPr lvl="1"/>
-            <a:endParaRPr lang="en-US" dirty="0"/>
-          </a:p>
-          <a:p>
             <a:r>
               <a:rPr lang="en-US" dirty="0"/>
-              <a:t>Geography</a:t>
+              <a:t>Yes or no</a:t>
             </a:r>
           </a:p>
           <a:p>
             <a:pPr lvl="1"/>
             <a:r>
               <a:rPr lang="en-US" dirty="0"/>
-              <a:t>Urban/Metropolitan populations (if we have time)</a:t>
-            </a:r>
-          </a:p>
-          <a:p>
-            <a:pPr lvl="1"/>
-            <a:endParaRPr lang="en-US" dirty="0"/>
+              <a:t>2-sample t-test</a:t>
+            </a:r>
           </a:p>
         </p:txBody>
       </p:sp>
     </p:spTree>
     <p:extLst>
       <p:ext uri="{BB962C8B-B14F-4D97-AF65-F5344CB8AC3E}">
-        <p14:creationId xmlns:p14="http://schemas.microsoft.com/office/powerpoint/2010/main" val="2957254703"/>
+        <p14:creationId xmlns:p14="http://schemas.microsoft.com/office/powerpoint/2010/main" val="3984935855"/>
       </p:ext>
     </p:extLst>
   </p:cSld>
@@ -5261,7 +5611,7 @@
           <p:cNvPr id="2" name="Title 1">
             <a:extLst>
               <a:ext uri="{FF2B5EF4-FFF2-40B4-BE49-F238E27FC236}">
-                <a16:creationId xmlns:a16="http://schemas.microsoft.com/office/drawing/2014/main" id="{88EEA56A-21EC-4C5D-9474-BFBF3B512795}"/>
+                <a16:creationId xmlns:a16="http://schemas.microsoft.com/office/drawing/2014/main" id="{DD2BE12E-2C71-4FC3-A715-6EA7AEBF1F6F}"/>
               </a:ext>
             </a:extLst>
           </p:cNvPr>
@@ -5279,109 +5629,102 @@
           <a:p>
             <a:r>
               <a:rPr lang="en-US" dirty="0"/>
-              <a:t>Health Care : Hospital Beds versus Death Rate</a:t>
-            </a:r>
-            <a:br>
+              <a:t>Mitigating / Explanations</a:t>
+            </a:r>
+          </a:p>
+        </p:txBody>
+      </p:sp>
+      <p:sp>
+        <p:nvSpPr>
+          <p:cNvPr id="3" name="Content Placeholder 2">
+            <a:extLst>
+              <a:ext uri="{FF2B5EF4-FFF2-40B4-BE49-F238E27FC236}">
+                <a16:creationId xmlns:a16="http://schemas.microsoft.com/office/drawing/2014/main" id="{7F6B4214-1624-4766-8D3F-611B88207B9D}"/>
+              </a:ext>
+            </a:extLst>
+          </p:cNvPr>
+          <p:cNvSpPr>
+            <a:spLocks noGrp="1"/>
+          </p:cNvSpPr>
+          <p:nvPr>
+            <p:ph idx="1"/>
+          </p:nvPr>
+        </p:nvSpPr>
+        <p:spPr/>
+        <p:txBody>
+          <a:bodyPr/>
+          <a:lstStyle/>
+          <a:p>
+            <a:r>
               <a:rPr lang="en-US" dirty="0"/>
-            </a:br>
-            <a:r>
-              <a:rPr lang="en-US" sz="3200" dirty="0"/>
-              <a:t>Does having accessible healthcare effect death rate?</a:t>
-            </a:r>
+              <a:t>Demographics (Scatter Plot – regression)</a:t>
+            </a:r>
+          </a:p>
+          <a:p>
+            <a:pPr lvl="1"/>
+            <a:r>
+              <a:rPr lang="en-US" dirty="0"/>
+              <a:t>Sex</a:t>
+            </a:r>
+          </a:p>
+          <a:p>
+            <a:pPr lvl="1"/>
+            <a:r>
+              <a:rPr lang="en-US" dirty="0"/>
+              <a:t>Race</a:t>
+            </a:r>
+          </a:p>
+          <a:p>
+            <a:pPr lvl="1"/>
+            <a:r>
+              <a:rPr lang="en-US" dirty="0"/>
+              <a:t>Income (if we have time)</a:t>
+            </a:r>
+          </a:p>
+          <a:p>
+            <a:pPr lvl="1"/>
             <a:endParaRPr lang="en-US" dirty="0"/>
           </a:p>
-        </p:txBody>
-      </p:sp>
-      <p:sp>
-        <p:nvSpPr>
-          <p:cNvPr id="4" name="TextBox 3">
-            <a:extLst>
-              <a:ext uri="{FF2B5EF4-FFF2-40B4-BE49-F238E27FC236}">
-                <a16:creationId xmlns:a16="http://schemas.microsoft.com/office/drawing/2014/main" id="{AB8D94A0-A1DF-4026-97E3-EEA0267611A1}"/>
-              </a:ext>
-            </a:extLst>
-          </p:cNvPr>
-          <p:cNvSpPr txBox="1"/>
-          <p:nvPr/>
-        </p:nvSpPr>
-        <p:spPr>
-          <a:xfrm>
-            <a:off x="838200" y="6171972"/>
-            <a:ext cx="9589008" cy="461665"/>
-          </a:xfrm>
-          <a:prstGeom prst="rect">
-            <a:avLst/>
-          </a:prstGeom>
-          <a:noFill/>
-        </p:spPr>
-        <p:txBody>
-          <a:bodyPr wrap="square" rtlCol="0">
-            <a:spAutoFit/>
-          </a:bodyPr>
-          <a:lstStyle/>
-          <a:p>
-            <a:r>
-              <a:rPr lang="en-US" sz="1200" b="1" u="sng" dirty="0"/>
-              <a:t>The Small Print</a:t>
-            </a:r>
-            <a:r>
-              <a:rPr lang="en-US" sz="1200" dirty="0"/>
-              <a:t> </a:t>
-            </a:r>
-          </a:p>
-          <a:p>
-            <a:r>
-              <a:rPr lang="en-US" sz="1200" dirty="0"/>
-              <a:t>Data Sources: Center for Disease Control (CDC) website: </a:t>
-            </a:r>
-            <a:r>
-              <a:rPr lang="en-US" sz="1200" dirty="0" err="1"/>
-              <a:t>cdc.gov</a:t>
-            </a:r>
-            <a:endParaRPr lang="en-US" sz="1200" dirty="0"/>
-          </a:p>
-        </p:txBody>
-      </p:sp>
-      <p:pic>
-        <p:nvPicPr>
-          <p:cNvPr id="5" name="Picture 4" descr="Chart, bar chart&#10;&#10;Description automatically generated">
-            <a:extLst>
-              <a:ext uri="{FF2B5EF4-FFF2-40B4-BE49-F238E27FC236}">
-                <a16:creationId xmlns:a16="http://schemas.microsoft.com/office/drawing/2014/main" id="{468618AA-81E2-8C47-AF2E-15853D4AFA1D}"/>
-              </a:ext>
-            </a:extLst>
-          </p:cNvPr>
-          <p:cNvPicPr>
-            <a:picLocks noChangeAspect="1"/>
-          </p:cNvPicPr>
-          <p:nvPr/>
-        </p:nvPicPr>
-        <p:blipFill>
-          <a:blip r:embed="rId2">
-            <a:extLst>
-              <a:ext uri="{28A0092B-C50C-407E-A947-70E740481C1C}">
-                <a14:useLocalDpi xmlns:a14="http://schemas.microsoft.com/office/drawing/2010/main" val="0"/>
-              </a:ext>
-            </a:extLst>
-          </a:blip>
-          <a:stretch>
-            <a:fillRect/>
-          </a:stretch>
-        </p:blipFill>
-        <p:spPr>
-          <a:xfrm>
-            <a:off x="0" y="1690688"/>
-            <a:ext cx="12192000" cy="4064000"/>
-          </a:xfrm>
-          <a:prstGeom prst="rect">
-            <a:avLst/>
-          </a:prstGeom>
-        </p:spPr>
-      </p:pic>
+          <a:p>
+            <a:r>
+              <a:rPr lang="en-US" dirty="0"/>
+              <a:t>Timing</a:t>
+            </a:r>
+          </a:p>
+          <a:p>
+            <a:pPr lvl="1"/>
+            <a:r>
+              <a:rPr lang="en-US" dirty="0"/>
+              <a:t>Vaccination roll out</a:t>
+            </a:r>
+          </a:p>
+          <a:p>
+            <a:pPr lvl="1"/>
+            <a:endParaRPr lang="en-US" dirty="0"/>
+          </a:p>
+          <a:p>
+            <a:r>
+              <a:rPr lang="en-US" dirty="0"/>
+              <a:t>Geography</a:t>
+            </a:r>
+          </a:p>
+          <a:p>
+            <a:pPr lvl="1"/>
+            <a:r>
+              <a:rPr lang="en-US" dirty="0"/>
+              <a:t>Urban/Metropolitan populations (if we have time)</a:t>
+            </a:r>
+          </a:p>
+          <a:p>
+            <a:pPr lvl="1"/>
+            <a:endParaRPr lang="en-US" dirty="0"/>
+          </a:p>
+        </p:txBody>
+      </p:sp>
     </p:spTree>
     <p:extLst>
       <p:ext uri="{BB962C8B-B14F-4D97-AF65-F5344CB8AC3E}">
-        <p14:creationId xmlns:p14="http://schemas.microsoft.com/office/powerpoint/2010/main" val="3645529043"/>
+        <p14:creationId xmlns:p14="http://schemas.microsoft.com/office/powerpoint/2010/main" val="2957254703"/>
       </p:ext>
     </p:extLst>
   </p:cSld>

--- a/Folder0/Presentation.pptx
+++ b/Folder0/Presentation.pptx
@@ -4880,41 +4880,6 @@
       </p:sp>
       <p:sp>
         <p:nvSpPr>
-          <p:cNvPr id="3" name="Content Placeholder 2">
-            <a:extLst>
-              <a:ext uri="{FF2B5EF4-FFF2-40B4-BE49-F238E27FC236}">
-                <a16:creationId xmlns:a16="http://schemas.microsoft.com/office/drawing/2014/main" id="{8255C409-34C6-40B3-BFB5-F40F2E36F4B8}"/>
-              </a:ext>
-            </a:extLst>
-          </p:cNvPr>
-          <p:cNvSpPr>
-            <a:spLocks noGrp="1"/>
-          </p:cNvSpPr>
-          <p:nvPr>
-            <p:ph idx="1"/>
-          </p:nvPr>
-        </p:nvSpPr>
-        <p:spPr>
-          <a:xfrm>
-            <a:off x="3740944" y="2766218"/>
-            <a:ext cx="4710111" cy="1325563"/>
-          </a:xfrm>
-        </p:spPr>
-        <p:txBody>
-          <a:bodyPr>
-            <a:normAutofit/>
-          </a:bodyPr>
-          <a:lstStyle/>
-          <a:p>
-            <a:r>
-              <a:rPr lang="en-US" dirty="0"/>
-              <a:t>Box Plot - outliers</a:t>
-            </a:r>
-          </a:p>
-        </p:txBody>
-      </p:sp>
-      <p:sp>
-        <p:nvSpPr>
           <p:cNvPr id="4" name="TextBox 3">
             <a:extLst>
               <a:ext uri="{FF2B5EF4-FFF2-40B4-BE49-F238E27FC236}">
@@ -4965,6 +4930,143 @@
           </a:p>
         </p:txBody>
       </p:sp>
+      <p:sp>
+        <p:nvSpPr>
+          <p:cNvPr id="8" name="Content Placeholder 7">
+            <a:extLst>
+              <a:ext uri="{FF2B5EF4-FFF2-40B4-BE49-F238E27FC236}">
+                <a16:creationId xmlns:a16="http://schemas.microsoft.com/office/drawing/2014/main" id="{E59FED5C-3292-5046-9782-F17312B13D30}"/>
+              </a:ext>
+            </a:extLst>
+          </p:cNvPr>
+          <p:cNvSpPr>
+            <a:spLocks noGrp="1"/>
+          </p:cNvSpPr>
+          <p:nvPr>
+            <p:ph idx="1"/>
+          </p:nvPr>
+        </p:nvSpPr>
+        <p:spPr>
+          <a:xfrm>
+            <a:off x="838200" y="2382646"/>
+            <a:ext cx="4070131" cy="2092708"/>
+          </a:xfrm>
+        </p:spPr>
+        <p:txBody>
+          <a:bodyPr>
+            <a:normAutofit/>
+          </a:bodyPr>
+          <a:lstStyle/>
+          <a:p>
+            <a:pPr marL="0" indent="0">
+              <a:lnSpc>
+                <a:spcPct val="100000"/>
+              </a:lnSpc>
+              <a:buNone/>
+            </a:pPr>
+            <a:r>
+              <a:rPr lang="en-US" sz="1200" dirty="0"/>
+              <a:t>The lower quartile of the death rate for all states is: 1.35 </a:t>
+            </a:r>
+          </a:p>
+          <a:p>
+            <a:pPr marL="0" indent="0">
+              <a:lnSpc>
+                <a:spcPct val="100000"/>
+              </a:lnSpc>
+              <a:buNone/>
+            </a:pPr>
+            <a:r>
+              <a:rPr lang="en-US" sz="1200" dirty="0"/>
+              <a:t>The upper quartile of the death rate for all states is: 1.83 </a:t>
+            </a:r>
+          </a:p>
+          <a:p>
+            <a:pPr marL="0" indent="0">
+              <a:lnSpc>
+                <a:spcPct val="100000"/>
+              </a:lnSpc>
+              <a:buNone/>
+            </a:pPr>
+            <a:r>
+              <a:rPr lang="en-US" sz="1200" dirty="0"/>
+              <a:t>The interquartile range of the death rate for all states is: 0.48</a:t>
+            </a:r>
+          </a:p>
+          <a:p>
+            <a:pPr marL="0" indent="0">
+              <a:lnSpc>
+                <a:spcPct val="100000"/>
+              </a:lnSpc>
+              <a:buNone/>
+            </a:pPr>
+            <a:r>
+              <a:rPr lang="en-US" sz="1200" dirty="0"/>
+              <a:t>The median of the death rate for all states is: 1.61 </a:t>
+            </a:r>
+          </a:p>
+          <a:p>
+            <a:pPr marL="0" indent="0">
+              <a:lnSpc>
+                <a:spcPct val="100000"/>
+              </a:lnSpc>
+              <a:buNone/>
+            </a:pPr>
+            <a:r>
+              <a:rPr lang="en-US" sz="1200" dirty="0"/>
+              <a:t>Values below 0.64 could be outliers. </a:t>
+            </a:r>
+          </a:p>
+          <a:p>
+            <a:pPr marL="0" indent="0">
+              <a:lnSpc>
+                <a:spcPct val="100000"/>
+              </a:lnSpc>
+              <a:buNone/>
+            </a:pPr>
+            <a:r>
+              <a:rPr lang="en-US" sz="1200" dirty="0"/>
+              <a:t>Values above 2.55 could be outliers.</a:t>
+            </a:r>
+          </a:p>
+        </p:txBody>
+      </p:sp>
+      <p:pic>
+        <p:nvPicPr>
+          <p:cNvPr id="11" name="Picture 10" descr="Chart, box and whisker chart&#10;&#10;Description automatically generated">
+            <a:extLst>
+              <a:ext uri="{FF2B5EF4-FFF2-40B4-BE49-F238E27FC236}">
+                <a16:creationId xmlns:a16="http://schemas.microsoft.com/office/drawing/2014/main" id="{EA6213E1-0BC3-9249-AE3E-D73CB467F782}"/>
+              </a:ext>
+            </a:extLst>
+          </p:cNvPr>
+          <p:cNvPicPr>
+            <a:picLocks noChangeAspect="1"/>
+          </p:cNvPicPr>
+          <p:nvPr/>
+        </p:nvPicPr>
+        <p:blipFill>
+          <a:blip r:embed="rId2">
+            <a:extLst>
+              <a:ext uri="{28A0092B-C50C-407E-A947-70E740481C1C}">
+                <a14:useLocalDpi xmlns:a14="http://schemas.microsoft.com/office/drawing/2010/main" val="0"/>
+              </a:ext>
+            </a:extLst>
+          </a:blip>
+          <a:stretch>
+            <a:fillRect/>
+          </a:stretch>
+        </p:blipFill>
+        <p:spPr>
+          <a:xfrm>
+            <a:off x="4908331" y="1174793"/>
+            <a:ext cx="6259568" cy="5007655"/>
+          </a:xfrm>
+          <a:prstGeom prst="rect">
+            <a:avLst/>
+          </a:prstGeom>
+        </p:spPr>
+      </p:pic>
     </p:spTree>
     <p:extLst>
       <p:ext uri="{BB962C8B-B14F-4D97-AF65-F5344CB8AC3E}">

--- a/Folder0/Presentation.pptx
+++ b/Folder0/Presentation.pptx
@@ -10,16 +10,17 @@
     <p:sldId id="261" r:id="rId4"/>
     <p:sldId id="273" r:id="rId5"/>
     <p:sldId id="262" r:id="rId6"/>
-    <p:sldId id="263" r:id="rId7"/>
-    <p:sldId id="264" r:id="rId8"/>
-    <p:sldId id="258" r:id="rId9"/>
-    <p:sldId id="269" r:id="rId10"/>
-    <p:sldId id="265" r:id="rId11"/>
-    <p:sldId id="271" r:id="rId12"/>
-    <p:sldId id="266" r:id="rId13"/>
-    <p:sldId id="268" r:id="rId14"/>
-    <p:sldId id="267" r:id="rId15"/>
-    <p:sldId id="270" r:id="rId16"/>
+    <p:sldId id="274" r:id="rId7"/>
+    <p:sldId id="263" r:id="rId8"/>
+    <p:sldId id="264" r:id="rId9"/>
+    <p:sldId id="258" r:id="rId10"/>
+    <p:sldId id="269" r:id="rId11"/>
+    <p:sldId id="265" r:id="rId12"/>
+    <p:sldId id="271" r:id="rId13"/>
+    <p:sldId id="266" r:id="rId14"/>
+    <p:sldId id="268" r:id="rId15"/>
+    <p:sldId id="267" r:id="rId16"/>
+    <p:sldId id="270" r:id="rId17"/>
   </p:sldIdLst>
   <p:sldSz cx="12192000" cy="6858000"/>
   <p:notesSz cx="6858000" cy="9144000"/>
@@ -3685,6 +3686,151 @@
           <p:cNvPr id="2" name="Title 1">
             <a:extLst>
               <a:ext uri="{FF2B5EF4-FFF2-40B4-BE49-F238E27FC236}">
+                <a16:creationId xmlns:a16="http://schemas.microsoft.com/office/drawing/2014/main" id="{DD2BE12E-2C71-4FC3-A715-6EA7AEBF1F6F}"/>
+              </a:ext>
+            </a:extLst>
+          </p:cNvPr>
+          <p:cNvSpPr>
+            <a:spLocks noGrp="1"/>
+          </p:cNvSpPr>
+          <p:nvPr>
+            <p:ph type="title"/>
+          </p:nvPr>
+        </p:nvSpPr>
+        <p:spPr/>
+        <p:txBody>
+          <a:bodyPr/>
+          <a:lstStyle/>
+          <a:p>
+            <a:r>
+              <a:rPr lang="en-US" dirty="0"/>
+              <a:t>Mitigating / Explanations</a:t>
+            </a:r>
+          </a:p>
+        </p:txBody>
+      </p:sp>
+      <p:sp>
+        <p:nvSpPr>
+          <p:cNvPr id="3" name="Content Placeholder 2">
+            <a:extLst>
+              <a:ext uri="{FF2B5EF4-FFF2-40B4-BE49-F238E27FC236}">
+                <a16:creationId xmlns:a16="http://schemas.microsoft.com/office/drawing/2014/main" id="{7F6B4214-1624-4766-8D3F-611B88207B9D}"/>
+              </a:ext>
+            </a:extLst>
+          </p:cNvPr>
+          <p:cNvSpPr>
+            <a:spLocks noGrp="1"/>
+          </p:cNvSpPr>
+          <p:nvPr>
+            <p:ph idx="1"/>
+          </p:nvPr>
+        </p:nvSpPr>
+        <p:spPr/>
+        <p:txBody>
+          <a:bodyPr/>
+          <a:lstStyle/>
+          <a:p>
+            <a:r>
+              <a:rPr lang="en-US" dirty="0"/>
+              <a:t>Demographics (Scatter Plot – regression)</a:t>
+            </a:r>
+          </a:p>
+          <a:p>
+            <a:pPr lvl="1"/>
+            <a:r>
+              <a:rPr lang="en-US" dirty="0"/>
+              <a:t>Sex</a:t>
+            </a:r>
+          </a:p>
+          <a:p>
+            <a:pPr lvl="1"/>
+            <a:r>
+              <a:rPr lang="en-US" dirty="0"/>
+              <a:t>Race</a:t>
+            </a:r>
+          </a:p>
+          <a:p>
+            <a:pPr lvl="1"/>
+            <a:r>
+              <a:rPr lang="en-US" dirty="0"/>
+              <a:t>Income (if we have time)</a:t>
+            </a:r>
+          </a:p>
+          <a:p>
+            <a:pPr lvl="1"/>
+            <a:endParaRPr lang="en-US" dirty="0"/>
+          </a:p>
+          <a:p>
+            <a:r>
+              <a:rPr lang="en-US" dirty="0"/>
+              <a:t>Timing</a:t>
+            </a:r>
+          </a:p>
+          <a:p>
+            <a:pPr lvl="1"/>
+            <a:r>
+              <a:rPr lang="en-US" dirty="0"/>
+              <a:t>Vaccination roll out</a:t>
+            </a:r>
+          </a:p>
+          <a:p>
+            <a:pPr lvl="1"/>
+            <a:endParaRPr lang="en-US" dirty="0"/>
+          </a:p>
+          <a:p>
+            <a:r>
+              <a:rPr lang="en-US" dirty="0"/>
+              <a:t>Geography</a:t>
+            </a:r>
+          </a:p>
+          <a:p>
+            <a:pPr lvl="1"/>
+            <a:r>
+              <a:rPr lang="en-US" dirty="0"/>
+              <a:t>Urban/Metropolitan populations (if we have time)</a:t>
+            </a:r>
+          </a:p>
+          <a:p>
+            <a:pPr lvl="1"/>
+            <a:endParaRPr lang="en-US" dirty="0"/>
+          </a:p>
+        </p:txBody>
+      </p:sp>
+    </p:spTree>
+    <p:extLst>
+      <p:ext uri="{BB962C8B-B14F-4D97-AF65-F5344CB8AC3E}">
+        <p14:creationId xmlns:p14="http://schemas.microsoft.com/office/powerpoint/2010/main" val="2957254703"/>
+      </p:ext>
+    </p:extLst>
+  </p:cSld>
+  <p:clrMapOvr>
+    <a:masterClrMapping/>
+  </p:clrMapOvr>
+</p:sld>
+</file>
+
+<file path=ppt/slides/slide11.xml><?xml version="1.0" encoding="utf-8"?>
+<p:sld xmlns:a="http://schemas.openxmlformats.org/drawingml/2006/main" xmlns:r="http://schemas.openxmlformats.org/officeDocument/2006/relationships" xmlns:p="http://schemas.openxmlformats.org/presentationml/2006/main">
+  <p:cSld>
+    <p:spTree>
+      <p:nvGrpSpPr>
+        <p:cNvPr id="1" name=""/>
+        <p:cNvGrpSpPr/>
+        <p:nvPr/>
+      </p:nvGrpSpPr>
+      <p:grpSpPr>
+        <a:xfrm>
+          <a:off x="0" y="0"/>
+          <a:ext cx="0" cy="0"/>
+          <a:chOff x="0" y="0"/>
+          <a:chExt cx="0" cy="0"/>
+        </a:xfrm>
+      </p:grpSpPr>
+      <p:sp>
+        <p:nvSpPr>
+          <p:cNvPr id="2" name="Title 1">
+            <a:extLst>
+              <a:ext uri="{FF2B5EF4-FFF2-40B4-BE49-F238E27FC236}">
                 <a16:creationId xmlns:a16="http://schemas.microsoft.com/office/drawing/2014/main" id="{88EEA56A-21EC-4C5D-9474-BFBF3B512795}"/>
               </a:ext>
             </a:extLst>
@@ -3709,10 +3855,9 @@
               <a:rPr lang="en-US" dirty="0"/>
             </a:br>
             <a:r>
-              <a:rPr lang="en-US" sz="3200" dirty="0"/>
+              <a:rPr lang="en-US" sz="1400" dirty="0"/>
               <a:t>Does having accessible healthcare effect death rate?</a:t>
             </a:r>
-            <a:endParaRPr lang="en-US" dirty="0"/>
           </a:p>
         </p:txBody>
       </p:sp>
@@ -3768,10 +3913,10 @@
       </p:sp>
       <p:pic>
         <p:nvPicPr>
-          <p:cNvPr id="5" name="Picture 4" descr="Chart, bar chart&#10;&#10;Description automatically generated">
-            <a:extLst>
-              <a:ext uri="{FF2B5EF4-FFF2-40B4-BE49-F238E27FC236}">
-                <a16:creationId xmlns:a16="http://schemas.microsoft.com/office/drawing/2014/main" id="{468618AA-81E2-8C47-AF2E-15853D4AFA1D}"/>
+          <p:cNvPr id="6" name="Picture 5" descr="Chart, bar chart&#10;&#10;Description automatically generated">
+            <a:extLst>
+              <a:ext uri="{FF2B5EF4-FFF2-40B4-BE49-F238E27FC236}">
+                <a16:creationId xmlns:a16="http://schemas.microsoft.com/office/drawing/2014/main" id="{B47F4F45-1EBD-A947-8304-0ABEA14C7E76}"/>
               </a:ext>
             </a:extLst>
           </p:cNvPr>
@@ -3815,158 +3960,6 @@
 </p:sld>
 </file>
 
-<file path=ppt/slides/slide11.xml><?xml version="1.0" encoding="utf-8"?>
-<p:sld xmlns:a="http://schemas.openxmlformats.org/drawingml/2006/main" xmlns:r="http://schemas.openxmlformats.org/officeDocument/2006/relationships" xmlns:p="http://schemas.openxmlformats.org/presentationml/2006/main">
-  <p:cSld>
-    <p:spTree>
-      <p:nvGrpSpPr>
-        <p:cNvPr id="1" name=""/>
-        <p:cNvGrpSpPr/>
-        <p:nvPr/>
-      </p:nvGrpSpPr>
-      <p:grpSpPr>
-        <a:xfrm>
-          <a:off x="0" y="0"/>
-          <a:ext cx="0" cy="0"/>
-          <a:chOff x="0" y="0"/>
-          <a:chExt cx="0" cy="0"/>
-        </a:xfrm>
-      </p:grpSpPr>
-      <p:sp>
-        <p:nvSpPr>
-          <p:cNvPr id="2" name="Title 1">
-            <a:extLst>
-              <a:ext uri="{FF2B5EF4-FFF2-40B4-BE49-F238E27FC236}">
-                <a16:creationId xmlns:a16="http://schemas.microsoft.com/office/drawing/2014/main" id="{88EEA56A-21EC-4C5D-9474-BFBF3B512795}"/>
-              </a:ext>
-            </a:extLst>
-          </p:cNvPr>
-          <p:cNvSpPr>
-            <a:spLocks noGrp="1"/>
-          </p:cNvSpPr>
-          <p:nvPr>
-            <p:ph type="title"/>
-          </p:nvPr>
-        </p:nvSpPr>
-        <p:spPr/>
-        <p:txBody>
-          <a:bodyPr/>
-          <a:lstStyle/>
-          <a:p>
-            <a:r>
-              <a:rPr lang="en-US" dirty="0"/>
-              <a:t>Health Care : Hospital Beds versus Death Rate</a:t>
-            </a:r>
-            <a:br>
-              <a:rPr lang="en-US" dirty="0"/>
-            </a:br>
-            <a:r>
-              <a:rPr lang="en-US" sz="3200" dirty="0"/>
-              <a:t>Does having accessible healthcare effect death rate?</a:t>
-            </a:r>
-            <a:endParaRPr lang="en-US" dirty="0"/>
-          </a:p>
-        </p:txBody>
-      </p:sp>
-      <p:sp>
-        <p:nvSpPr>
-          <p:cNvPr id="4" name="TextBox 3">
-            <a:extLst>
-              <a:ext uri="{FF2B5EF4-FFF2-40B4-BE49-F238E27FC236}">
-                <a16:creationId xmlns:a16="http://schemas.microsoft.com/office/drawing/2014/main" id="{AB8D94A0-A1DF-4026-97E3-EEA0267611A1}"/>
-              </a:ext>
-            </a:extLst>
-          </p:cNvPr>
-          <p:cNvSpPr txBox="1"/>
-          <p:nvPr/>
-        </p:nvSpPr>
-        <p:spPr>
-          <a:xfrm>
-            <a:off x="838200" y="6171972"/>
-            <a:ext cx="9589008" cy="461665"/>
-          </a:xfrm>
-          <a:prstGeom prst="rect">
-            <a:avLst/>
-          </a:prstGeom>
-          <a:noFill/>
-        </p:spPr>
-        <p:txBody>
-          <a:bodyPr wrap="square" rtlCol="0">
-            <a:spAutoFit/>
-          </a:bodyPr>
-          <a:lstStyle/>
-          <a:p>
-            <a:r>
-              <a:rPr lang="en-US" sz="1200" b="1" u="sng" dirty="0"/>
-              <a:t>The Small Print</a:t>
-            </a:r>
-            <a:r>
-              <a:rPr lang="en-US" sz="1200" dirty="0"/>
-              <a:t> </a:t>
-            </a:r>
-          </a:p>
-          <a:p>
-            <a:r>
-              <a:rPr lang="en-US" sz="1200" dirty="0"/>
-              <a:t>Data Sources: Center for Disease Control (CDC) website: </a:t>
-            </a:r>
-            <a:r>
-              <a:rPr lang="en-US" sz="1200" dirty="0" err="1"/>
-              <a:t>cdc.gov</a:t>
-            </a:r>
-            <a:endParaRPr lang="en-US" sz="1200" dirty="0"/>
-          </a:p>
-        </p:txBody>
-      </p:sp>
-      <p:pic>
-        <p:nvPicPr>
-          <p:cNvPr id="13" name="Picture 12" descr="Chart, scatter chart&#10;&#10;Description automatically generated">
-            <a:extLst>
-              <a:ext uri="{FF2B5EF4-FFF2-40B4-BE49-F238E27FC236}">
-                <a16:creationId xmlns:a16="http://schemas.microsoft.com/office/drawing/2014/main" id="{738CF0A2-1A7E-3744-AA6A-80CC811A987E}"/>
-              </a:ext>
-            </a:extLst>
-          </p:cNvPr>
-          <p:cNvPicPr>
-            <a:picLocks noChangeAspect="1"/>
-          </p:cNvPicPr>
-          <p:nvPr/>
-        </p:nvPicPr>
-        <p:blipFill>
-          <a:blip r:embed="rId2">
-            <a:extLst>
-              <a:ext uri="{28A0092B-C50C-407E-A947-70E740481C1C}">
-                <a14:useLocalDpi xmlns:a14="http://schemas.microsoft.com/office/drawing/2010/main" val="0"/>
-              </a:ext>
-            </a:extLst>
-          </a:blip>
-          <a:stretch>
-            <a:fillRect/>
-          </a:stretch>
-        </p:blipFill>
-        <p:spPr>
-          <a:xfrm>
-            <a:off x="2649378" y="1620566"/>
-            <a:ext cx="6893243" cy="4595495"/>
-          </a:xfrm>
-          <a:prstGeom prst="rect">
-            <a:avLst/>
-          </a:prstGeom>
-        </p:spPr>
-      </p:pic>
-    </p:spTree>
-    <p:extLst>
-      <p:ext uri="{BB962C8B-B14F-4D97-AF65-F5344CB8AC3E}">
-        <p14:creationId xmlns:p14="http://schemas.microsoft.com/office/powerpoint/2010/main" val="4154975767"/>
-      </p:ext>
-    </p:extLst>
-  </p:cSld>
-  <p:clrMapOvr>
-    <a:masterClrMapping/>
-  </p:clrMapOvr>
-</p:sld>
-</file>
-
 <file path=ppt/slides/slide12.xml><?xml version="1.0" encoding="utf-8"?>
 <p:sld xmlns:a="http://schemas.openxmlformats.org/drawingml/2006/main" xmlns:r="http://schemas.openxmlformats.org/officeDocument/2006/relationships" xmlns:p="http://schemas.openxmlformats.org/presentationml/2006/main">
   <p:cSld>
@@ -4007,49 +4000,14 @@
           <a:p>
             <a:r>
               <a:rPr lang="en-US" dirty="0"/>
-              <a:t>Preventative Measures [John]</a:t>
+              <a:t>Health Care : Hospital Beds versus Death Rate</a:t>
             </a:r>
             <a:br>
               <a:rPr lang="en-US" dirty="0"/>
             </a:br>
             <a:r>
-              <a:rPr lang="en-US" sz="3200" dirty="0"/>
-              <a:t>High-level conclusion</a:t>
-            </a:r>
-            <a:endParaRPr lang="en-US" dirty="0"/>
-          </a:p>
-        </p:txBody>
-      </p:sp>
-      <p:sp>
-        <p:nvSpPr>
-          <p:cNvPr id="3" name="Content Placeholder 2">
-            <a:extLst>
-              <a:ext uri="{FF2B5EF4-FFF2-40B4-BE49-F238E27FC236}">
-                <a16:creationId xmlns:a16="http://schemas.microsoft.com/office/drawing/2014/main" id="{8255C409-34C6-40B3-BFB5-F40F2E36F4B8}"/>
-              </a:ext>
-            </a:extLst>
-          </p:cNvPr>
-          <p:cNvSpPr>
-            <a:spLocks noGrp="1"/>
-          </p:cNvSpPr>
-          <p:nvPr>
-            <p:ph idx="1"/>
-          </p:nvPr>
-        </p:nvSpPr>
-        <p:spPr/>
-        <p:txBody>
-          <a:bodyPr/>
-          <a:lstStyle/>
-          <a:p>
-            <a:r>
-              <a:rPr lang="en-US" dirty="0"/>
-              <a:t>2 histogram on same plot – death rate with mask and without mask</a:t>
-            </a:r>
-          </a:p>
-          <a:p>
-            <a:r>
-              <a:rPr lang="en-US" dirty="0"/>
-              <a:t>2 Sample t-test – is there a difference?</a:t>
+              <a:rPr lang="en-US" sz="1400" dirty="0"/>
+              <a:t>Does having accessible healthcare effect death rate?</a:t>
             </a:r>
           </a:p>
         </p:txBody>
@@ -4068,8 +4026,8 @@
         </p:nvSpPr>
         <p:spPr>
           <a:xfrm>
-            <a:off x="786384" y="5850235"/>
-            <a:ext cx="9589008" cy="830997"/>
+            <a:off x="838200" y="6171972"/>
+            <a:ext cx="9589008" cy="461665"/>
           </a:xfrm>
           <a:prstGeom prst="rect">
             <a:avLst/>
@@ -4086,31 +4044,64 @@
               <a:rPr lang="en-US" sz="1200" b="1" u="sng" dirty="0"/>
               <a:t>The Small Print</a:t>
             </a:r>
-          </a:p>
-          <a:p>
             <a:r>
               <a:rPr lang="en-US" sz="1200" dirty="0"/>
-              <a:t>Definitions of any terms or metrics:  March 2020 to April 2021 | Death Rate is cumulative confirmed Covid Deaths / cumulative confirmed Covid Cases </a:t>
+              <a:t> </a:t>
             </a:r>
           </a:p>
           <a:p>
             <a:r>
               <a:rPr lang="en-US" sz="1200" dirty="0"/>
-              <a:t>Data Sources: Center for Disease Control (CDC) website: cdc.gov</a:t>
-            </a:r>
-          </a:p>
-          <a:p>
-            <a:r>
-              <a:rPr lang="en-US" sz="1200" dirty="0"/>
-              <a:t>Omissions or filtering: No data for AS</a:t>
-            </a:r>
-          </a:p>
-        </p:txBody>
-      </p:sp>
+              <a:t>Data Sources: Center for Disease Control (CDC) website: </a:t>
+            </a:r>
+            <a:r>
+              <a:rPr lang="en-US" sz="1200" dirty="0" err="1"/>
+              <a:t>cdc.gov</a:t>
+            </a:r>
+            <a:endParaRPr lang="en-US" sz="1200" dirty="0"/>
+          </a:p>
+        </p:txBody>
+      </p:sp>
+      <p:pic>
+        <p:nvPicPr>
+          <p:cNvPr id="5" name="Picture 4" descr="Chart, scatter chart&#10;&#10;Description automatically generated">
+            <a:extLst>
+              <a:ext uri="{FF2B5EF4-FFF2-40B4-BE49-F238E27FC236}">
+                <a16:creationId xmlns:a16="http://schemas.microsoft.com/office/drawing/2014/main" id="{E619428C-B256-C74B-AF11-7D48398FF1FF}"/>
+              </a:ext>
+            </a:extLst>
+          </p:cNvPr>
+          <p:cNvPicPr>
+            <a:picLocks noChangeAspect="1"/>
+          </p:cNvPicPr>
+          <p:nvPr/>
+        </p:nvPicPr>
+        <p:blipFill>
+          <a:blip r:embed="rId2">
+            <a:extLst>
+              <a:ext uri="{28A0092B-C50C-407E-A947-70E740481C1C}">
+                <a14:useLocalDpi xmlns:a14="http://schemas.microsoft.com/office/drawing/2010/main" val="0"/>
+              </a:ext>
+            </a:extLst>
+          </a:blip>
+          <a:stretch>
+            <a:fillRect/>
+          </a:stretch>
+        </p:blipFill>
+        <p:spPr>
+          <a:xfrm>
+            <a:off x="2818332" y="1690688"/>
+            <a:ext cx="6555335" cy="4370223"/>
+          </a:xfrm>
+          <a:prstGeom prst="rect">
+            <a:avLst/>
+          </a:prstGeom>
+        </p:spPr>
+      </p:pic>
     </p:spTree>
     <p:extLst>
       <p:ext uri="{BB962C8B-B14F-4D97-AF65-F5344CB8AC3E}">
-        <p14:creationId xmlns:p14="http://schemas.microsoft.com/office/powerpoint/2010/main" val="4204894420"/>
+        <p14:creationId xmlns:p14="http://schemas.microsoft.com/office/powerpoint/2010/main" val="4154975767"/>
       </p:ext>
     </p:extLst>
   </p:cSld>
@@ -4160,7 +4151,7 @@
           <a:p>
             <a:r>
               <a:rPr lang="en-US" dirty="0"/>
-              <a:t>Vaccination Rollout [?]</a:t>
+              <a:t>Preventative Measures [John]</a:t>
             </a:r>
             <a:br>
               <a:rPr lang="en-US" dirty="0"/>
@@ -4196,13 +4187,13 @@
           <a:p>
             <a:r>
               <a:rPr lang="en-US" dirty="0"/>
-              <a:t>Scatter % complete versus death rate</a:t>
+              <a:t>2 histogram on same plot – death rate with mask and without mask</a:t>
             </a:r>
           </a:p>
           <a:p>
             <a:r>
               <a:rPr lang="en-US" dirty="0"/>
-              <a:t>Regression</a:t>
+              <a:t>2 Sample t-test – is there a difference?</a:t>
             </a:r>
           </a:p>
         </p:txBody>
@@ -4263,7 +4254,7 @@
     </p:spTree>
     <p:extLst>
       <p:ext uri="{BB962C8B-B14F-4D97-AF65-F5344CB8AC3E}">
-        <p14:creationId xmlns:p14="http://schemas.microsoft.com/office/powerpoint/2010/main" val="2518426682"/>
+        <p14:creationId xmlns:p14="http://schemas.microsoft.com/office/powerpoint/2010/main" val="4204894420"/>
       </p:ext>
     </p:extLst>
   </p:cSld>
@@ -4313,6 +4304,159 @@
           <a:p>
             <a:r>
               <a:rPr lang="en-US" dirty="0"/>
+              <a:t>Vaccination Rollout [?]</a:t>
+            </a:r>
+            <a:br>
+              <a:rPr lang="en-US" dirty="0"/>
+            </a:br>
+            <a:r>
+              <a:rPr lang="en-US" sz="3200" dirty="0"/>
+              <a:t>High-level conclusion</a:t>
+            </a:r>
+            <a:endParaRPr lang="en-US" dirty="0"/>
+          </a:p>
+        </p:txBody>
+      </p:sp>
+      <p:sp>
+        <p:nvSpPr>
+          <p:cNvPr id="3" name="Content Placeholder 2">
+            <a:extLst>
+              <a:ext uri="{FF2B5EF4-FFF2-40B4-BE49-F238E27FC236}">
+                <a16:creationId xmlns:a16="http://schemas.microsoft.com/office/drawing/2014/main" id="{8255C409-34C6-40B3-BFB5-F40F2E36F4B8}"/>
+              </a:ext>
+            </a:extLst>
+          </p:cNvPr>
+          <p:cNvSpPr>
+            <a:spLocks noGrp="1"/>
+          </p:cNvSpPr>
+          <p:nvPr>
+            <p:ph idx="1"/>
+          </p:nvPr>
+        </p:nvSpPr>
+        <p:spPr/>
+        <p:txBody>
+          <a:bodyPr/>
+          <a:lstStyle/>
+          <a:p>
+            <a:r>
+              <a:rPr lang="en-US" dirty="0"/>
+              <a:t>Scatter % complete versus death rate</a:t>
+            </a:r>
+          </a:p>
+          <a:p>
+            <a:r>
+              <a:rPr lang="en-US" dirty="0"/>
+              <a:t>Regression</a:t>
+            </a:r>
+          </a:p>
+        </p:txBody>
+      </p:sp>
+      <p:sp>
+        <p:nvSpPr>
+          <p:cNvPr id="4" name="TextBox 3">
+            <a:extLst>
+              <a:ext uri="{FF2B5EF4-FFF2-40B4-BE49-F238E27FC236}">
+                <a16:creationId xmlns:a16="http://schemas.microsoft.com/office/drawing/2014/main" id="{AB8D94A0-A1DF-4026-97E3-EEA0267611A1}"/>
+              </a:ext>
+            </a:extLst>
+          </p:cNvPr>
+          <p:cNvSpPr txBox="1"/>
+          <p:nvPr/>
+        </p:nvSpPr>
+        <p:spPr>
+          <a:xfrm>
+            <a:off x="786384" y="5850235"/>
+            <a:ext cx="9589008" cy="830997"/>
+          </a:xfrm>
+          <a:prstGeom prst="rect">
+            <a:avLst/>
+          </a:prstGeom>
+          <a:noFill/>
+        </p:spPr>
+        <p:txBody>
+          <a:bodyPr wrap="square" rtlCol="0">
+            <a:spAutoFit/>
+          </a:bodyPr>
+          <a:lstStyle/>
+          <a:p>
+            <a:r>
+              <a:rPr lang="en-US" sz="1200" b="1" u="sng" dirty="0"/>
+              <a:t>The Small Print</a:t>
+            </a:r>
+          </a:p>
+          <a:p>
+            <a:r>
+              <a:rPr lang="en-US" sz="1200" dirty="0"/>
+              <a:t>Definitions of any terms or metrics:  March 2020 to April 2021 | Death Rate is cumulative confirmed Covid Deaths / cumulative confirmed Covid Cases </a:t>
+            </a:r>
+          </a:p>
+          <a:p>
+            <a:r>
+              <a:rPr lang="en-US" sz="1200" dirty="0"/>
+              <a:t>Data Sources: Center for Disease Control (CDC) website: cdc.gov</a:t>
+            </a:r>
+          </a:p>
+          <a:p>
+            <a:r>
+              <a:rPr lang="en-US" sz="1200" dirty="0"/>
+              <a:t>Omissions or filtering: No data for AS</a:t>
+            </a:r>
+          </a:p>
+        </p:txBody>
+      </p:sp>
+    </p:spTree>
+    <p:extLst>
+      <p:ext uri="{BB962C8B-B14F-4D97-AF65-F5344CB8AC3E}">
+        <p14:creationId xmlns:p14="http://schemas.microsoft.com/office/powerpoint/2010/main" val="2518426682"/>
+      </p:ext>
+    </p:extLst>
+  </p:cSld>
+  <p:clrMapOvr>
+    <a:masterClrMapping/>
+  </p:clrMapOvr>
+</p:sld>
+</file>
+
+<file path=ppt/slides/slide15.xml><?xml version="1.0" encoding="utf-8"?>
+<p:sld xmlns:a="http://schemas.openxmlformats.org/drawingml/2006/main" xmlns:r="http://schemas.openxmlformats.org/officeDocument/2006/relationships" xmlns:p="http://schemas.openxmlformats.org/presentationml/2006/main">
+  <p:cSld>
+    <p:spTree>
+      <p:nvGrpSpPr>
+        <p:cNvPr id="1" name=""/>
+        <p:cNvGrpSpPr/>
+        <p:nvPr/>
+      </p:nvGrpSpPr>
+      <p:grpSpPr>
+        <a:xfrm>
+          <a:off x="0" y="0"/>
+          <a:ext cx="0" cy="0"/>
+          <a:chOff x="0" y="0"/>
+          <a:chExt cx="0" cy="0"/>
+        </a:xfrm>
+      </p:grpSpPr>
+      <p:sp>
+        <p:nvSpPr>
+          <p:cNvPr id="2" name="Title 1">
+            <a:extLst>
+              <a:ext uri="{FF2B5EF4-FFF2-40B4-BE49-F238E27FC236}">
+                <a16:creationId xmlns:a16="http://schemas.microsoft.com/office/drawing/2014/main" id="{88EEA56A-21EC-4C5D-9474-BFBF3B512795}"/>
+              </a:ext>
+            </a:extLst>
+          </p:cNvPr>
+          <p:cNvSpPr>
+            <a:spLocks noGrp="1"/>
+          </p:cNvSpPr>
+          <p:nvPr>
+            <p:ph type="title"/>
+          </p:nvPr>
+        </p:nvSpPr>
+        <p:spPr/>
+        <p:txBody>
+          <a:bodyPr/>
+          <a:lstStyle/>
+          <a:p>
+            <a:r>
+              <a:rPr lang="en-US" dirty="0"/>
               <a:t>Demographics [?]</a:t>
             </a:r>
             <a:br>
@@ -4420,7 +4564,7 @@
 </p:sld>
 </file>
 
-<file path=ppt/slides/slide15.xml><?xml version="1.0" encoding="utf-8"?>
+<file path=ppt/slides/slide16.xml><?xml version="1.0" encoding="utf-8"?>
 <p:sld xmlns:a="http://schemas.openxmlformats.org/drawingml/2006/main" xmlns:r="http://schemas.openxmlformats.org/officeDocument/2006/relationships" xmlns:p="http://schemas.openxmlformats.org/presentationml/2006/main">
   <p:cSld>
     <p:spTree>
@@ -4725,10 +4869,9 @@
               <a:rPr lang="en-US" dirty="0"/>
             </a:br>
             <a:r>
-              <a:rPr lang="en-US" sz="3200" dirty="0"/>
-              <a:t>High-level conclusion</a:t>
-            </a:r>
-            <a:endParaRPr lang="en-US" dirty="0"/>
+              <a:rPr lang="en-US" sz="1400" dirty="0"/>
+              <a:t>Death rate ranked by US State</a:t>
+            </a:r>
           </a:p>
         </p:txBody>
       </p:sp>
@@ -4875,6 +5018,14 @@
               <a:rPr lang="en-US" dirty="0"/>
               <a:t>Death Rate by State</a:t>
             </a:r>
+            <a:br>
+              <a:rPr lang="en-US" dirty="0"/>
+            </a:br>
+            <a:r>
+              <a:rPr lang="en-US" sz="1400" dirty="0"/>
+              <a:t>Are there any outliers?</a:t>
+            </a:r>
+            <a:endParaRPr lang="en-US" dirty="0"/>
           </a:p>
         </p:txBody>
       </p:sp>
@@ -5127,42 +5278,9 @@
             <a:br>
               <a:rPr lang="en-US" dirty="0"/>
             </a:br>
-            <a:endParaRPr lang="en-US" sz="2000" dirty="0"/>
-          </a:p>
-        </p:txBody>
-      </p:sp>
-      <p:sp>
-        <p:nvSpPr>
-          <p:cNvPr id="3" name="Content Placeholder 2">
-            <a:extLst>
-              <a:ext uri="{FF2B5EF4-FFF2-40B4-BE49-F238E27FC236}">
-                <a16:creationId xmlns:a16="http://schemas.microsoft.com/office/drawing/2014/main" id="{8255C409-34C6-40B3-BFB5-F40F2E36F4B8}"/>
-              </a:ext>
-            </a:extLst>
-          </p:cNvPr>
-          <p:cNvSpPr>
-            <a:spLocks noGrp="1"/>
-          </p:cNvSpPr>
-          <p:nvPr>
-            <p:ph idx="1"/>
-          </p:nvPr>
-        </p:nvSpPr>
-        <p:spPr>
-          <a:xfrm>
-            <a:off x="6629400" y="1690688"/>
-            <a:ext cx="4196255" cy="3692306"/>
-          </a:xfrm>
-        </p:spPr>
-        <p:txBody>
-          <a:bodyPr/>
-          <a:lstStyle/>
-          <a:p>
-            <a:pPr marL="0" indent="0">
-              <a:buNone/>
-            </a:pPr>
-            <a:r>
-              <a:rPr lang="en-US" dirty="0"/>
-              <a:t>Bar Chart – normalized death rate by age group</a:t>
+            <a:r>
+              <a:rPr lang="en-US" sz="2000" dirty="0"/>
+              <a:t>Normalized Death Rate by Age Group</a:t>
             </a:r>
           </a:p>
         </p:txBody>
@@ -5221,10 +5339,10 @@
       </p:sp>
       <p:pic>
         <p:nvPicPr>
-          <p:cNvPr id="6" name="Picture 5" descr="Chart&#10;&#10;Description automatically generated">
-            <a:extLst>
-              <a:ext uri="{FF2B5EF4-FFF2-40B4-BE49-F238E27FC236}">
-                <a16:creationId xmlns:a16="http://schemas.microsoft.com/office/drawing/2014/main" id="{9A23E581-B2D4-8D4E-A56F-F5B10EB54D38}"/>
+          <p:cNvPr id="7" name="Picture 6" descr="Chart, bar chart&#10;&#10;Description automatically generated">
+            <a:extLst>
+              <a:ext uri="{FF2B5EF4-FFF2-40B4-BE49-F238E27FC236}">
+                <a16:creationId xmlns:a16="http://schemas.microsoft.com/office/drawing/2014/main" id="{B4D755F1-716B-6247-919F-DA95CD58D84F}"/>
               </a:ext>
             </a:extLst>
           </p:cNvPr>
@@ -5247,8 +5365,8 @@
         </p:blipFill>
         <p:spPr>
           <a:xfrm>
-            <a:off x="254000" y="1968500"/>
-            <a:ext cx="5842000" cy="3530600"/>
+            <a:off x="0" y="1690688"/>
+            <a:ext cx="12192000" cy="4064000"/>
           </a:xfrm>
           <a:prstGeom prst="rect">
             <a:avLst/>
@@ -5303,6 +5421,161 @@
         </p:nvSpPr>
         <p:spPr/>
         <p:txBody>
+          <a:bodyPr>
+            <a:normAutofit/>
+          </a:bodyPr>
+          <a:lstStyle/>
+          <a:p>
+            <a:r>
+              <a:rPr lang="en-US" dirty="0"/>
+              <a:t>Death Rate by Age</a:t>
+            </a:r>
+            <a:br>
+              <a:rPr lang="en-US" dirty="0"/>
+            </a:br>
+            <a:r>
+              <a:rPr lang="en-US" sz="1400" dirty="0"/>
+              <a:t>Is age a factor in death rate?</a:t>
+            </a:r>
+          </a:p>
+        </p:txBody>
+      </p:sp>
+      <p:sp>
+        <p:nvSpPr>
+          <p:cNvPr id="4" name="TextBox 3">
+            <a:extLst>
+              <a:ext uri="{FF2B5EF4-FFF2-40B4-BE49-F238E27FC236}">
+                <a16:creationId xmlns:a16="http://schemas.microsoft.com/office/drawing/2014/main" id="{AB8D94A0-A1DF-4026-97E3-EEA0267611A1}"/>
+              </a:ext>
+            </a:extLst>
+          </p:cNvPr>
+          <p:cNvSpPr txBox="1"/>
+          <p:nvPr/>
+        </p:nvSpPr>
+        <p:spPr>
+          <a:xfrm>
+            <a:off x="838200" y="5846544"/>
+            <a:ext cx="9589008" cy="646331"/>
+          </a:xfrm>
+          <a:prstGeom prst="rect">
+            <a:avLst/>
+          </a:prstGeom>
+          <a:noFill/>
+        </p:spPr>
+        <p:txBody>
+          <a:bodyPr wrap="square" rtlCol="0">
+            <a:spAutoFit/>
+          </a:bodyPr>
+          <a:lstStyle/>
+          <a:p>
+            <a:r>
+              <a:rPr lang="en-US" sz="1200" b="1" u="sng" dirty="0"/>
+              <a:t>The Small Print</a:t>
+            </a:r>
+          </a:p>
+          <a:p>
+            <a:r>
+              <a:rPr lang="en-US" sz="1200" dirty="0"/>
+              <a:t>Definitions of any terms or metrics:  January 2020 to April 2021 | Death Rate is cumulative confirmed Covid Deaths / cumulative confirmed Covid Cases </a:t>
+            </a:r>
+          </a:p>
+          <a:p>
+            <a:r>
+              <a:rPr lang="en-US" sz="1200" dirty="0"/>
+              <a:t>Data Sources: Center for Disease Control (CDC) website: </a:t>
+            </a:r>
+            <a:r>
+              <a:rPr lang="en-US" sz="1200" dirty="0" err="1"/>
+              <a:t>cdc.gov</a:t>
+            </a:r>
+            <a:endParaRPr lang="en-US" sz="1200" dirty="0"/>
+          </a:p>
+        </p:txBody>
+      </p:sp>
+      <p:pic>
+        <p:nvPicPr>
+          <p:cNvPr id="6" name="Picture 5" descr="Chart&#10;&#10;Description automatically generated">
+            <a:extLst>
+              <a:ext uri="{FF2B5EF4-FFF2-40B4-BE49-F238E27FC236}">
+                <a16:creationId xmlns:a16="http://schemas.microsoft.com/office/drawing/2014/main" id="{9A23E581-B2D4-8D4E-A56F-F5B10EB54D38}"/>
+              </a:ext>
+            </a:extLst>
+          </p:cNvPr>
+          <p:cNvPicPr>
+            <a:picLocks noChangeAspect="1"/>
+          </p:cNvPicPr>
+          <p:nvPr/>
+        </p:nvPicPr>
+        <p:blipFill>
+          <a:blip r:embed="rId2">
+            <a:extLst>
+              <a:ext uri="{28A0092B-C50C-407E-A947-70E740481C1C}">
+                <a14:useLocalDpi xmlns:a14="http://schemas.microsoft.com/office/drawing/2010/main" val="0"/>
+              </a:ext>
+            </a:extLst>
+          </a:blip>
+          <a:stretch>
+            <a:fillRect/>
+          </a:stretch>
+        </p:blipFill>
+        <p:spPr>
+          <a:xfrm>
+            <a:off x="2375372" y="1690688"/>
+            <a:ext cx="6514663" cy="3937123"/>
+          </a:xfrm>
+          <a:prstGeom prst="rect">
+            <a:avLst/>
+          </a:prstGeom>
+        </p:spPr>
+      </p:pic>
+    </p:spTree>
+    <p:extLst>
+      <p:ext uri="{BB962C8B-B14F-4D97-AF65-F5344CB8AC3E}">
+        <p14:creationId xmlns:p14="http://schemas.microsoft.com/office/powerpoint/2010/main" val="2043794612"/>
+      </p:ext>
+    </p:extLst>
+  </p:cSld>
+  <p:clrMapOvr>
+    <a:masterClrMapping/>
+  </p:clrMapOvr>
+</p:sld>
+</file>
+
+<file path=ppt/slides/slide7.xml><?xml version="1.0" encoding="utf-8"?>
+<p:sld xmlns:a="http://schemas.openxmlformats.org/drawingml/2006/main" xmlns:r="http://schemas.openxmlformats.org/officeDocument/2006/relationships" xmlns:p="http://schemas.openxmlformats.org/presentationml/2006/main">
+  <p:cSld>
+    <p:spTree>
+      <p:nvGrpSpPr>
+        <p:cNvPr id="1" name=""/>
+        <p:cNvGrpSpPr/>
+        <p:nvPr/>
+      </p:nvGrpSpPr>
+      <p:grpSpPr>
+        <a:xfrm>
+          <a:off x="0" y="0"/>
+          <a:ext cx="0" cy="0"/>
+          <a:chOff x="0" y="0"/>
+          <a:chExt cx="0" cy="0"/>
+        </a:xfrm>
+      </p:grpSpPr>
+      <p:sp>
+        <p:nvSpPr>
+          <p:cNvPr id="2" name="Title 1">
+            <a:extLst>
+              <a:ext uri="{FF2B5EF4-FFF2-40B4-BE49-F238E27FC236}">
+                <a16:creationId xmlns:a16="http://schemas.microsoft.com/office/drawing/2014/main" id="{88EEA56A-21EC-4C5D-9474-BFBF3B512795}"/>
+              </a:ext>
+            </a:extLst>
+          </p:cNvPr>
+          <p:cNvSpPr>
+            <a:spLocks noGrp="1"/>
+          </p:cNvSpPr>
+          <p:nvPr>
+            <p:ph type="title"/>
+          </p:nvPr>
+        </p:nvSpPr>
+        <p:spPr/>
+        <p:txBody>
           <a:bodyPr/>
           <a:lstStyle/>
           <a:p>
@@ -5470,89 +5743,6 @@
 </p:sld>
 </file>
 
-<file path=ppt/slides/slide7.xml><?xml version="1.0" encoding="utf-8"?>
-<p:sld xmlns:a="http://schemas.openxmlformats.org/drawingml/2006/main" xmlns:r="http://schemas.openxmlformats.org/officeDocument/2006/relationships" xmlns:p="http://schemas.openxmlformats.org/presentationml/2006/main">
-  <p:cSld>
-    <p:spTree>
-      <p:nvGrpSpPr>
-        <p:cNvPr id="1" name=""/>
-        <p:cNvGrpSpPr/>
-        <p:nvPr/>
-      </p:nvGrpSpPr>
-      <p:grpSpPr>
-        <a:xfrm>
-          <a:off x="0" y="0"/>
-          <a:ext cx="0" cy="0"/>
-          <a:chOff x="0" y="0"/>
-          <a:chExt cx="0" cy="0"/>
-        </a:xfrm>
-      </p:grpSpPr>
-      <p:sp>
-        <p:nvSpPr>
-          <p:cNvPr id="2" name="Title 1">
-            <a:extLst>
-              <a:ext uri="{FF2B5EF4-FFF2-40B4-BE49-F238E27FC236}">
-                <a16:creationId xmlns:a16="http://schemas.microsoft.com/office/drawing/2014/main" id="{AE77BA51-5CA8-47D3-BBDF-9027CDFCCFBB}"/>
-              </a:ext>
-            </a:extLst>
-          </p:cNvPr>
-          <p:cNvSpPr>
-            <a:spLocks noGrp="1"/>
-          </p:cNvSpPr>
-          <p:nvPr>
-            <p:ph type="title"/>
-          </p:nvPr>
-        </p:nvSpPr>
-        <p:spPr/>
-        <p:txBody>
-          <a:bodyPr/>
-          <a:lstStyle/>
-          <a:p>
-            <a:r>
-              <a:rPr lang="en-US" dirty="0"/>
-              <a:t>Conclusions [All]</a:t>
-            </a:r>
-          </a:p>
-        </p:txBody>
-      </p:sp>
-      <p:sp>
-        <p:nvSpPr>
-          <p:cNvPr id="3" name="Content Placeholder 2">
-            <a:extLst>
-              <a:ext uri="{FF2B5EF4-FFF2-40B4-BE49-F238E27FC236}">
-                <a16:creationId xmlns:a16="http://schemas.microsoft.com/office/drawing/2014/main" id="{1EF89807-BD61-448C-AECF-F0035C097D51}"/>
-              </a:ext>
-            </a:extLst>
-          </p:cNvPr>
-          <p:cNvSpPr>
-            <a:spLocks noGrp="1"/>
-          </p:cNvSpPr>
-          <p:nvPr>
-            <p:ph idx="1"/>
-          </p:nvPr>
-        </p:nvSpPr>
-        <p:spPr/>
-        <p:txBody>
-          <a:bodyPr/>
-          <a:lstStyle/>
-          <a:p>
-            <a:endParaRPr lang="en-US" dirty="0"/>
-          </a:p>
-        </p:txBody>
-      </p:sp>
-    </p:spTree>
-    <p:extLst>
-      <p:ext uri="{BB962C8B-B14F-4D97-AF65-F5344CB8AC3E}">
-        <p14:creationId xmlns:p14="http://schemas.microsoft.com/office/powerpoint/2010/main" val="3665675223"/>
-      </p:ext>
-    </p:extLst>
-  </p:cSld>
-  <p:clrMapOvr>
-    <a:masterClrMapping/>
-  </p:clrMapOvr>
-</p:sld>
-</file>
-
 <file path=ppt/slides/slide8.xml><?xml version="1.0" encoding="utf-8"?>
 <p:sld xmlns:a="http://schemas.openxmlformats.org/drawingml/2006/main" xmlns:r="http://schemas.openxmlformats.org/officeDocument/2006/relationships" xmlns:p="http://schemas.openxmlformats.org/presentationml/2006/main">
   <p:cSld>
@@ -5575,7 +5765,7 @@
           <p:cNvPr id="2" name="Title 1">
             <a:extLst>
               <a:ext uri="{FF2B5EF4-FFF2-40B4-BE49-F238E27FC236}">
-                <a16:creationId xmlns:a16="http://schemas.microsoft.com/office/drawing/2014/main" id="{3F26E01B-F803-4DC7-95D3-9844DB734770}"/>
+                <a16:creationId xmlns:a16="http://schemas.microsoft.com/office/drawing/2014/main" id="{AE77BA51-5CA8-47D3-BBDF-9027CDFCCFBB}"/>
               </a:ext>
             </a:extLst>
           </p:cNvPr>
@@ -5593,7 +5783,7 @@
           <a:p>
             <a:r>
               <a:rPr lang="en-US" dirty="0"/>
-              <a:t>Mitigating / Explanations</a:t>
+              <a:t>Conclusions [All]</a:t>
             </a:r>
           </a:p>
         </p:txBody>
@@ -5603,7 +5793,7 @@
           <p:cNvPr id="3" name="Content Placeholder 2">
             <a:extLst>
               <a:ext uri="{FF2B5EF4-FFF2-40B4-BE49-F238E27FC236}">
-                <a16:creationId xmlns:a16="http://schemas.microsoft.com/office/drawing/2014/main" id="{B839295A-742B-48D5-BF10-2EEC2FE791B0}"/>
+                <a16:creationId xmlns:a16="http://schemas.microsoft.com/office/drawing/2014/main" id="{1EF89807-BD61-448C-AECF-F0035C097D51}"/>
               </a:ext>
             </a:extLst>
           </p:cNvPr>
@@ -5619,69 +5809,14 @@
           <a:bodyPr/>
           <a:lstStyle/>
           <a:p>
-            <a:r>
-              <a:rPr lang="en-US" dirty="0"/>
-              <a:t>Health</a:t>
-            </a:r>
-          </a:p>
-          <a:p>
-            <a:pPr lvl="1"/>
-            <a:r>
-              <a:rPr lang="en-US" dirty="0"/>
-              <a:t>Quality of health care =&gt; hospital beds per capita</a:t>
-            </a:r>
-          </a:p>
-          <a:p>
-            <a:pPr lvl="1"/>
-            <a:r>
-              <a:rPr lang="en-US" dirty="0"/>
-              <a:t>Scatter plot normalized death rate versus hospital beds</a:t>
-            </a:r>
-          </a:p>
-          <a:p>
-            <a:pPr lvl="1"/>
-            <a:r>
-              <a:rPr lang="en-US" dirty="0"/>
-              <a:t>Regression analysis</a:t>
-            </a:r>
-          </a:p>
-          <a:p>
-            <a:pPr lvl="1"/>
             <a:endParaRPr lang="en-US" dirty="0"/>
-          </a:p>
-          <a:p>
-            <a:r>
-              <a:rPr lang="en-US" dirty="0"/>
-              <a:t>Preventative Measures</a:t>
-            </a:r>
-          </a:p>
-          <a:p>
-            <a:pPr lvl="1"/>
-            <a:r>
-              <a:rPr lang="en-US" dirty="0"/>
-              <a:t>Mask mandate data (by month)</a:t>
-            </a:r>
-          </a:p>
-          <a:p>
-            <a:pPr lvl="1"/>
-            <a:r>
-              <a:rPr lang="en-US" dirty="0"/>
-              <a:t>Yes or no</a:t>
-            </a:r>
-          </a:p>
-          <a:p>
-            <a:pPr lvl="1"/>
-            <a:r>
-              <a:rPr lang="en-US" dirty="0"/>
-              <a:t>2-sample t-test</a:t>
-            </a:r>
           </a:p>
         </p:txBody>
       </p:sp>
     </p:spTree>
     <p:extLst>
       <p:ext uri="{BB962C8B-B14F-4D97-AF65-F5344CB8AC3E}">
-        <p14:creationId xmlns:p14="http://schemas.microsoft.com/office/powerpoint/2010/main" val="3984935855"/>
+        <p14:creationId xmlns:p14="http://schemas.microsoft.com/office/powerpoint/2010/main" val="3665675223"/>
       </p:ext>
     </p:extLst>
   </p:cSld>
@@ -5713,7 +5848,7 @@
           <p:cNvPr id="2" name="Title 1">
             <a:extLst>
               <a:ext uri="{FF2B5EF4-FFF2-40B4-BE49-F238E27FC236}">
-                <a16:creationId xmlns:a16="http://schemas.microsoft.com/office/drawing/2014/main" id="{DD2BE12E-2C71-4FC3-A715-6EA7AEBF1F6F}"/>
+                <a16:creationId xmlns:a16="http://schemas.microsoft.com/office/drawing/2014/main" id="{3F26E01B-F803-4DC7-95D3-9844DB734770}"/>
               </a:ext>
             </a:extLst>
           </p:cNvPr>
@@ -5741,7 +5876,7 @@
           <p:cNvPr id="3" name="Content Placeholder 2">
             <a:extLst>
               <a:ext uri="{FF2B5EF4-FFF2-40B4-BE49-F238E27FC236}">
-                <a16:creationId xmlns:a16="http://schemas.microsoft.com/office/drawing/2014/main" id="{7F6B4214-1624-4766-8D3F-611B88207B9D}"/>
+                <a16:creationId xmlns:a16="http://schemas.microsoft.com/office/drawing/2014/main" id="{B839295A-742B-48D5-BF10-2EEC2FE791B0}"/>
               </a:ext>
             </a:extLst>
           </p:cNvPr>
@@ -5759,28 +5894,28 @@
           <a:p>
             <a:r>
               <a:rPr lang="en-US" dirty="0"/>
-              <a:t>Demographics (Scatter Plot – regression)</a:t>
+              <a:t>Health</a:t>
             </a:r>
           </a:p>
           <a:p>
             <a:pPr lvl="1"/>
             <a:r>
               <a:rPr lang="en-US" dirty="0"/>
-              <a:t>Sex</a:t>
+              <a:t>Quality of health care =&gt; hospital beds per capita</a:t>
             </a:r>
           </a:p>
           <a:p>
             <a:pPr lvl="1"/>
             <a:r>
               <a:rPr lang="en-US" dirty="0"/>
-              <a:t>Race</a:t>
+              <a:t>Scatter plot normalized death rate versus hospital beds</a:t>
             </a:r>
           </a:p>
           <a:p>
             <a:pPr lvl="1"/>
             <a:r>
               <a:rPr lang="en-US" dirty="0"/>
-              <a:t>Income (if we have time)</a:t>
+              <a:t>Regression analysis</a:t>
             </a:r>
           </a:p>
           <a:p>
@@ -5790,43 +5925,36 @@
           <a:p>
             <a:r>
               <a:rPr lang="en-US" dirty="0"/>
-              <a:t>Timing</a:t>
+              <a:t>Preventative Measures</a:t>
             </a:r>
           </a:p>
           <a:p>
             <a:pPr lvl="1"/>
             <a:r>
               <a:rPr lang="en-US" dirty="0"/>
-              <a:t>Vaccination roll out</a:t>
+              <a:t>Mask mandate data (by month)</a:t>
             </a:r>
           </a:p>
           <a:p>
             <a:pPr lvl="1"/>
-            <a:endParaRPr lang="en-US" dirty="0"/>
-          </a:p>
-          <a:p>
             <a:r>
               <a:rPr lang="en-US" dirty="0"/>
-              <a:t>Geography</a:t>
+              <a:t>Yes or no</a:t>
             </a:r>
           </a:p>
           <a:p>
             <a:pPr lvl="1"/>
             <a:r>
               <a:rPr lang="en-US" dirty="0"/>
-              <a:t>Urban/Metropolitan populations (if we have time)</a:t>
-            </a:r>
-          </a:p>
-          <a:p>
-            <a:pPr lvl="1"/>
-            <a:endParaRPr lang="en-US" dirty="0"/>
+              <a:t>2-sample t-test</a:t>
+            </a:r>
           </a:p>
         </p:txBody>
       </p:sp>
     </p:spTree>
     <p:extLst>
       <p:ext uri="{BB962C8B-B14F-4D97-AF65-F5344CB8AC3E}">
-        <p14:creationId xmlns:p14="http://schemas.microsoft.com/office/powerpoint/2010/main" val="2957254703"/>
+        <p14:creationId xmlns:p14="http://schemas.microsoft.com/office/powerpoint/2010/main" val="3984935855"/>
       </p:ext>
     </p:extLst>
   </p:cSld>

--- a/Folder0/Presentation.pptx
+++ b/Folder0/Presentation.pptx
@@ -8,9 +8,9 @@
     <p:sldId id="256" r:id="rId2"/>
     <p:sldId id="257" r:id="rId3"/>
     <p:sldId id="261" r:id="rId4"/>
-    <p:sldId id="273" r:id="rId5"/>
+    <p:sldId id="274" r:id="rId5"/>
     <p:sldId id="262" r:id="rId6"/>
-    <p:sldId id="274" r:id="rId7"/>
+    <p:sldId id="273" r:id="rId7"/>
     <p:sldId id="263" r:id="rId8"/>
     <p:sldId id="264" r:id="rId9"/>
     <p:sldId id="258" r:id="rId10"/>
@@ -4863,7 +4863,7 @@
           <a:p>
             <a:r>
               <a:rPr lang="en-US" dirty="0"/>
-              <a:t>Death Rate by State</a:t>
+              <a:t>Death Rate</a:t>
             </a:r>
             <a:br>
               <a:rPr lang="en-US" dirty="0"/>
@@ -5011,21 +5011,22 @@
         </p:nvSpPr>
         <p:spPr/>
         <p:txBody>
-          <a:bodyPr/>
+          <a:bodyPr>
+            <a:normAutofit/>
+          </a:bodyPr>
           <a:lstStyle/>
           <a:p>
             <a:r>
               <a:rPr lang="en-US" dirty="0"/>
-              <a:t>Death Rate by State</a:t>
+              <a:t>Death Rate</a:t>
             </a:r>
             <a:br>
               <a:rPr lang="en-US" dirty="0"/>
             </a:br>
             <a:r>
               <a:rPr lang="en-US" sz="1400" dirty="0"/>
-              <a:t>Are there any outliers?</a:t>
-            </a:r>
-            <a:endParaRPr lang="en-US" dirty="0"/>
+              <a:t>Is age a factor in death rate?</a:t>
+            </a:r>
           </a:p>
         </p:txBody>
       </p:sp>
@@ -5043,7 +5044,7 @@
         </p:nvSpPr>
         <p:spPr>
           <a:xfrm>
-            <a:off x="714946" y="5993110"/>
+            <a:off x="838200" y="5846544"/>
             <a:ext cx="9589008" cy="646331"/>
           </a:xfrm>
           <a:prstGeom prst="rect">
@@ -5065,7 +5066,7 @@
           <a:p>
             <a:r>
               <a:rPr lang="en-US" sz="1200" dirty="0"/>
-              <a:t>Definitions of any terms or metrics:  March 2020 to April 2021 | Death Rate is cumulative confirmed Covid Deaths / cumulative confirmed Covid Cases </a:t>
+              <a:t>Definitions of any terms or metrics:  January 2020 to April 2021 | Death Rate is cumulative confirmed Covid Deaths / cumulative confirmed Covid Cases </a:t>
             </a:r>
           </a:p>
           <a:p>
@@ -5081,113 +5082,12 @@
           </a:p>
         </p:txBody>
       </p:sp>
-      <p:sp>
-        <p:nvSpPr>
-          <p:cNvPr id="8" name="Content Placeholder 7">
-            <a:extLst>
-              <a:ext uri="{FF2B5EF4-FFF2-40B4-BE49-F238E27FC236}">
-                <a16:creationId xmlns:a16="http://schemas.microsoft.com/office/drawing/2014/main" id="{E59FED5C-3292-5046-9782-F17312B13D30}"/>
-              </a:ext>
-            </a:extLst>
-          </p:cNvPr>
-          <p:cNvSpPr>
-            <a:spLocks noGrp="1"/>
-          </p:cNvSpPr>
-          <p:nvPr>
-            <p:ph idx="1"/>
-          </p:nvPr>
-        </p:nvSpPr>
-        <p:spPr>
-          <a:xfrm>
-            <a:off x="838200" y="2382646"/>
-            <a:ext cx="4070131" cy="2092708"/>
-          </a:xfrm>
-        </p:spPr>
-        <p:txBody>
-          <a:bodyPr>
-            <a:normAutofit/>
-          </a:bodyPr>
-          <a:lstStyle/>
-          <a:p>
-            <a:pPr marL="0" indent="0">
-              <a:lnSpc>
-                <a:spcPct val="100000"/>
-              </a:lnSpc>
-              <a:buNone/>
-            </a:pPr>
-            <a:r>
-              <a:rPr lang="en-US" sz="1200" dirty="0"/>
-              <a:t>The lower quartile of the death rate for all states is: 1.35 </a:t>
-            </a:r>
-          </a:p>
-          <a:p>
-            <a:pPr marL="0" indent="0">
-              <a:lnSpc>
-                <a:spcPct val="100000"/>
-              </a:lnSpc>
-              <a:buNone/>
-            </a:pPr>
-            <a:r>
-              <a:rPr lang="en-US" sz="1200" dirty="0"/>
-              <a:t>The upper quartile of the death rate for all states is: 1.83 </a:t>
-            </a:r>
-          </a:p>
-          <a:p>
-            <a:pPr marL="0" indent="0">
-              <a:lnSpc>
-                <a:spcPct val="100000"/>
-              </a:lnSpc>
-              <a:buNone/>
-            </a:pPr>
-            <a:r>
-              <a:rPr lang="en-US" sz="1200" dirty="0"/>
-              <a:t>The interquartile range of the death rate for all states is: 0.48</a:t>
-            </a:r>
-          </a:p>
-          <a:p>
-            <a:pPr marL="0" indent="0">
-              <a:lnSpc>
-                <a:spcPct val="100000"/>
-              </a:lnSpc>
-              <a:buNone/>
-            </a:pPr>
-            <a:r>
-              <a:rPr lang="en-US" sz="1200" dirty="0"/>
-              <a:t>The median of the death rate for all states is: 1.61 </a:t>
-            </a:r>
-          </a:p>
-          <a:p>
-            <a:pPr marL="0" indent="0">
-              <a:lnSpc>
-                <a:spcPct val="100000"/>
-              </a:lnSpc>
-              <a:buNone/>
-            </a:pPr>
-            <a:r>
-              <a:rPr lang="en-US" sz="1200" dirty="0"/>
-              <a:t>Values below 0.64 could be outliers. </a:t>
-            </a:r>
-          </a:p>
-          <a:p>
-            <a:pPr marL="0" indent="0">
-              <a:lnSpc>
-                <a:spcPct val="100000"/>
-              </a:lnSpc>
-              <a:buNone/>
-            </a:pPr>
-            <a:r>
-              <a:rPr lang="en-US" sz="1200" dirty="0"/>
-              <a:t>Values above 2.55 could be outliers.</a:t>
-            </a:r>
-          </a:p>
-        </p:txBody>
-      </p:sp>
       <p:pic>
         <p:nvPicPr>
-          <p:cNvPr id="11" name="Picture 10" descr="Chart, box and whisker chart&#10;&#10;Description automatically generated">
-            <a:extLst>
-              <a:ext uri="{FF2B5EF4-FFF2-40B4-BE49-F238E27FC236}">
-                <a16:creationId xmlns:a16="http://schemas.microsoft.com/office/drawing/2014/main" id="{EA6213E1-0BC3-9249-AE3E-D73CB467F782}"/>
+          <p:cNvPr id="6" name="Picture 5" descr="Chart&#10;&#10;Description automatically generated">
+            <a:extLst>
+              <a:ext uri="{FF2B5EF4-FFF2-40B4-BE49-F238E27FC236}">
+                <a16:creationId xmlns:a16="http://schemas.microsoft.com/office/drawing/2014/main" id="{9A23E581-B2D4-8D4E-A56F-F5B10EB54D38}"/>
               </a:ext>
             </a:extLst>
           </p:cNvPr>
@@ -5210,8 +5110,8 @@
         </p:blipFill>
         <p:spPr>
           <a:xfrm>
-            <a:off x="4908331" y="1174793"/>
-            <a:ext cx="6259568" cy="5007655"/>
+            <a:off x="2375372" y="1690688"/>
+            <a:ext cx="6514663" cy="3937123"/>
           </a:xfrm>
           <a:prstGeom prst="rect">
             <a:avLst/>
@@ -5221,7 +5121,7 @@
     </p:spTree>
     <p:extLst>
       <p:ext uri="{BB962C8B-B14F-4D97-AF65-F5344CB8AC3E}">
-        <p14:creationId xmlns:p14="http://schemas.microsoft.com/office/powerpoint/2010/main" val="2376214889"/>
+        <p14:creationId xmlns:p14="http://schemas.microsoft.com/office/powerpoint/2010/main" val="2043794612"/>
       </p:ext>
     </p:extLst>
   </p:cSld>
@@ -5273,7 +5173,7 @@
           <a:p>
             <a:r>
               <a:rPr lang="en-US" dirty="0"/>
-              <a:t>Death Rate by Age</a:t>
+              <a:t>Death Rate</a:t>
             </a:r>
             <a:br>
               <a:rPr lang="en-US" dirty="0"/>
@@ -5421,21 +5321,12 @@
         </p:nvSpPr>
         <p:spPr/>
         <p:txBody>
-          <a:bodyPr>
-            <a:normAutofit/>
-          </a:bodyPr>
+          <a:bodyPr/>
           <a:lstStyle/>
           <a:p>
             <a:r>
               <a:rPr lang="en-US" dirty="0"/>
-              <a:t>Death Rate by Age</a:t>
-            </a:r>
-            <a:br>
-              <a:rPr lang="en-US" dirty="0"/>
-            </a:br>
-            <a:r>
-              <a:rPr lang="en-US" sz="1400" dirty="0"/>
-              <a:t>Is age a factor in death rate?</a:t>
+              <a:t>Death Rate</a:t>
             </a:r>
           </a:p>
         </p:txBody>
@@ -5454,7 +5345,7 @@
         </p:nvSpPr>
         <p:spPr>
           <a:xfrm>
-            <a:off x="838200" y="5846544"/>
+            <a:off x="714946" y="5993110"/>
             <a:ext cx="9589008" cy="646331"/>
           </a:xfrm>
           <a:prstGeom prst="rect">
@@ -5476,7 +5367,7 @@
           <a:p>
             <a:r>
               <a:rPr lang="en-US" sz="1200" dirty="0"/>
-              <a:t>Definitions of any terms or metrics:  January 2020 to April 2021 | Death Rate is cumulative confirmed Covid Deaths / cumulative confirmed Covid Cases </a:t>
+              <a:t>Definitions of any terms or metrics:  March 2020 to April 2021 | Death Rate is cumulative confirmed Covid Deaths / cumulative confirmed Covid Cases </a:t>
             </a:r>
           </a:p>
           <a:p>
@@ -5492,12 +5383,218 @@
           </a:p>
         </p:txBody>
       </p:sp>
+      <p:sp>
+        <p:nvSpPr>
+          <p:cNvPr id="8" name="Content Placeholder 7">
+            <a:extLst>
+              <a:ext uri="{FF2B5EF4-FFF2-40B4-BE49-F238E27FC236}">
+                <a16:creationId xmlns:a16="http://schemas.microsoft.com/office/drawing/2014/main" id="{E59FED5C-3292-5046-9782-F17312B13D30}"/>
+              </a:ext>
+            </a:extLst>
+          </p:cNvPr>
+          <p:cNvSpPr>
+            <a:spLocks noGrp="1"/>
+          </p:cNvSpPr>
+          <p:nvPr>
+            <p:ph idx="1"/>
+          </p:nvPr>
+        </p:nvSpPr>
+        <p:spPr>
+          <a:xfrm>
+            <a:off x="557048" y="1597573"/>
+            <a:ext cx="4351283" cy="4099034"/>
+          </a:xfrm>
+        </p:spPr>
+        <p:txBody>
+          <a:bodyPr>
+            <a:normAutofit fontScale="92500" lnSpcReduction="20000"/>
+          </a:bodyPr>
+          <a:lstStyle/>
+          <a:p>
+            <a:pPr marL="0" indent="0">
+              <a:lnSpc>
+                <a:spcPct val="100000"/>
+              </a:lnSpc>
+              <a:buNone/>
+            </a:pPr>
+            <a:r>
+              <a:rPr lang="en-US" sz="1500" dirty="0"/>
+              <a:t>Death Rate:</a:t>
+            </a:r>
+          </a:p>
+          <a:p>
+            <a:pPr marL="0" indent="0">
+              <a:lnSpc>
+                <a:spcPct val="100000"/>
+              </a:lnSpc>
+              <a:buNone/>
+            </a:pPr>
+            <a:r>
+              <a:rPr lang="en-US" sz="1200" dirty="0"/>
+              <a:t>The lower quartile of the death rate for all states is: 1.35 </a:t>
+            </a:r>
+          </a:p>
+          <a:p>
+            <a:pPr marL="0" indent="0">
+              <a:lnSpc>
+                <a:spcPct val="100000"/>
+              </a:lnSpc>
+              <a:buNone/>
+            </a:pPr>
+            <a:r>
+              <a:rPr lang="en-US" sz="1200" dirty="0"/>
+              <a:t>The upper quartile of the death rate for all states is: 1.83 </a:t>
+            </a:r>
+          </a:p>
+          <a:p>
+            <a:pPr marL="0" indent="0">
+              <a:lnSpc>
+                <a:spcPct val="100000"/>
+              </a:lnSpc>
+              <a:buNone/>
+            </a:pPr>
+            <a:r>
+              <a:rPr lang="en-US" sz="1200" dirty="0"/>
+              <a:t>The interquartile range of the death rate for all states is: 0.48</a:t>
+            </a:r>
+          </a:p>
+          <a:p>
+            <a:pPr marL="0" indent="0">
+              <a:lnSpc>
+                <a:spcPct val="100000"/>
+              </a:lnSpc>
+              <a:buNone/>
+            </a:pPr>
+            <a:r>
+              <a:rPr lang="en-US" sz="1200" dirty="0"/>
+              <a:t>The median of the death rate for all states is: 1.61 </a:t>
+            </a:r>
+          </a:p>
+          <a:p>
+            <a:pPr marL="0" indent="0">
+              <a:lnSpc>
+                <a:spcPct val="100000"/>
+              </a:lnSpc>
+              <a:buNone/>
+            </a:pPr>
+            <a:r>
+              <a:rPr lang="en-US" sz="1200" dirty="0"/>
+              <a:t>Values below 0.64 could be outliers. </a:t>
+            </a:r>
+          </a:p>
+          <a:p>
+            <a:pPr marL="0" indent="0">
+              <a:lnSpc>
+                <a:spcPct val="100000"/>
+              </a:lnSpc>
+              <a:buNone/>
+            </a:pPr>
+            <a:r>
+              <a:rPr lang="en-US" sz="1200" dirty="0"/>
+              <a:t>Values above 2.55 could be outliers.</a:t>
+            </a:r>
+          </a:p>
+          <a:p>
+            <a:pPr marL="0" indent="0">
+              <a:lnSpc>
+                <a:spcPct val="100000"/>
+              </a:lnSpc>
+              <a:buNone/>
+            </a:pPr>
+            <a:endParaRPr lang="en-US" sz="1200" dirty="0"/>
+          </a:p>
+          <a:p>
+            <a:pPr marL="0" indent="0">
+              <a:lnSpc>
+                <a:spcPct val="100000"/>
+              </a:lnSpc>
+              <a:buNone/>
+            </a:pPr>
+            <a:r>
+              <a:rPr lang="en-US" sz="1500" dirty="0"/>
+              <a:t>Adjusted Death Rate by Age:</a:t>
+            </a:r>
+          </a:p>
+          <a:p>
+            <a:pPr marL="0" indent="0">
+              <a:lnSpc>
+                <a:spcPct val="100000"/>
+              </a:lnSpc>
+              <a:buNone/>
+            </a:pPr>
+            <a:r>
+              <a:rPr lang="en-US" sz="1200" dirty="0"/>
+              <a:t>The lower quartile of the adjusted death rate for all states is: 1.31 </a:t>
+            </a:r>
+          </a:p>
+          <a:p>
+            <a:pPr marL="0" indent="0">
+              <a:lnSpc>
+                <a:spcPct val="100000"/>
+              </a:lnSpc>
+              <a:buNone/>
+            </a:pPr>
+            <a:r>
+              <a:rPr lang="en-US" sz="1200" dirty="0"/>
+              <a:t>The upper quartile of the adjusted death rate for all states is: 1.89 </a:t>
+            </a:r>
+          </a:p>
+          <a:p>
+            <a:pPr marL="0" indent="0">
+              <a:lnSpc>
+                <a:spcPct val="100000"/>
+              </a:lnSpc>
+              <a:buNone/>
+            </a:pPr>
+            <a:r>
+              <a:rPr lang="en-US" sz="1200" dirty="0"/>
+              <a:t>The interquartile range of the adjusted death rate for all states is: 0.58 </a:t>
+            </a:r>
+          </a:p>
+          <a:p>
+            <a:pPr marL="0" indent="0">
+              <a:lnSpc>
+                <a:spcPct val="100000"/>
+              </a:lnSpc>
+              <a:buNone/>
+            </a:pPr>
+            <a:r>
+              <a:rPr lang="en-US" sz="1200" dirty="0"/>
+              <a:t>The median of the adjusted death rate for all states is: 1.56 </a:t>
+            </a:r>
+          </a:p>
+          <a:p>
+            <a:pPr marL="0" indent="0">
+              <a:lnSpc>
+                <a:spcPct val="100000"/>
+              </a:lnSpc>
+              <a:buNone/>
+            </a:pPr>
+            <a:r>
+              <a:rPr lang="en-US" sz="1200" dirty="0"/>
+              <a:t>Values below 0.44 could be outliers. </a:t>
+            </a:r>
+          </a:p>
+          <a:p>
+            <a:pPr marL="0" indent="0">
+              <a:lnSpc>
+                <a:spcPct val="100000"/>
+              </a:lnSpc>
+              <a:buNone/>
+            </a:pPr>
+            <a:r>
+              <a:rPr lang="en-US" sz="1200" dirty="0"/>
+              <a:t>Values above 2.75 could be outliers.</a:t>
+            </a:r>
+          </a:p>
+        </p:txBody>
+      </p:sp>
       <p:pic>
         <p:nvPicPr>
-          <p:cNvPr id="6" name="Picture 5" descr="Chart&#10;&#10;Description automatically generated">
-            <a:extLst>
-              <a:ext uri="{FF2B5EF4-FFF2-40B4-BE49-F238E27FC236}">
-                <a16:creationId xmlns:a16="http://schemas.microsoft.com/office/drawing/2014/main" id="{9A23E581-B2D4-8D4E-A56F-F5B10EB54D38}"/>
+          <p:cNvPr id="5" name="Picture 4">
+            <a:extLst>
+              <a:ext uri="{FF2B5EF4-FFF2-40B4-BE49-F238E27FC236}">
+                <a16:creationId xmlns:a16="http://schemas.microsoft.com/office/drawing/2014/main" id="{6C89F611-F42B-B24E-B9E5-3FA12EF2282E}"/>
               </a:ext>
             </a:extLst>
           </p:cNvPr>
@@ -5520,8 +5617,8 @@
         </p:blipFill>
         <p:spPr>
           <a:xfrm>
-            <a:off x="2375372" y="1690688"/>
-            <a:ext cx="6514663" cy="3937123"/>
+            <a:off x="4941590" y="814814"/>
+            <a:ext cx="6945610" cy="5228371"/>
           </a:xfrm>
           <a:prstGeom prst="rect">
             <a:avLst/>
@@ -5531,7 +5628,7 @@
     </p:spTree>
     <p:extLst>
       <p:ext uri="{BB962C8B-B14F-4D97-AF65-F5344CB8AC3E}">
-        <p14:creationId xmlns:p14="http://schemas.microsoft.com/office/powerpoint/2010/main" val="2043794612"/>
+        <p14:creationId xmlns:p14="http://schemas.microsoft.com/office/powerpoint/2010/main" val="2376214889"/>
       </p:ext>
     </p:extLst>
   </p:cSld>

--- a/Folder0/Presentation.pptx
+++ b/Folder0/Presentation.pptx
@@ -6,7 +6,7 @@
   </p:sldMasterIdLst>
   <p:sldIdLst>
     <p:sldId id="256" r:id="rId2"/>
-    <p:sldId id="257" r:id="rId3"/>
+    <p:sldId id="275" r:id="rId3"/>
     <p:sldId id="261" r:id="rId4"/>
     <p:sldId id="274" r:id="rId5"/>
     <p:sldId id="262" r:id="rId6"/>
@@ -4696,7 +4696,7 @@
           <a:p>
             <a:r>
               <a:rPr lang="en-US" dirty="0"/>
-              <a:t>Which state is best / worst</a:t>
+              <a:t>Motivation &amp; Summary</a:t>
             </a:r>
           </a:p>
         </p:txBody>
@@ -4717,103 +4717,140 @@
             <p:ph idx="1"/>
           </p:nvPr>
         </p:nvSpPr>
-        <p:spPr/>
-        <p:txBody>
-          <a:bodyPr/>
-          <a:lstStyle/>
-          <a:p>
-            <a:pPr marL="514350" indent="-514350">
-              <a:buFont typeface="+mj-lt"/>
-              <a:buAutoNum type="arabicPeriod"/>
+        <p:spPr>
+          <a:xfrm>
+            <a:off x="838200" y="1550504"/>
+            <a:ext cx="10515600" cy="4626459"/>
+          </a:xfrm>
+        </p:spPr>
+        <p:txBody>
+          <a:bodyPr>
+            <a:normAutofit/>
+          </a:bodyPr>
+          <a:lstStyle/>
+          <a:p>
+            <a:pPr marL="0" indent="0">
+              <a:buNone/>
             </a:pPr>
             <a:r>
-              <a:rPr lang="en-US" dirty="0"/>
-              <a:t>Death Rate by State (bar graph – sorted top to bottom)</a:t>
-            </a:r>
-          </a:p>
-          <a:p>
-            <a:pPr lvl="1"/>
-            <a:r>
-              <a:rPr lang="en-US" dirty="0"/>
-              <a:t>1. Death Rate = Covid Deaths / Covid Infections [ ~ 1%]</a:t>
-            </a:r>
-          </a:p>
-          <a:p>
-            <a:pPr lvl="1"/>
-            <a:r>
-              <a:rPr lang="en-US" dirty="0"/>
-              <a:t>2. Death Rate = Covid Deaths / Total Population [         ]</a:t>
-            </a:r>
-          </a:p>
-          <a:p>
-            <a:pPr marL="514350" indent="-514350">
-              <a:buFont typeface="+mj-lt"/>
-              <a:buAutoNum type="arabicPeriod"/>
+              <a:rPr lang="en-US" sz="2000" dirty="0"/>
+              <a:t>As a group, we decided that we wanted to analyze data from the COVID-19 pandemic in the United States and find out which US states overall ranked best and worst by death rate and other factors.</a:t>
+            </a:r>
+            <a:endParaRPr lang="en-US" sz="1600" dirty="0"/>
+          </a:p>
+          <a:p>
+            <a:pPr marL="0" indent="0">
+              <a:buNone/>
             </a:pPr>
             <a:r>
-              <a:rPr lang="en-US" dirty="0"/>
-              <a:t>Death Rate normalized by age</a:t>
-            </a:r>
-          </a:p>
-          <a:p>
-            <a:pPr marL="971550" lvl="1" indent="-514350">
-              <a:buFont typeface="+mj-lt"/>
-              <a:buAutoNum type="arabicPeriod"/>
+              <a:rPr lang="en-US" sz="1600" dirty="0"/>
+              <a:t>1. What is the death rate for each state?</a:t>
+            </a:r>
+          </a:p>
+          <a:p>
+            <a:pPr marL="0" indent="0">
+              <a:buNone/>
             </a:pPr>
             <a:r>
-              <a:rPr lang="en-US" dirty="0"/>
-              <a:t>Deaths by age group (month) / population by age group</a:t>
-            </a:r>
-          </a:p>
-          <a:p>
-            <a:pPr marL="514350" indent="-514350">
-              <a:buFont typeface="+mj-lt"/>
-              <a:buAutoNum type="arabicPeriod"/>
+              <a:rPr lang="en-US" sz="1300" dirty="0"/>
+              <a:t>	</a:t>
+            </a:r>
+            <a:r>
+              <a:rPr lang="en-US" sz="1400" dirty="0"/>
+              <a:t>We can rank states by death rate.</a:t>
+            </a:r>
+          </a:p>
+          <a:p>
+            <a:pPr marL="0" indent="0">
+              <a:buNone/>
             </a:pPr>
             <a:r>
-              <a:rPr lang="en-US" dirty="0"/>
-              <a:t>Excess Deaths….</a:t>
-            </a:r>
-          </a:p>
-          <a:p>
-            <a:pPr marL="971550" lvl="1" indent="-514350">
-              <a:buFont typeface="+mj-lt"/>
-              <a:buAutoNum type="arabicPeriod"/>
+              <a:rPr lang="en-US" sz="1600" dirty="0"/>
+              <a:t>2. What is the death rate for each state normalized by age?</a:t>
+            </a:r>
+          </a:p>
+          <a:p>
+            <a:pPr marL="0" indent="0">
+              <a:buNone/>
             </a:pPr>
             <a:r>
-              <a:rPr lang="en-US" dirty="0"/>
-              <a:t>% difference at end of March (weekly)</a:t>
-            </a:r>
-          </a:p>
-          <a:p>
-            <a:pPr marL="514350" indent="-514350">
-              <a:buFont typeface="+mj-lt"/>
-              <a:buAutoNum type="arabicPeriod"/>
+              <a:rPr lang="en-US" sz="1300" dirty="0"/>
+              <a:t>	</a:t>
+            </a:r>
+            <a:r>
+              <a:rPr lang="en-US" sz="1400" dirty="0"/>
+              <a:t>We already knew that age is a defining factor in death rate, but what if we normalized it by comparing each state with the same </a:t>
+            </a:r>
+          </a:p>
+          <a:p>
+            <a:pPr marL="0" indent="0">
+              <a:buNone/>
             </a:pPr>
             <a:r>
-              <a:rPr lang="en-US" dirty="0"/>
-              <a:t>Ranks states first to last</a:t>
-            </a:r>
-          </a:p>
-          <a:p>
-            <a:pPr marL="514350" indent="-514350">
-              <a:buFont typeface="+mj-lt"/>
-              <a:buAutoNum type="arabicPeriod"/>
+              <a:rPr lang="en-US" sz="1400" dirty="0"/>
+              <a:t>	population parameters.</a:t>
+            </a:r>
+          </a:p>
+          <a:p>
+            <a:pPr marL="0" indent="0">
+              <a:buNone/>
             </a:pPr>
             <a:r>
-              <a:rPr lang="en-US" dirty="0"/>
-              <a:t>Missing: Population by age group by state / Covid infections by state</a:t>
-            </a:r>
-          </a:p>
-          <a:p>
-            <a:endParaRPr lang="en-US" dirty="0"/>
+              <a:rPr lang="en-US" sz="1600" dirty="0"/>
+              <a:t>3. What is the excess death for each state in comparison to death rate?</a:t>
+            </a:r>
+          </a:p>
+          <a:p>
+            <a:pPr marL="0" indent="0">
+              <a:buNone/>
+            </a:pPr>
+            <a:r>
+              <a:rPr lang="en-US" sz="1300" dirty="0"/>
+              <a:t>	</a:t>
+            </a:r>
+          </a:p>
+          <a:p>
+            <a:pPr marL="0" indent="0">
+              <a:buNone/>
+            </a:pPr>
+            <a:r>
+              <a:rPr lang="en-US" sz="1600" dirty="0"/>
+              <a:t>4. What other factors affect death rate?</a:t>
+            </a:r>
+          </a:p>
+          <a:p>
+            <a:pPr marL="0" indent="0">
+              <a:buNone/>
+            </a:pPr>
+            <a:r>
+              <a:rPr lang="en-US" sz="1400" dirty="0"/>
+              <a:t>	1.  Geographic</a:t>
+            </a:r>
+          </a:p>
+          <a:p>
+            <a:pPr marL="0" indent="0">
+              <a:buNone/>
+            </a:pPr>
+            <a:r>
+              <a:rPr lang="en-US" sz="1400" dirty="0"/>
+              <a:t>	2. Healthcare</a:t>
+            </a:r>
+          </a:p>
+          <a:p>
+            <a:pPr marL="0" indent="0">
+              <a:buNone/>
+            </a:pPr>
+            <a:r>
+              <a:rPr lang="en-US" sz="1400" dirty="0"/>
+              <a:t>	3. Preventative Measures</a:t>
+            </a:r>
           </a:p>
         </p:txBody>
       </p:sp>
     </p:spTree>
     <p:extLst>
       <p:ext uri="{BB962C8B-B14F-4D97-AF65-F5344CB8AC3E}">
-        <p14:creationId xmlns:p14="http://schemas.microsoft.com/office/powerpoint/2010/main" val="338988285"/>
+        <p14:creationId xmlns:p14="http://schemas.microsoft.com/office/powerpoint/2010/main" val="1750033244"/>
       </p:ext>
     </p:extLst>
   </p:cSld>

--- a/Folder0/Presentation.pptx
+++ b/Folder0/Presentation.pptx
@@ -14,13 +14,11 @@
     <p:sldId id="263" r:id="rId8"/>
     <p:sldId id="264" r:id="rId9"/>
     <p:sldId id="258" r:id="rId10"/>
-    <p:sldId id="269" r:id="rId11"/>
-    <p:sldId id="265" r:id="rId12"/>
-    <p:sldId id="271" r:id="rId13"/>
-    <p:sldId id="266" r:id="rId14"/>
-    <p:sldId id="268" r:id="rId15"/>
-    <p:sldId id="267" r:id="rId16"/>
-    <p:sldId id="270" r:id="rId17"/>
+    <p:sldId id="265" r:id="rId11"/>
+    <p:sldId id="271" r:id="rId12"/>
+    <p:sldId id="266" r:id="rId13"/>
+    <p:sldId id="267" r:id="rId14"/>
+    <p:sldId id="270" r:id="rId15"/>
   </p:sldIdLst>
   <p:sldSz cx="12192000" cy="6858000"/>
   <p:notesSz cx="6858000" cy="9144000"/>
@@ -274,7 +272,7 @@
           <a:p>
             <a:fld id="{8BE9BC1A-C169-4E52-B4D1-E3FCE31958F7}" type="datetimeFigureOut">
               <a:rPr lang="en-US" smtClean="0"/>
-              <a:t>5/7/21</a:t>
+              <a:t>5/7/2021</a:t>
             </a:fld>
             <a:endParaRPr lang="en-US"/>
           </a:p>
@@ -472,7 +470,7 @@
           <a:p>
             <a:fld id="{8BE9BC1A-C169-4E52-B4D1-E3FCE31958F7}" type="datetimeFigureOut">
               <a:rPr lang="en-US" smtClean="0"/>
-              <a:t>5/7/21</a:t>
+              <a:t>5/7/2021</a:t>
             </a:fld>
             <a:endParaRPr lang="en-US"/>
           </a:p>
@@ -680,7 +678,7 @@
           <a:p>
             <a:fld id="{8BE9BC1A-C169-4E52-B4D1-E3FCE31958F7}" type="datetimeFigureOut">
               <a:rPr lang="en-US" smtClean="0"/>
-              <a:t>5/7/21</a:t>
+              <a:t>5/7/2021</a:t>
             </a:fld>
             <a:endParaRPr lang="en-US"/>
           </a:p>
@@ -878,7 +876,7 @@
           <a:p>
             <a:fld id="{8BE9BC1A-C169-4E52-B4D1-E3FCE31958F7}" type="datetimeFigureOut">
               <a:rPr lang="en-US" smtClean="0"/>
-              <a:t>5/7/21</a:t>
+              <a:t>5/7/2021</a:t>
             </a:fld>
             <a:endParaRPr lang="en-US"/>
           </a:p>
@@ -1153,7 +1151,7 @@
           <a:p>
             <a:fld id="{8BE9BC1A-C169-4E52-B4D1-E3FCE31958F7}" type="datetimeFigureOut">
               <a:rPr lang="en-US" smtClean="0"/>
-              <a:t>5/7/21</a:t>
+              <a:t>5/7/2021</a:t>
             </a:fld>
             <a:endParaRPr lang="en-US"/>
           </a:p>
@@ -1418,7 +1416,7 @@
           <a:p>
             <a:fld id="{8BE9BC1A-C169-4E52-B4D1-E3FCE31958F7}" type="datetimeFigureOut">
               <a:rPr lang="en-US" smtClean="0"/>
-              <a:t>5/7/21</a:t>
+              <a:t>5/7/2021</a:t>
             </a:fld>
             <a:endParaRPr lang="en-US"/>
           </a:p>
@@ -1830,7 +1828,7 @@
           <a:p>
             <a:fld id="{8BE9BC1A-C169-4E52-B4D1-E3FCE31958F7}" type="datetimeFigureOut">
               <a:rPr lang="en-US" smtClean="0"/>
-              <a:t>5/7/21</a:t>
+              <a:t>5/7/2021</a:t>
             </a:fld>
             <a:endParaRPr lang="en-US"/>
           </a:p>
@@ -1971,7 +1969,7 @@
           <a:p>
             <a:fld id="{8BE9BC1A-C169-4E52-B4D1-E3FCE31958F7}" type="datetimeFigureOut">
               <a:rPr lang="en-US" smtClean="0"/>
-              <a:t>5/7/21</a:t>
+              <a:t>5/7/2021</a:t>
             </a:fld>
             <a:endParaRPr lang="en-US"/>
           </a:p>
@@ -2084,7 +2082,7 @@
           <a:p>
             <a:fld id="{8BE9BC1A-C169-4E52-B4D1-E3FCE31958F7}" type="datetimeFigureOut">
               <a:rPr lang="en-US" smtClean="0"/>
-              <a:t>5/7/21</a:t>
+              <a:t>5/7/2021</a:t>
             </a:fld>
             <a:endParaRPr lang="en-US"/>
           </a:p>
@@ -2395,7 +2393,7 @@
           <a:p>
             <a:fld id="{8BE9BC1A-C169-4E52-B4D1-E3FCE31958F7}" type="datetimeFigureOut">
               <a:rPr lang="en-US" smtClean="0"/>
-              <a:t>5/7/21</a:t>
+              <a:t>5/7/2021</a:t>
             </a:fld>
             <a:endParaRPr lang="en-US"/>
           </a:p>
@@ -2683,7 +2681,7 @@
           <a:p>
             <a:fld id="{8BE9BC1A-C169-4E52-B4D1-E3FCE31958F7}" type="datetimeFigureOut">
               <a:rPr lang="en-US" smtClean="0"/>
-              <a:t>5/7/21</a:t>
+              <a:t>5/7/2021</a:t>
             </a:fld>
             <a:endParaRPr lang="en-US"/>
           </a:p>
@@ -2924,7 +2922,7 @@
           <a:p>
             <a:fld id="{8BE9BC1A-C169-4E52-B4D1-E3FCE31958F7}" type="datetimeFigureOut">
               <a:rPr lang="en-US" smtClean="0"/>
-              <a:t>5/7/21</a:t>
+              <a:t>5/7/2021</a:t>
             </a:fld>
             <a:endParaRPr lang="en-US"/>
           </a:p>
@@ -3686,151 +3684,6 @@
           <p:cNvPr id="2" name="Title 1">
             <a:extLst>
               <a:ext uri="{FF2B5EF4-FFF2-40B4-BE49-F238E27FC236}">
-                <a16:creationId xmlns:a16="http://schemas.microsoft.com/office/drawing/2014/main" id="{DD2BE12E-2C71-4FC3-A715-6EA7AEBF1F6F}"/>
-              </a:ext>
-            </a:extLst>
-          </p:cNvPr>
-          <p:cNvSpPr>
-            <a:spLocks noGrp="1"/>
-          </p:cNvSpPr>
-          <p:nvPr>
-            <p:ph type="title"/>
-          </p:nvPr>
-        </p:nvSpPr>
-        <p:spPr/>
-        <p:txBody>
-          <a:bodyPr/>
-          <a:lstStyle/>
-          <a:p>
-            <a:r>
-              <a:rPr lang="en-US" dirty="0"/>
-              <a:t>Mitigating / Explanations</a:t>
-            </a:r>
-          </a:p>
-        </p:txBody>
-      </p:sp>
-      <p:sp>
-        <p:nvSpPr>
-          <p:cNvPr id="3" name="Content Placeholder 2">
-            <a:extLst>
-              <a:ext uri="{FF2B5EF4-FFF2-40B4-BE49-F238E27FC236}">
-                <a16:creationId xmlns:a16="http://schemas.microsoft.com/office/drawing/2014/main" id="{7F6B4214-1624-4766-8D3F-611B88207B9D}"/>
-              </a:ext>
-            </a:extLst>
-          </p:cNvPr>
-          <p:cNvSpPr>
-            <a:spLocks noGrp="1"/>
-          </p:cNvSpPr>
-          <p:nvPr>
-            <p:ph idx="1"/>
-          </p:nvPr>
-        </p:nvSpPr>
-        <p:spPr/>
-        <p:txBody>
-          <a:bodyPr/>
-          <a:lstStyle/>
-          <a:p>
-            <a:r>
-              <a:rPr lang="en-US" dirty="0"/>
-              <a:t>Demographics (Scatter Plot – regression)</a:t>
-            </a:r>
-          </a:p>
-          <a:p>
-            <a:pPr lvl="1"/>
-            <a:r>
-              <a:rPr lang="en-US" dirty="0"/>
-              <a:t>Sex</a:t>
-            </a:r>
-          </a:p>
-          <a:p>
-            <a:pPr lvl="1"/>
-            <a:r>
-              <a:rPr lang="en-US" dirty="0"/>
-              <a:t>Race</a:t>
-            </a:r>
-          </a:p>
-          <a:p>
-            <a:pPr lvl="1"/>
-            <a:r>
-              <a:rPr lang="en-US" dirty="0"/>
-              <a:t>Income (if we have time)</a:t>
-            </a:r>
-          </a:p>
-          <a:p>
-            <a:pPr lvl="1"/>
-            <a:endParaRPr lang="en-US" dirty="0"/>
-          </a:p>
-          <a:p>
-            <a:r>
-              <a:rPr lang="en-US" dirty="0"/>
-              <a:t>Timing</a:t>
-            </a:r>
-          </a:p>
-          <a:p>
-            <a:pPr lvl="1"/>
-            <a:r>
-              <a:rPr lang="en-US" dirty="0"/>
-              <a:t>Vaccination roll out</a:t>
-            </a:r>
-          </a:p>
-          <a:p>
-            <a:pPr lvl="1"/>
-            <a:endParaRPr lang="en-US" dirty="0"/>
-          </a:p>
-          <a:p>
-            <a:r>
-              <a:rPr lang="en-US" dirty="0"/>
-              <a:t>Geography</a:t>
-            </a:r>
-          </a:p>
-          <a:p>
-            <a:pPr lvl="1"/>
-            <a:r>
-              <a:rPr lang="en-US" dirty="0"/>
-              <a:t>Urban/Metropolitan populations (if we have time)</a:t>
-            </a:r>
-          </a:p>
-          <a:p>
-            <a:pPr lvl="1"/>
-            <a:endParaRPr lang="en-US" dirty="0"/>
-          </a:p>
-        </p:txBody>
-      </p:sp>
-    </p:spTree>
-    <p:extLst>
-      <p:ext uri="{BB962C8B-B14F-4D97-AF65-F5344CB8AC3E}">
-        <p14:creationId xmlns:p14="http://schemas.microsoft.com/office/powerpoint/2010/main" val="2957254703"/>
-      </p:ext>
-    </p:extLst>
-  </p:cSld>
-  <p:clrMapOvr>
-    <a:masterClrMapping/>
-  </p:clrMapOvr>
-</p:sld>
-</file>
-
-<file path=ppt/slides/slide11.xml><?xml version="1.0" encoding="utf-8"?>
-<p:sld xmlns:a="http://schemas.openxmlformats.org/drawingml/2006/main" xmlns:r="http://schemas.openxmlformats.org/officeDocument/2006/relationships" xmlns:p="http://schemas.openxmlformats.org/presentationml/2006/main">
-  <p:cSld>
-    <p:spTree>
-      <p:nvGrpSpPr>
-        <p:cNvPr id="1" name=""/>
-        <p:cNvGrpSpPr/>
-        <p:nvPr/>
-      </p:nvGrpSpPr>
-      <p:grpSpPr>
-        <a:xfrm>
-          <a:off x="0" y="0"/>
-          <a:ext cx="0" cy="0"/>
-          <a:chOff x="0" y="0"/>
-          <a:chExt cx="0" cy="0"/>
-        </a:xfrm>
-      </p:grpSpPr>
-      <p:sp>
-        <p:nvSpPr>
-          <p:cNvPr id="2" name="Title 1">
-            <a:extLst>
-              <a:ext uri="{FF2B5EF4-FFF2-40B4-BE49-F238E27FC236}">
                 <a16:creationId xmlns:a16="http://schemas.microsoft.com/office/drawing/2014/main" id="{88EEA56A-21EC-4C5D-9474-BFBF3B512795}"/>
               </a:ext>
             </a:extLst>
@@ -3960,6 +3813,157 @@
 </p:sld>
 </file>
 
+<file path=ppt/slides/slide11.xml><?xml version="1.0" encoding="utf-8"?>
+<p:sld xmlns:a="http://schemas.openxmlformats.org/drawingml/2006/main" xmlns:r="http://schemas.openxmlformats.org/officeDocument/2006/relationships" xmlns:p="http://schemas.openxmlformats.org/presentationml/2006/main">
+  <p:cSld>
+    <p:spTree>
+      <p:nvGrpSpPr>
+        <p:cNvPr id="1" name=""/>
+        <p:cNvGrpSpPr/>
+        <p:nvPr/>
+      </p:nvGrpSpPr>
+      <p:grpSpPr>
+        <a:xfrm>
+          <a:off x="0" y="0"/>
+          <a:ext cx="0" cy="0"/>
+          <a:chOff x="0" y="0"/>
+          <a:chExt cx="0" cy="0"/>
+        </a:xfrm>
+      </p:grpSpPr>
+      <p:sp>
+        <p:nvSpPr>
+          <p:cNvPr id="2" name="Title 1">
+            <a:extLst>
+              <a:ext uri="{FF2B5EF4-FFF2-40B4-BE49-F238E27FC236}">
+                <a16:creationId xmlns:a16="http://schemas.microsoft.com/office/drawing/2014/main" id="{88EEA56A-21EC-4C5D-9474-BFBF3B512795}"/>
+              </a:ext>
+            </a:extLst>
+          </p:cNvPr>
+          <p:cNvSpPr>
+            <a:spLocks noGrp="1"/>
+          </p:cNvSpPr>
+          <p:nvPr>
+            <p:ph type="title"/>
+          </p:nvPr>
+        </p:nvSpPr>
+        <p:spPr/>
+        <p:txBody>
+          <a:bodyPr/>
+          <a:lstStyle/>
+          <a:p>
+            <a:r>
+              <a:rPr lang="en-US" dirty="0"/>
+              <a:t>Health Care : Hospital Beds versus Death Rate</a:t>
+            </a:r>
+            <a:br>
+              <a:rPr lang="en-US" dirty="0"/>
+            </a:br>
+            <a:r>
+              <a:rPr lang="en-US" sz="1400" dirty="0"/>
+              <a:t>Does having accessible healthcare effect death rate?</a:t>
+            </a:r>
+          </a:p>
+        </p:txBody>
+      </p:sp>
+      <p:sp>
+        <p:nvSpPr>
+          <p:cNvPr id="4" name="TextBox 3">
+            <a:extLst>
+              <a:ext uri="{FF2B5EF4-FFF2-40B4-BE49-F238E27FC236}">
+                <a16:creationId xmlns:a16="http://schemas.microsoft.com/office/drawing/2014/main" id="{AB8D94A0-A1DF-4026-97E3-EEA0267611A1}"/>
+              </a:ext>
+            </a:extLst>
+          </p:cNvPr>
+          <p:cNvSpPr txBox="1"/>
+          <p:nvPr/>
+        </p:nvSpPr>
+        <p:spPr>
+          <a:xfrm>
+            <a:off x="838200" y="6171972"/>
+            <a:ext cx="9589008" cy="461665"/>
+          </a:xfrm>
+          <a:prstGeom prst="rect">
+            <a:avLst/>
+          </a:prstGeom>
+          <a:noFill/>
+        </p:spPr>
+        <p:txBody>
+          <a:bodyPr wrap="square" rtlCol="0">
+            <a:spAutoFit/>
+          </a:bodyPr>
+          <a:lstStyle/>
+          <a:p>
+            <a:r>
+              <a:rPr lang="en-US" sz="1200" b="1" u="sng" dirty="0"/>
+              <a:t>The Small Print</a:t>
+            </a:r>
+            <a:r>
+              <a:rPr lang="en-US" sz="1200" dirty="0"/>
+              <a:t> </a:t>
+            </a:r>
+          </a:p>
+          <a:p>
+            <a:r>
+              <a:rPr lang="en-US" sz="1200" dirty="0"/>
+              <a:t>Data Sources: Center for Disease Control (CDC) website: </a:t>
+            </a:r>
+            <a:r>
+              <a:rPr lang="en-US" sz="1200" dirty="0" err="1"/>
+              <a:t>cdc.gov</a:t>
+            </a:r>
+            <a:endParaRPr lang="en-US" sz="1200" dirty="0"/>
+          </a:p>
+        </p:txBody>
+      </p:sp>
+      <p:pic>
+        <p:nvPicPr>
+          <p:cNvPr id="5" name="Picture 4" descr="Chart, scatter chart&#10;&#10;Description automatically generated">
+            <a:extLst>
+              <a:ext uri="{FF2B5EF4-FFF2-40B4-BE49-F238E27FC236}">
+                <a16:creationId xmlns:a16="http://schemas.microsoft.com/office/drawing/2014/main" id="{E619428C-B256-C74B-AF11-7D48398FF1FF}"/>
+              </a:ext>
+            </a:extLst>
+          </p:cNvPr>
+          <p:cNvPicPr>
+            <a:picLocks noChangeAspect="1"/>
+          </p:cNvPicPr>
+          <p:nvPr/>
+        </p:nvPicPr>
+        <p:blipFill>
+          <a:blip r:embed="rId2">
+            <a:extLst>
+              <a:ext uri="{28A0092B-C50C-407E-A947-70E740481C1C}">
+                <a14:useLocalDpi xmlns:a14="http://schemas.microsoft.com/office/drawing/2010/main" val="0"/>
+              </a:ext>
+            </a:extLst>
+          </a:blip>
+          <a:stretch>
+            <a:fillRect/>
+          </a:stretch>
+        </p:blipFill>
+        <p:spPr>
+          <a:xfrm>
+            <a:off x="1815155" y="1344459"/>
+            <a:ext cx="7145067" cy="4763377"/>
+          </a:xfrm>
+          <a:prstGeom prst="rect">
+            <a:avLst/>
+          </a:prstGeom>
+        </p:spPr>
+      </p:pic>
+    </p:spTree>
+    <p:extLst>
+      <p:ext uri="{BB962C8B-B14F-4D97-AF65-F5344CB8AC3E}">
+        <p14:creationId xmlns:p14="http://schemas.microsoft.com/office/powerpoint/2010/main" val="4154975767"/>
+      </p:ext>
+    </p:extLst>
+  </p:cSld>
+  <p:clrMapOvr>
+    <a:masterClrMapping/>
+  </p:clrMapOvr>
+</p:sld>
+</file>
+
 <file path=ppt/slides/slide12.xml><?xml version="1.0" encoding="utf-8"?>
 <p:sld xmlns:a="http://schemas.openxmlformats.org/drawingml/2006/main" xmlns:r="http://schemas.openxmlformats.org/officeDocument/2006/relationships" xmlns:p="http://schemas.openxmlformats.org/presentationml/2006/main">
   <p:cSld>
@@ -3995,86 +3999,40 @@
         </p:nvSpPr>
         <p:spPr/>
         <p:txBody>
-          <a:bodyPr/>
+          <a:bodyPr>
+            <a:normAutofit fontScale="90000"/>
+          </a:bodyPr>
           <a:lstStyle/>
           <a:p>
             <a:r>
               <a:rPr lang="en-US" dirty="0"/>
-              <a:t>Health Care : Hospital Beds versus Death Rate</a:t>
+              <a:t>Preventative Measures</a:t>
             </a:r>
             <a:br>
               <a:rPr lang="en-US" dirty="0"/>
             </a:br>
             <a:r>
-              <a:rPr lang="en-US" sz="1400" dirty="0"/>
-              <a:t>Does having accessible healthcare effect death rate?</a:t>
-            </a:r>
-          </a:p>
-        </p:txBody>
-      </p:sp>
-      <p:sp>
-        <p:nvSpPr>
-          <p:cNvPr id="4" name="TextBox 3">
-            <a:extLst>
-              <a:ext uri="{FF2B5EF4-FFF2-40B4-BE49-F238E27FC236}">
-                <a16:creationId xmlns:a16="http://schemas.microsoft.com/office/drawing/2014/main" id="{AB8D94A0-A1DF-4026-97E3-EEA0267611A1}"/>
-              </a:ext>
-            </a:extLst>
-          </p:cNvPr>
-          <p:cNvSpPr txBox="1"/>
-          <p:nvPr/>
-        </p:nvSpPr>
-        <p:spPr>
-          <a:xfrm>
-            <a:off x="838200" y="6171972"/>
-            <a:ext cx="9589008" cy="461665"/>
-          </a:xfrm>
-          <a:prstGeom prst="rect">
-            <a:avLst/>
-          </a:prstGeom>
-          <a:noFill/>
-        </p:spPr>
-        <p:txBody>
-          <a:bodyPr wrap="square" rtlCol="0">
-            <a:spAutoFit/>
-          </a:bodyPr>
-          <a:lstStyle/>
-          <a:p>
-            <a:r>
-              <a:rPr lang="en-US" sz="1200" b="1" u="sng" dirty="0"/>
-              <a:t>The Small Print</a:t>
-            </a:r>
-            <a:r>
-              <a:rPr lang="en-US" sz="1200" dirty="0"/>
-              <a:t> </a:t>
-            </a:r>
-          </a:p>
-          <a:p>
-            <a:r>
-              <a:rPr lang="en-US" sz="1200" dirty="0"/>
-              <a:t>Data Sources: Center for Disease Control (CDC) website: </a:t>
-            </a:r>
-            <a:r>
-              <a:rPr lang="en-US" sz="1200" dirty="0" err="1"/>
-              <a:t>cdc.gov</a:t>
-            </a:r>
-            <a:endParaRPr lang="en-US" sz="1200" dirty="0"/>
+              <a:rPr lang="en-US" sz="2400" dirty="0"/>
+              <a:t>States with no mask mandate have better outcomes than those with &gt;80% mandates. </a:t>
+            </a:r>
           </a:p>
         </p:txBody>
       </p:sp>
       <p:pic>
         <p:nvPicPr>
-          <p:cNvPr id="5" name="Picture 4" descr="Chart, scatter chart&#10;&#10;Description automatically generated">
-            <a:extLst>
-              <a:ext uri="{FF2B5EF4-FFF2-40B4-BE49-F238E27FC236}">
-                <a16:creationId xmlns:a16="http://schemas.microsoft.com/office/drawing/2014/main" id="{E619428C-B256-C74B-AF11-7D48398FF1FF}"/>
+          <p:cNvPr id="6" name="Content Placeholder 5">
+            <a:extLst>
+              <a:ext uri="{FF2B5EF4-FFF2-40B4-BE49-F238E27FC236}">
+                <a16:creationId xmlns:a16="http://schemas.microsoft.com/office/drawing/2014/main" id="{AA1CAC79-63C8-4CC2-92B8-8E4E72A5757E}"/>
               </a:ext>
             </a:extLst>
           </p:cNvPr>
           <p:cNvPicPr>
-            <a:picLocks noChangeAspect="1"/>
+            <a:picLocks noGrp="1" noChangeAspect="1"/>
           </p:cNvPicPr>
-          <p:nvPr/>
+          <p:nvPr>
+            <p:ph idx="1"/>
+          </p:nvPr>
         </p:nvPicPr>
         <p:blipFill>
           <a:blip r:embed="rId2">
@@ -4090,18 +4048,68 @@
         </p:blipFill>
         <p:spPr>
           <a:xfrm>
-            <a:off x="2818332" y="1690688"/>
-            <a:ext cx="6555335" cy="4370223"/>
+            <a:off x="1816608" y="1367162"/>
+            <a:ext cx="6924358" cy="4616238"/>
+          </a:xfrm>
+        </p:spPr>
+      </p:pic>
+      <p:sp>
+        <p:nvSpPr>
+          <p:cNvPr id="4" name="TextBox 3">
+            <a:extLst>
+              <a:ext uri="{FF2B5EF4-FFF2-40B4-BE49-F238E27FC236}">
+                <a16:creationId xmlns:a16="http://schemas.microsoft.com/office/drawing/2014/main" id="{AB8D94A0-A1DF-4026-97E3-EEA0267611A1}"/>
+              </a:ext>
+            </a:extLst>
+          </p:cNvPr>
+          <p:cNvSpPr txBox="1"/>
+          <p:nvPr/>
+        </p:nvSpPr>
+        <p:spPr>
+          <a:xfrm>
+            <a:off x="786384" y="5850235"/>
+            <a:ext cx="9589008" cy="830997"/>
           </a:xfrm>
           <a:prstGeom prst="rect">
             <a:avLst/>
           </a:prstGeom>
+          <a:noFill/>
         </p:spPr>
-      </p:pic>
+        <p:txBody>
+          <a:bodyPr wrap="square" rtlCol="0">
+            <a:spAutoFit/>
+          </a:bodyPr>
+          <a:lstStyle/>
+          <a:p>
+            <a:r>
+              <a:rPr lang="en-US" sz="1200" b="1" u="sng" dirty="0"/>
+              <a:t>The Small Print</a:t>
+            </a:r>
+          </a:p>
+          <a:p>
+            <a:r>
+              <a:rPr lang="en-US" sz="1200" dirty="0"/>
+              <a:t>Definitions of any terms or metrics:  March 2020 to April 2021 | Death Rate is cumulative confirmed Covid Deaths / cumulative confirmed Covid Cases </a:t>
+            </a:r>
+          </a:p>
+          <a:p>
+            <a:r>
+              <a:rPr lang="en-US" sz="1200" dirty="0"/>
+              <a:t>Data Sources: Center for Disease Control (CDC) website: cdc.gov</a:t>
+            </a:r>
+          </a:p>
+          <a:p>
+            <a:r>
+              <a:rPr lang="en-US" sz="1200" dirty="0"/>
+              <a:t>Omissions or filtering: No data for AS</a:t>
+            </a:r>
+          </a:p>
+        </p:txBody>
+      </p:sp>
     </p:spTree>
     <p:extLst>
       <p:ext uri="{BB962C8B-B14F-4D97-AF65-F5344CB8AC3E}">
-        <p14:creationId xmlns:p14="http://schemas.microsoft.com/office/powerpoint/2010/main" val="4154975767"/>
+        <p14:creationId xmlns:p14="http://schemas.microsoft.com/office/powerpoint/2010/main" val="4204894420"/>
       </p:ext>
     </p:extLst>
   </p:cSld>
@@ -4151,53 +4159,54 @@
           <a:p>
             <a:r>
               <a:rPr lang="en-US" dirty="0"/>
-              <a:t>Preventative Measures [John]</a:t>
+              <a:t>Geography</a:t>
             </a:r>
             <a:br>
               <a:rPr lang="en-US" dirty="0"/>
             </a:br>
             <a:r>
-              <a:rPr lang="en-US" sz="3200" dirty="0"/>
-              <a:t>High-level conclusion</a:t>
+              <a:rPr lang="en-US" sz="2000" dirty="0"/>
+              <a:t>“Distancing” is a factor in the spread of Covid-19. Death Rate shows a very weak correlation with population density. </a:t>
             </a:r>
             <a:endParaRPr lang="en-US" dirty="0"/>
           </a:p>
         </p:txBody>
       </p:sp>
-      <p:sp>
-        <p:nvSpPr>
-          <p:cNvPr id="3" name="Content Placeholder 2">
-            <a:extLst>
-              <a:ext uri="{FF2B5EF4-FFF2-40B4-BE49-F238E27FC236}">
-                <a16:creationId xmlns:a16="http://schemas.microsoft.com/office/drawing/2014/main" id="{8255C409-34C6-40B3-BFB5-F40F2E36F4B8}"/>
-              </a:ext>
-            </a:extLst>
-          </p:cNvPr>
-          <p:cNvSpPr>
-            <a:spLocks noGrp="1"/>
-          </p:cNvSpPr>
+      <p:pic>
+        <p:nvPicPr>
+          <p:cNvPr id="6" name="Content Placeholder 5">
+            <a:extLst>
+              <a:ext uri="{FF2B5EF4-FFF2-40B4-BE49-F238E27FC236}">
+                <a16:creationId xmlns:a16="http://schemas.microsoft.com/office/drawing/2014/main" id="{C3E1CE41-05E0-4993-AE36-07D89FD05972}"/>
+              </a:ext>
+            </a:extLst>
+          </p:cNvPr>
+          <p:cNvPicPr>
+            <a:picLocks noGrp="1" noChangeAspect="1"/>
+          </p:cNvPicPr>
           <p:nvPr>
             <p:ph idx="1"/>
           </p:nvPr>
-        </p:nvSpPr>
-        <p:spPr/>
-        <p:txBody>
-          <a:bodyPr/>
-          <a:lstStyle/>
-          <a:p>
-            <a:r>
-              <a:rPr lang="en-US" dirty="0"/>
-              <a:t>2 histogram on same plot – death rate with mask and without mask</a:t>
-            </a:r>
-          </a:p>
-          <a:p>
-            <a:r>
-              <a:rPr lang="en-US" dirty="0"/>
-              <a:t>2 Sample t-test – is there a difference?</a:t>
-            </a:r>
-          </a:p>
-        </p:txBody>
-      </p:sp>
+        </p:nvPicPr>
+        <p:blipFill>
+          <a:blip r:embed="rId2">
+            <a:extLst>
+              <a:ext uri="{28A0092B-C50C-407E-A947-70E740481C1C}">
+                <a14:useLocalDpi xmlns:a14="http://schemas.microsoft.com/office/drawing/2010/main" val="0"/>
+              </a:ext>
+            </a:extLst>
+          </a:blip>
+          <a:stretch>
+            <a:fillRect/>
+          </a:stretch>
+        </p:blipFill>
+        <p:spPr>
+          <a:xfrm>
+            <a:off x="1923140" y="1257518"/>
+            <a:ext cx="7128917" cy="4752613"/>
+          </a:xfrm>
+        </p:spPr>
+      </p:pic>
       <p:sp>
         <p:nvSpPr>
           <p:cNvPr id="4" name="TextBox 3">
@@ -4254,7 +4263,7 @@
     </p:spTree>
     <p:extLst>
       <p:ext uri="{BB962C8B-B14F-4D97-AF65-F5344CB8AC3E}">
-        <p14:creationId xmlns:p14="http://schemas.microsoft.com/office/powerpoint/2010/main" val="4204894420"/>
+        <p14:creationId xmlns:p14="http://schemas.microsoft.com/office/powerpoint/2010/main" val="232561670"/>
       </p:ext>
     </p:extLst>
   </p:cSld>
@@ -4286,7 +4295,7 @@
           <p:cNvPr id="2" name="Title 1">
             <a:extLst>
               <a:ext uri="{FF2B5EF4-FFF2-40B4-BE49-F238E27FC236}">
-                <a16:creationId xmlns:a16="http://schemas.microsoft.com/office/drawing/2014/main" id="{88EEA56A-21EC-4C5D-9474-BFBF3B512795}"/>
+                <a16:creationId xmlns:a16="http://schemas.microsoft.com/office/drawing/2014/main" id="{AE77BA51-5CA8-47D3-BBDF-9027CDFCCFBB}"/>
               </a:ext>
             </a:extLst>
           </p:cNvPr>
@@ -4304,342 +4313,99 @@
           <a:p>
             <a:r>
               <a:rPr lang="en-US" dirty="0"/>
-              <a:t>Vaccination Rollout [?]</a:t>
-            </a:r>
-            <a:br>
+              <a:t>Overall Conclusions</a:t>
+            </a:r>
+          </a:p>
+        </p:txBody>
+      </p:sp>
+      <p:sp>
+        <p:nvSpPr>
+          <p:cNvPr id="3" name="Content Placeholder 2">
+            <a:extLst>
+              <a:ext uri="{FF2B5EF4-FFF2-40B4-BE49-F238E27FC236}">
+                <a16:creationId xmlns:a16="http://schemas.microsoft.com/office/drawing/2014/main" id="{1EF89807-BD61-448C-AECF-F0035C097D51}"/>
+              </a:ext>
+            </a:extLst>
+          </p:cNvPr>
+          <p:cNvSpPr>
+            <a:spLocks noGrp="1"/>
+          </p:cNvSpPr>
+          <p:nvPr>
+            <p:ph idx="1"/>
+          </p:nvPr>
+        </p:nvSpPr>
+        <p:spPr/>
+        <p:txBody>
+          <a:bodyPr/>
+          <a:lstStyle/>
+          <a:p>
+            <a:r>
               <a:rPr lang="en-US" dirty="0"/>
-            </a:br>
-            <a:r>
-              <a:rPr lang="en-US" sz="3200" dirty="0"/>
-              <a:t>High-level conclusion</a:t>
-            </a:r>
+              <a:t>Very difficult to make a judgement on best or worst</a:t>
+            </a:r>
+          </a:p>
+          <a:p>
+            <a:pPr lvl="1"/>
+            <a:r>
+              <a:rPr lang="en-US" dirty="0"/>
+              <a:t>Surprised that data was not more conclusive</a:t>
+            </a:r>
+          </a:p>
+          <a:p>
+            <a:pPr marL="0" indent="0">
+              <a:buNone/>
+            </a:pPr>
             <a:endParaRPr lang="en-US" dirty="0"/>
-          </a:p>
-        </p:txBody>
-      </p:sp>
-      <p:sp>
-        <p:nvSpPr>
-          <p:cNvPr id="3" name="Content Placeholder 2">
-            <a:extLst>
-              <a:ext uri="{FF2B5EF4-FFF2-40B4-BE49-F238E27FC236}">
-                <a16:creationId xmlns:a16="http://schemas.microsoft.com/office/drawing/2014/main" id="{8255C409-34C6-40B3-BFB5-F40F2E36F4B8}"/>
-              </a:ext>
-            </a:extLst>
-          </p:cNvPr>
-          <p:cNvSpPr>
-            <a:spLocks noGrp="1"/>
-          </p:cNvSpPr>
-          <p:nvPr>
-            <p:ph idx="1"/>
-          </p:nvPr>
-        </p:nvSpPr>
-        <p:spPr/>
-        <p:txBody>
-          <a:bodyPr/>
-          <a:lstStyle/>
-          <a:p>
-            <a:r>
-              <a:rPr lang="en-US" dirty="0"/>
-              <a:t>Scatter % complete versus death rate</a:t>
-            </a:r>
-          </a:p>
-          <a:p>
-            <a:r>
-              <a:rPr lang="en-US" dirty="0"/>
-              <a:t>Regression</a:t>
-            </a:r>
-          </a:p>
-        </p:txBody>
-      </p:sp>
-      <p:sp>
-        <p:nvSpPr>
-          <p:cNvPr id="4" name="TextBox 3">
-            <a:extLst>
-              <a:ext uri="{FF2B5EF4-FFF2-40B4-BE49-F238E27FC236}">
-                <a16:creationId xmlns:a16="http://schemas.microsoft.com/office/drawing/2014/main" id="{AB8D94A0-A1DF-4026-97E3-EEA0267611A1}"/>
-              </a:ext>
-            </a:extLst>
-          </p:cNvPr>
-          <p:cNvSpPr txBox="1"/>
-          <p:nvPr/>
-        </p:nvSpPr>
-        <p:spPr>
-          <a:xfrm>
-            <a:off x="786384" y="5850235"/>
-            <a:ext cx="9589008" cy="830997"/>
-          </a:xfrm>
-          <a:prstGeom prst="rect">
-            <a:avLst/>
-          </a:prstGeom>
-          <a:noFill/>
-        </p:spPr>
-        <p:txBody>
-          <a:bodyPr wrap="square" rtlCol="0">
-            <a:spAutoFit/>
-          </a:bodyPr>
-          <a:lstStyle/>
-          <a:p>
-            <a:r>
-              <a:rPr lang="en-US" sz="1200" b="1" u="sng" dirty="0"/>
-              <a:t>The Small Print</a:t>
-            </a:r>
-          </a:p>
-          <a:p>
-            <a:r>
-              <a:rPr lang="en-US" sz="1200" dirty="0"/>
-              <a:t>Definitions of any terms or metrics:  March 2020 to April 2021 | Death Rate is cumulative confirmed Covid Deaths / cumulative confirmed Covid Cases </a:t>
-            </a:r>
-          </a:p>
-          <a:p>
-            <a:r>
-              <a:rPr lang="en-US" sz="1200" dirty="0"/>
-              <a:t>Data Sources: Center for Disease Control (CDC) website: cdc.gov</a:t>
-            </a:r>
-          </a:p>
-          <a:p>
-            <a:r>
-              <a:rPr lang="en-US" sz="1200" dirty="0"/>
-              <a:t>Omissions or filtering: No data for AS</a:t>
-            </a:r>
-          </a:p>
-        </p:txBody>
-      </p:sp>
-    </p:spTree>
-    <p:extLst>
-      <p:ext uri="{BB962C8B-B14F-4D97-AF65-F5344CB8AC3E}">
-        <p14:creationId xmlns:p14="http://schemas.microsoft.com/office/powerpoint/2010/main" val="2518426682"/>
-      </p:ext>
-    </p:extLst>
-  </p:cSld>
-  <p:clrMapOvr>
-    <a:masterClrMapping/>
-  </p:clrMapOvr>
-</p:sld>
-</file>
-
-<file path=ppt/slides/slide15.xml><?xml version="1.0" encoding="utf-8"?>
-<p:sld xmlns:a="http://schemas.openxmlformats.org/drawingml/2006/main" xmlns:r="http://schemas.openxmlformats.org/officeDocument/2006/relationships" xmlns:p="http://schemas.openxmlformats.org/presentationml/2006/main">
-  <p:cSld>
-    <p:spTree>
-      <p:nvGrpSpPr>
-        <p:cNvPr id="1" name=""/>
-        <p:cNvGrpSpPr/>
-        <p:nvPr/>
-      </p:nvGrpSpPr>
-      <p:grpSpPr>
-        <a:xfrm>
-          <a:off x="0" y="0"/>
-          <a:ext cx="0" cy="0"/>
-          <a:chOff x="0" y="0"/>
-          <a:chExt cx="0" cy="0"/>
-        </a:xfrm>
-      </p:grpSpPr>
-      <p:sp>
-        <p:nvSpPr>
-          <p:cNvPr id="2" name="Title 1">
-            <a:extLst>
-              <a:ext uri="{FF2B5EF4-FFF2-40B4-BE49-F238E27FC236}">
-                <a16:creationId xmlns:a16="http://schemas.microsoft.com/office/drawing/2014/main" id="{88EEA56A-21EC-4C5D-9474-BFBF3B512795}"/>
-              </a:ext>
-            </a:extLst>
-          </p:cNvPr>
-          <p:cNvSpPr>
-            <a:spLocks noGrp="1"/>
-          </p:cNvSpPr>
-          <p:nvPr>
-            <p:ph type="title"/>
-          </p:nvPr>
-        </p:nvSpPr>
-        <p:spPr/>
-        <p:txBody>
-          <a:bodyPr/>
-          <a:lstStyle/>
-          <a:p>
-            <a:r>
-              <a:rPr lang="en-US" dirty="0"/>
-              <a:t>Demographics [?]</a:t>
-            </a:r>
-            <a:br>
-              <a:rPr lang="en-US" dirty="0"/>
-            </a:br>
-            <a:r>
-              <a:rPr lang="en-US" sz="3200" dirty="0"/>
-              <a:t>High-level conclusion</a:t>
-            </a:r>
-            <a:endParaRPr lang="en-US" dirty="0"/>
-          </a:p>
-        </p:txBody>
-      </p:sp>
-      <p:sp>
-        <p:nvSpPr>
-          <p:cNvPr id="3" name="Content Placeholder 2">
-            <a:extLst>
-              <a:ext uri="{FF2B5EF4-FFF2-40B4-BE49-F238E27FC236}">
-                <a16:creationId xmlns:a16="http://schemas.microsoft.com/office/drawing/2014/main" id="{8255C409-34C6-40B3-BFB5-F40F2E36F4B8}"/>
-              </a:ext>
-            </a:extLst>
-          </p:cNvPr>
-          <p:cNvSpPr>
-            <a:spLocks noGrp="1"/>
-          </p:cNvSpPr>
-          <p:nvPr>
-            <p:ph idx="1"/>
-          </p:nvPr>
-        </p:nvSpPr>
-        <p:spPr/>
-        <p:txBody>
-          <a:bodyPr/>
-          <a:lstStyle/>
-          <a:p>
-            <a:r>
-              <a:rPr lang="en-US" dirty="0"/>
-              <a:t>Chart</a:t>
-            </a:r>
-          </a:p>
-        </p:txBody>
-      </p:sp>
-      <p:sp>
-        <p:nvSpPr>
-          <p:cNvPr id="4" name="TextBox 3">
-            <a:extLst>
-              <a:ext uri="{FF2B5EF4-FFF2-40B4-BE49-F238E27FC236}">
-                <a16:creationId xmlns:a16="http://schemas.microsoft.com/office/drawing/2014/main" id="{AB8D94A0-A1DF-4026-97E3-EEA0267611A1}"/>
-              </a:ext>
-            </a:extLst>
-          </p:cNvPr>
-          <p:cNvSpPr txBox="1"/>
-          <p:nvPr/>
-        </p:nvSpPr>
-        <p:spPr>
-          <a:xfrm>
-            <a:off x="786384" y="5850235"/>
-            <a:ext cx="9589008" cy="830997"/>
-          </a:xfrm>
-          <a:prstGeom prst="rect">
-            <a:avLst/>
-          </a:prstGeom>
-          <a:noFill/>
-        </p:spPr>
-        <p:txBody>
-          <a:bodyPr wrap="square" rtlCol="0">
-            <a:spAutoFit/>
-          </a:bodyPr>
-          <a:lstStyle/>
-          <a:p>
-            <a:r>
-              <a:rPr lang="en-US" sz="1200" b="1" u="sng" dirty="0"/>
-              <a:t>The Small Print</a:t>
-            </a:r>
-          </a:p>
-          <a:p>
-            <a:r>
-              <a:rPr lang="en-US" sz="1200" dirty="0"/>
-              <a:t>Definitions of any terms or metrics:  March 2020 to April 2021 | Death Rate is cumulative confirmed Covid Deaths / cumulative confirmed Covid Cases </a:t>
-            </a:r>
-          </a:p>
-          <a:p>
-            <a:r>
-              <a:rPr lang="en-US" sz="1200" dirty="0"/>
-              <a:t>Data Sources: Center for Disease Control (CDC) website: cdc.gov</a:t>
-            </a:r>
-          </a:p>
-          <a:p>
-            <a:r>
-              <a:rPr lang="en-US" sz="1200" dirty="0"/>
-              <a:t>Omissions or filtering: No data for AS</a:t>
-            </a:r>
-          </a:p>
-        </p:txBody>
-      </p:sp>
-    </p:spTree>
-    <p:extLst>
-      <p:ext uri="{BB962C8B-B14F-4D97-AF65-F5344CB8AC3E}">
-        <p14:creationId xmlns:p14="http://schemas.microsoft.com/office/powerpoint/2010/main" val="232561670"/>
-      </p:ext>
-    </p:extLst>
-  </p:cSld>
-  <p:clrMapOvr>
-    <a:masterClrMapping/>
-  </p:clrMapOvr>
-</p:sld>
-</file>
-
-<file path=ppt/slides/slide16.xml><?xml version="1.0" encoding="utf-8"?>
-<p:sld xmlns:a="http://schemas.openxmlformats.org/drawingml/2006/main" xmlns:r="http://schemas.openxmlformats.org/officeDocument/2006/relationships" xmlns:p="http://schemas.openxmlformats.org/presentationml/2006/main">
-  <p:cSld>
-    <p:spTree>
-      <p:nvGrpSpPr>
-        <p:cNvPr id="1" name=""/>
-        <p:cNvGrpSpPr/>
-        <p:nvPr/>
-      </p:nvGrpSpPr>
-      <p:grpSpPr>
-        <a:xfrm>
-          <a:off x="0" y="0"/>
-          <a:ext cx="0" cy="0"/>
-          <a:chOff x="0" y="0"/>
-          <a:chExt cx="0" cy="0"/>
-        </a:xfrm>
-      </p:grpSpPr>
-      <p:sp>
-        <p:nvSpPr>
-          <p:cNvPr id="2" name="Title 1">
-            <a:extLst>
-              <a:ext uri="{FF2B5EF4-FFF2-40B4-BE49-F238E27FC236}">
-                <a16:creationId xmlns:a16="http://schemas.microsoft.com/office/drawing/2014/main" id="{AE77BA51-5CA8-47D3-BBDF-9027CDFCCFBB}"/>
-              </a:ext>
-            </a:extLst>
-          </p:cNvPr>
-          <p:cNvSpPr>
-            <a:spLocks noGrp="1"/>
-          </p:cNvSpPr>
-          <p:nvPr>
-            <p:ph type="title"/>
-          </p:nvPr>
-        </p:nvSpPr>
-        <p:spPr/>
-        <p:txBody>
-          <a:bodyPr/>
-          <a:lstStyle/>
-          <a:p>
-            <a:r>
-              <a:rPr lang="en-US" dirty="0"/>
-              <a:t>Overall Conclusions [All]</a:t>
-            </a:r>
-          </a:p>
-        </p:txBody>
-      </p:sp>
-      <p:sp>
-        <p:nvSpPr>
-          <p:cNvPr id="3" name="Content Placeholder 2">
-            <a:extLst>
-              <a:ext uri="{FF2B5EF4-FFF2-40B4-BE49-F238E27FC236}">
-                <a16:creationId xmlns:a16="http://schemas.microsoft.com/office/drawing/2014/main" id="{1EF89807-BD61-448C-AECF-F0035C097D51}"/>
-              </a:ext>
-            </a:extLst>
-          </p:cNvPr>
-          <p:cNvSpPr>
-            <a:spLocks noGrp="1"/>
-          </p:cNvSpPr>
-          <p:nvPr>
-            <p:ph idx="1"/>
-          </p:nvPr>
-        </p:nvSpPr>
-        <p:spPr/>
-        <p:txBody>
-          <a:bodyPr/>
-          <a:lstStyle/>
-          <a:p>
-            <a:r>
-              <a:rPr lang="en-US" dirty="0"/>
-              <a:t>Summary</a:t>
-            </a:r>
           </a:p>
           <a:p>
             <a:r>
               <a:rPr lang="en-US" dirty="0"/>
               <a:t>Lessons learned</a:t>
             </a:r>
+          </a:p>
+          <a:p>
+            <a:pPr lvl="1"/>
+            <a:r>
+              <a:rPr lang="en-US" dirty="0"/>
+              <a:t>Collaborating on </a:t>
+            </a:r>
+            <a:r>
+              <a:rPr lang="en-US" dirty="0" err="1"/>
+              <a:t>Github</a:t>
+            </a:r>
+            <a:endParaRPr lang="en-US" dirty="0"/>
+          </a:p>
+          <a:p>
+            <a:pPr lvl="1"/>
+            <a:r>
+              <a:rPr lang="en-US" dirty="0"/>
+              <a:t>Finding the data was difficult</a:t>
+            </a:r>
+          </a:p>
+          <a:p>
+            <a:pPr lvl="1"/>
+            <a:r>
+              <a:rPr lang="en-US" dirty="0"/>
+              <a:t>CDC data is amazing / CDC API</a:t>
+            </a:r>
+          </a:p>
+          <a:p>
+            <a:pPr lvl="1"/>
+            <a:r>
+              <a:rPr lang="en-US" dirty="0"/>
+              <a:t>Used Census data API</a:t>
+            </a:r>
+          </a:p>
+          <a:p>
+            <a:pPr lvl="1"/>
+            <a:r>
+              <a:rPr lang="en-US" dirty="0"/>
+              <a:t>A lot pandas manipulation</a:t>
+            </a:r>
+          </a:p>
+          <a:p>
+            <a:pPr lvl="1"/>
+            <a:endParaRPr lang="en-US" dirty="0"/>
           </a:p>
         </p:txBody>
       </p:sp>
@@ -5710,7 +5476,9 @@
         </p:nvSpPr>
         <p:spPr/>
         <p:txBody>
-          <a:bodyPr/>
+          <a:bodyPr>
+            <a:normAutofit fontScale="90000"/>
+          </a:bodyPr>
           <a:lstStyle/>
           <a:p>
             <a:r>
@@ -5721,10 +5489,9 @@
               <a:rPr lang="en-US" dirty="0"/>
             </a:br>
             <a:r>
-              <a:rPr lang="en-US" sz="3200" dirty="0"/>
-              <a:t>Are states reporting consistently? Does it affect the death rate?</a:t>
-            </a:r>
-            <a:endParaRPr lang="en-US" dirty="0"/>
+              <a:rPr lang="en-US" sz="2200" dirty="0"/>
+              <a:t>Excess deaths range from ~20% (NE) to ~96% (AK) higher than Covid-19. The discrepancy provides very weak or little explanation of death rate or there are stronger confounding  variables.</a:t>
+            </a:r>
           </a:p>
         </p:txBody>
       </p:sp>
@@ -5743,7 +5510,7 @@
         <p:spPr>
           <a:xfrm>
             <a:off x="786384" y="5850235"/>
-            <a:ext cx="9589008" cy="1015663"/>
+            <a:ext cx="9589008" cy="830997"/>
           </a:xfrm>
           <a:prstGeom prst="rect">
             <a:avLst/>
@@ -5782,12 +5549,6 @@
             <a:r>
               <a:rPr lang="en-US" sz="1200" dirty="0"/>
               <a:t>Data Sources: Center for Disease Control (CDC) website: cdc.gov</a:t>
-            </a:r>
-          </a:p>
-          <a:p>
-            <a:r>
-              <a:rPr lang="en-US" sz="1200" dirty="0"/>
-              <a:t>Omissions or filtering: </a:t>
             </a:r>
           </a:p>
         </p:txBody>
@@ -5830,10 +5591,10 @@
       </p:pic>
       <p:pic>
         <p:nvPicPr>
-          <p:cNvPr id="12" name="Picture 11">
-            <a:extLst>
-              <a:ext uri="{FF2B5EF4-FFF2-40B4-BE49-F238E27FC236}">
-                <a16:creationId xmlns:a16="http://schemas.microsoft.com/office/drawing/2014/main" id="{DE2B7FC6-BE06-442B-B016-662E7A2F3DCD}"/>
+          <p:cNvPr id="5" name="Picture 4">
+            <a:extLst>
+              <a:ext uri="{FF2B5EF4-FFF2-40B4-BE49-F238E27FC236}">
+                <a16:creationId xmlns:a16="http://schemas.microsoft.com/office/drawing/2014/main" id="{594DE894-F2C5-486F-8BCF-0286059CA2BF}"/>
               </a:ext>
             </a:extLst>
           </p:cNvPr>
@@ -5856,7 +5617,7 @@
         </p:blipFill>
         <p:spPr>
           <a:xfrm>
-            <a:off x="5803379" y="1790115"/>
+            <a:off x="5936545" y="1790115"/>
             <a:ext cx="5485714" cy="3657143"/>
           </a:xfrm>
           <a:prstGeom prst="rect">
@@ -5917,7 +5678,15 @@
           <a:p>
             <a:r>
               <a:rPr lang="en-US" dirty="0"/>
-              <a:t>Conclusions [All]</a:t>
+              <a:t>Initial Conclusions (1</a:t>
+            </a:r>
+            <a:r>
+              <a:rPr lang="en-US" baseline="30000" dirty="0"/>
+              <a:t>st</a:t>
+            </a:r>
+            <a:r>
+              <a:rPr lang="en-US" dirty="0"/>
+              <a:t> = NE, last = MA)</a:t>
             </a:r>
           </a:p>
         </p:txBody>
@@ -5940,10 +5709,82 @@
         </p:nvSpPr>
         <p:spPr/>
         <p:txBody>
-          <a:bodyPr/>
-          <a:lstStyle/>
-          <a:p>
-            <a:endParaRPr lang="en-US" dirty="0"/>
+          <a:bodyPr>
+            <a:normAutofit fontScale="92500" lnSpcReduction="20000"/>
+          </a:bodyPr>
+          <a:lstStyle/>
+          <a:p>
+            <a:r>
+              <a:rPr lang="en-US" dirty="0"/>
+              <a:t>Best performing states:</a:t>
+            </a:r>
+          </a:p>
+          <a:p>
+            <a:pPr lvl="1"/>
+            <a:r>
+              <a:rPr lang="en-US" dirty="0"/>
+              <a:t>AK, UT, NE, VT and ID</a:t>
+            </a:r>
+          </a:p>
+          <a:p>
+            <a:pPr lvl="1"/>
+            <a:r>
+              <a:rPr lang="en-US" dirty="0"/>
+              <a:t>small, sparse states </a:t>
+            </a:r>
+          </a:p>
+          <a:p>
+            <a:pPr lvl="1"/>
+            <a:r>
+              <a:rPr lang="en-US" dirty="0"/>
+              <a:t>some of which may have underreported (not NE)</a:t>
+            </a:r>
+          </a:p>
+          <a:p>
+            <a:r>
+              <a:rPr lang="en-US" dirty="0"/>
+              <a:t>Worst performing states:</a:t>
+            </a:r>
+          </a:p>
+          <a:p>
+            <a:pPr lvl="1"/>
+            <a:r>
+              <a:rPr lang="en-US" dirty="0"/>
+              <a:t>MA, NJ, CT, MS, LA</a:t>
+            </a:r>
+          </a:p>
+          <a:p>
+            <a:pPr lvl="1"/>
+            <a:r>
+              <a:rPr lang="en-US" dirty="0"/>
+              <a:t>3 North Eastern states with very high population densities</a:t>
+            </a:r>
+          </a:p>
+          <a:p>
+            <a:r>
+              <a:rPr lang="en-US" dirty="0"/>
+              <a:t>Over 65s make up 78% of all Covid Deaths</a:t>
+            </a:r>
+          </a:p>
+          <a:p>
+            <a:pPr lvl="1"/>
+            <a:r>
+              <a:rPr lang="en-US" dirty="0"/>
+              <a:t>States with a “younger population”: AK, UT, CO, TX, GA – adjusted went up</a:t>
+            </a:r>
+          </a:p>
+          <a:p>
+            <a:pPr lvl="1"/>
+            <a:r>
+              <a:rPr lang="en-US" dirty="0"/>
+              <a:t>States with “older populations”:  ME, FL, CT, WV, HI, RI</a:t>
+            </a:r>
+          </a:p>
+          <a:p>
+            <a:r>
+              <a:rPr lang="en-US" dirty="0"/>
+              <a:t>If an adjustment was made for excess deaths this would make a large impact on death rate.</a:t>
+            </a:r>
           </a:p>
         </p:txBody>
       </p:sp>
@@ -6023,7 +5864,9 @@
         </p:nvSpPr>
         <p:spPr/>
         <p:txBody>
-          <a:bodyPr/>
+          <a:bodyPr>
+            <a:normAutofit lnSpcReduction="10000"/>
+          </a:bodyPr>
           <a:lstStyle/>
           <a:p>
             <a:r>
@@ -6039,24 +5882,6 @@
             </a:r>
           </a:p>
           <a:p>
-            <a:pPr lvl="1"/>
-            <a:r>
-              <a:rPr lang="en-US" dirty="0"/>
-              <a:t>Scatter plot normalized death rate versus hospital beds</a:t>
-            </a:r>
-          </a:p>
-          <a:p>
-            <a:pPr lvl="1"/>
-            <a:r>
-              <a:rPr lang="en-US" dirty="0"/>
-              <a:t>Regression analysis</a:t>
-            </a:r>
-          </a:p>
-          <a:p>
-            <a:pPr lvl="1"/>
-            <a:endParaRPr lang="en-US" dirty="0"/>
-          </a:p>
-          <a:p>
             <a:r>
               <a:rPr lang="en-US" dirty="0"/>
               <a:t>Preventative Measures</a:t>
@@ -6066,21 +5891,46 @@
             <a:pPr lvl="1"/>
             <a:r>
               <a:rPr lang="en-US" dirty="0"/>
-              <a:t>Mask mandate data (by month)</a:t>
+              <a:t>Mask mandates</a:t>
+            </a:r>
+          </a:p>
+          <a:p>
+            <a:r>
+              <a:rPr lang="en-US" dirty="0"/>
+              <a:t>Demographics</a:t>
             </a:r>
           </a:p>
           <a:p>
             <a:pPr lvl="1"/>
             <a:r>
               <a:rPr lang="en-US" dirty="0"/>
-              <a:t>Yes or no</a:t>
+              <a:t>Sex, race, income</a:t>
+            </a:r>
+          </a:p>
+          <a:p>
+            <a:r>
+              <a:rPr lang="en-US" dirty="0"/>
+              <a:t>Timing</a:t>
             </a:r>
           </a:p>
           <a:p>
             <a:pPr lvl="1"/>
             <a:r>
               <a:rPr lang="en-US" dirty="0"/>
-              <a:t>2-sample t-test</a:t>
+              <a:t>Vaccination roll out</a:t>
+            </a:r>
+          </a:p>
+          <a:p>
+            <a:r>
+              <a:rPr lang="en-US" dirty="0"/>
+              <a:t>Geography</a:t>
+            </a:r>
+          </a:p>
+          <a:p>
+            <a:pPr lvl="1"/>
+            <a:r>
+              <a:rPr lang="en-US" dirty="0"/>
+              <a:t>Urban/Metropolitan populations</a:t>
             </a:r>
           </a:p>
         </p:txBody>

--- a/Folder0/Presentation.pptx
+++ b/Folder0/Presentation.pptx
@@ -14,13 +14,11 @@
     <p:sldId id="263" r:id="rId8"/>
     <p:sldId id="264" r:id="rId9"/>
     <p:sldId id="258" r:id="rId10"/>
-    <p:sldId id="269" r:id="rId11"/>
-    <p:sldId id="265" r:id="rId12"/>
-    <p:sldId id="271" r:id="rId13"/>
-    <p:sldId id="266" r:id="rId14"/>
-    <p:sldId id="268" r:id="rId15"/>
-    <p:sldId id="267" r:id="rId16"/>
-    <p:sldId id="270" r:id="rId17"/>
+    <p:sldId id="265" r:id="rId11"/>
+    <p:sldId id="271" r:id="rId12"/>
+    <p:sldId id="266" r:id="rId13"/>
+    <p:sldId id="267" r:id="rId14"/>
+    <p:sldId id="270" r:id="rId15"/>
   </p:sldIdLst>
   <p:sldSz cx="12192000" cy="6858000"/>
   <p:notesSz cx="6858000" cy="9144000"/>
@@ -3427,8 +3425,8 @@
         </p:nvSpPr>
         <p:spPr>
           <a:xfrm>
-            <a:off x="838199" y="1093788"/>
-            <a:ext cx="10506455" cy="2967208"/>
+            <a:off x="838199" y="668686"/>
+            <a:ext cx="10506455" cy="1469416"/>
           </a:xfrm>
         </p:spPr>
         <p:txBody>
@@ -3439,8 +3437,8 @@
           <a:p>
             <a:pPr algn="l"/>
             <a:r>
-              <a:rPr lang="en-US" sz="8000"/>
-              <a:t>COVID-19 </a:t>
+              <a:rPr lang="en-US" sz="8000" dirty="0"/>
+              <a:t>Group 2</a:t>
             </a:r>
           </a:p>
         </p:txBody>
@@ -3651,6 +3649,53 @@
           </a:p>
         </p:txBody>
       </p:sp>
+      <p:sp>
+        <p:nvSpPr>
+          <p:cNvPr id="4" name="TextBox 3">
+            <a:extLst>
+              <a:ext uri="{FF2B5EF4-FFF2-40B4-BE49-F238E27FC236}">
+                <a16:creationId xmlns:a16="http://schemas.microsoft.com/office/drawing/2014/main" id="{F8556964-4743-F645-94D4-3250103992D7}"/>
+              </a:ext>
+            </a:extLst>
+          </p:cNvPr>
+          <p:cNvSpPr txBox="1"/>
+          <p:nvPr/>
+        </p:nvSpPr>
+        <p:spPr>
+          <a:xfrm>
+            <a:off x="838199" y="2603545"/>
+            <a:ext cx="8584080" cy="1538883"/>
+          </a:xfrm>
+          <a:prstGeom prst="rect">
+            <a:avLst/>
+          </a:prstGeom>
+          <a:noFill/>
+        </p:spPr>
+        <p:txBody>
+          <a:bodyPr wrap="square" rtlCol="0">
+            <a:spAutoFit/>
+          </a:bodyPr>
+          <a:lstStyle/>
+          <a:p>
+            <a:r>
+              <a:rPr lang="en-US" sz="1900" u="sng" dirty="0"/>
+              <a:t>Research Question: </a:t>
+            </a:r>
+          </a:p>
+          <a:p>
+            <a:endParaRPr lang="en-US" sz="1900" dirty="0"/>
+          </a:p>
+          <a:p>
+            <a:r>
+              <a:rPr lang="en-US" sz="1900" dirty="0"/>
+              <a:t>Which US states have managed the Covid-19 pandemic the best and which the worst? What factors may have affected their performance?</a:t>
+            </a:r>
+          </a:p>
+          <a:p>
+            <a:endParaRPr lang="en-US" dirty="0"/>
+          </a:p>
+        </p:txBody>
+      </p:sp>
     </p:spTree>
     <p:extLst>
       <p:ext uri="{BB962C8B-B14F-4D97-AF65-F5344CB8AC3E}">
@@ -3686,7 +3731,7 @@
           <p:cNvPr id="2" name="Title 1">
             <a:extLst>
               <a:ext uri="{FF2B5EF4-FFF2-40B4-BE49-F238E27FC236}">
-                <a16:creationId xmlns:a16="http://schemas.microsoft.com/office/drawing/2014/main" id="{DD2BE12E-2C71-4FC3-A715-6EA7AEBF1F6F}"/>
+                <a16:creationId xmlns:a16="http://schemas.microsoft.com/office/drawing/2014/main" id="{88EEA56A-21EC-4C5D-9474-BFBF3B512795}"/>
               </a:ext>
             </a:extLst>
           </p:cNvPr>
@@ -3704,102 +3749,116 @@
           <a:p>
             <a:r>
               <a:rPr lang="en-US" dirty="0"/>
-              <a:t>Mitigating / Explanations</a:t>
-            </a:r>
-          </a:p>
-        </p:txBody>
-      </p:sp>
-      <p:sp>
-        <p:nvSpPr>
-          <p:cNvPr id="3" name="Content Placeholder 2">
-            <a:extLst>
-              <a:ext uri="{FF2B5EF4-FFF2-40B4-BE49-F238E27FC236}">
-                <a16:creationId xmlns:a16="http://schemas.microsoft.com/office/drawing/2014/main" id="{7F6B4214-1624-4766-8D3F-611B88207B9D}"/>
-              </a:ext>
-            </a:extLst>
-          </p:cNvPr>
-          <p:cNvSpPr>
-            <a:spLocks noGrp="1"/>
-          </p:cNvSpPr>
-          <p:nvPr>
-            <p:ph idx="1"/>
-          </p:nvPr>
-        </p:nvSpPr>
-        <p:spPr/>
-        <p:txBody>
-          <a:bodyPr/>
-          <a:lstStyle/>
-          <a:p>
-            <a:r>
+              <a:t>Health Care : Hospital Beds versus Death Rate</a:t>
+            </a:r>
+            <a:br>
               <a:rPr lang="en-US" dirty="0"/>
-              <a:t>Demographics (Scatter Plot – regression)</a:t>
-            </a:r>
-          </a:p>
-          <a:p>
-            <a:pPr lvl="1"/>
-            <a:r>
-              <a:rPr lang="en-US" dirty="0"/>
-              <a:t>Sex</a:t>
-            </a:r>
-          </a:p>
-          <a:p>
-            <a:pPr lvl="1"/>
-            <a:r>
-              <a:rPr lang="en-US" dirty="0"/>
-              <a:t>Race</a:t>
-            </a:r>
-          </a:p>
-          <a:p>
-            <a:pPr lvl="1"/>
-            <a:r>
-              <a:rPr lang="en-US" dirty="0"/>
-              <a:t>Income (if we have time)</a:t>
-            </a:r>
-          </a:p>
-          <a:p>
-            <a:pPr lvl="1"/>
-            <a:endParaRPr lang="en-US" dirty="0"/>
-          </a:p>
-          <a:p>
-            <a:r>
-              <a:rPr lang="en-US" dirty="0"/>
-              <a:t>Timing</a:t>
-            </a:r>
-          </a:p>
-          <a:p>
-            <a:pPr lvl="1"/>
-            <a:r>
-              <a:rPr lang="en-US" dirty="0"/>
-              <a:t>Vaccination roll out</a:t>
-            </a:r>
-          </a:p>
-          <a:p>
-            <a:pPr lvl="1"/>
-            <a:endParaRPr lang="en-US" dirty="0"/>
-          </a:p>
-          <a:p>
-            <a:r>
-              <a:rPr lang="en-US" dirty="0"/>
-              <a:t>Geography</a:t>
-            </a:r>
-          </a:p>
-          <a:p>
-            <a:pPr lvl="1"/>
-            <a:r>
-              <a:rPr lang="en-US" dirty="0"/>
-              <a:t>Urban/Metropolitan populations (if we have time)</a:t>
-            </a:r>
-          </a:p>
-          <a:p>
-            <a:pPr lvl="1"/>
-            <a:endParaRPr lang="en-US" dirty="0"/>
-          </a:p>
-        </p:txBody>
-      </p:sp>
+            </a:br>
+            <a:r>
+              <a:rPr lang="en-US" sz="1400" dirty="0"/>
+              <a:t>Does having accessible healthcare effect death rate?</a:t>
+            </a:r>
+          </a:p>
+        </p:txBody>
+      </p:sp>
+      <p:sp>
+        <p:nvSpPr>
+          <p:cNvPr id="4" name="TextBox 3">
+            <a:extLst>
+              <a:ext uri="{FF2B5EF4-FFF2-40B4-BE49-F238E27FC236}">
+                <a16:creationId xmlns:a16="http://schemas.microsoft.com/office/drawing/2014/main" id="{AB8D94A0-A1DF-4026-97E3-EEA0267611A1}"/>
+              </a:ext>
+            </a:extLst>
+          </p:cNvPr>
+          <p:cNvSpPr txBox="1"/>
+          <p:nvPr/>
+        </p:nvSpPr>
+        <p:spPr>
+          <a:xfrm>
+            <a:off x="838200" y="5870889"/>
+            <a:ext cx="9589008" cy="830997"/>
+          </a:xfrm>
+          <a:prstGeom prst="rect">
+            <a:avLst/>
+          </a:prstGeom>
+          <a:noFill/>
+        </p:spPr>
+        <p:txBody>
+          <a:bodyPr wrap="square" rtlCol="0">
+            <a:spAutoFit/>
+          </a:bodyPr>
+          <a:lstStyle/>
+          <a:p>
+            <a:r>
+              <a:rPr lang="en-US" sz="1200" b="1" u="sng" dirty="0"/>
+              <a:t>The Small Print</a:t>
+            </a:r>
+            <a:r>
+              <a:rPr lang="en-US" sz="1200" dirty="0"/>
+              <a:t> </a:t>
+            </a:r>
+          </a:p>
+          <a:p>
+            <a:r>
+              <a:rPr lang="en-US" sz="1200" dirty="0"/>
+              <a:t>Data Sources: Center for Disease Control (CDC) website: </a:t>
+            </a:r>
+            <a:r>
+              <a:rPr lang="en-US" sz="1200" dirty="0" err="1"/>
+              <a:t>cdc.gov</a:t>
+            </a:r>
+            <a:endParaRPr lang="en-US" sz="1200" dirty="0"/>
+          </a:p>
+          <a:p>
+            <a:r>
+              <a:rPr lang="en-US" sz="1200" dirty="0"/>
+              <a:t>Census website: </a:t>
+            </a:r>
+            <a:r>
+              <a:rPr lang="en-US" sz="1200" dirty="0" err="1"/>
+              <a:t>census.gov</a:t>
+            </a:r>
+            <a:endParaRPr lang="en-US" sz="1200" dirty="0"/>
+          </a:p>
+          <a:p>
+            <a:endParaRPr lang="en-US" sz="1200" dirty="0"/>
+          </a:p>
+        </p:txBody>
+      </p:sp>
+      <p:pic>
+        <p:nvPicPr>
+          <p:cNvPr id="3" name="Picture 2">
+            <a:extLst>
+              <a:ext uri="{FF2B5EF4-FFF2-40B4-BE49-F238E27FC236}">
+                <a16:creationId xmlns:a16="http://schemas.microsoft.com/office/drawing/2014/main" id="{606CA404-A27E-244E-A083-2A2AA5B064B8}"/>
+              </a:ext>
+            </a:extLst>
+          </p:cNvPr>
+          <p:cNvPicPr>
+            <a:picLocks noChangeAspect="1"/>
+          </p:cNvPicPr>
+          <p:nvPr/>
+        </p:nvPicPr>
+        <p:blipFill>
+          <a:blip r:embed="rId2"/>
+          <a:stretch>
+            <a:fillRect/>
+          </a:stretch>
+        </p:blipFill>
+        <p:spPr>
+          <a:xfrm>
+            <a:off x="1039906" y="1690688"/>
+            <a:ext cx="10112188" cy="3967629"/>
+          </a:xfrm>
+          <a:prstGeom prst="rect">
+            <a:avLst/>
+          </a:prstGeom>
+        </p:spPr>
+      </p:pic>
     </p:spTree>
     <p:extLst>
       <p:ext uri="{BB962C8B-B14F-4D97-AF65-F5344CB8AC3E}">
-        <p14:creationId xmlns:p14="http://schemas.microsoft.com/office/powerpoint/2010/main" val="2957254703"/>
+        <p14:creationId xmlns:p14="http://schemas.microsoft.com/office/powerpoint/2010/main" val="3645529043"/>
       </p:ext>
     </p:extLst>
   </p:cSld>
@@ -3875,8 +3934,8 @@
         </p:nvSpPr>
         <p:spPr>
           <a:xfrm>
-            <a:off x="838200" y="6171972"/>
-            <a:ext cx="9589008" cy="461665"/>
+            <a:off x="838200" y="6077419"/>
+            <a:ext cx="9589008" cy="646331"/>
           </a:xfrm>
           <a:prstGeom prst="rect">
             <a:avLst/>
@@ -3909,14 +3968,25 @@
             </a:r>
             <a:endParaRPr lang="en-US" sz="1200" dirty="0"/>
           </a:p>
+          <a:p>
+            <a:r>
+              <a:rPr lang="en-US" sz="1200" dirty="0"/>
+              <a:t>Census website: </a:t>
+            </a:r>
+            <a:r>
+              <a:rPr lang="en-US" sz="1200" dirty="0" err="1"/>
+              <a:t>census.gov</a:t>
+            </a:r>
+            <a:endParaRPr lang="en-US" sz="1200" dirty="0"/>
+          </a:p>
         </p:txBody>
       </p:sp>
       <p:pic>
         <p:nvPicPr>
-          <p:cNvPr id="6" name="Picture 5" descr="Chart, bar chart&#10;&#10;Description automatically generated">
-            <a:extLst>
-              <a:ext uri="{FF2B5EF4-FFF2-40B4-BE49-F238E27FC236}">
-                <a16:creationId xmlns:a16="http://schemas.microsoft.com/office/drawing/2014/main" id="{B47F4F45-1EBD-A947-8304-0ABEA14C7E76}"/>
+          <p:cNvPr id="9" name="Picture 8" descr="Chart, scatter chart&#10;&#10;Description automatically generated">
+            <a:extLst>
+              <a:ext uri="{FF2B5EF4-FFF2-40B4-BE49-F238E27FC236}">
+                <a16:creationId xmlns:a16="http://schemas.microsoft.com/office/drawing/2014/main" id="{F3B79509-AE01-104D-B0CA-04FE6AE744B6}"/>
               </a:ext>
             </a:extLst>
           </p:cNvPr>
@@ -3939,8 +4009,8 @@
         </p:blipFill>
         <p:spPr>
           <a:xfrm>
-            <a:off x="0" y="1690688"/>
-            <a:ext cx="12192000" cy="4064000"/>
+            <a:off x="2752164" y="1618972"/>
+            <a:ext cx="6687671" cy="4458447"/>
           </a:xfrm>
           <a:prstGeom prst="rect">
             <a:avLst/>
@@ -3950,7 +4020,7 @@
     </p:spTree>
     <p:extLst>
       <p:ext uri="{BB962C8B-B14F-4D97-AF65-F5344CB8AC3E}">
-        <p14:creationId xmlns:p14="http://schemas.microsoft.com/office/powerpoint/2010/main" val="3645529043"/>
+        <p14:creationId xmlns:p14="http://schemas.microsoft.com/office/powerpoint/2010/main" val="4154975767"/>
       </p:ext>
     </p:extLst>
   </p:cSld>
@@ -3995,86 +4065,40 @@
         </p:nvSpPr>
         <p:spPr/>
         <p:txBody>
-          <a:bodyPr/>
+          <a:bodyPr>
+            <a:normAutofit fontScale="90000"/>
+          </a:bodyPr>
           <a:lstStyle/>
           <a:p>
             <a:r>
               <a:rPr lang="en-US" dirty="0"/>
-              <a:t>Health Care : Hospital Beds versus Death Rate</a:t>
+              <a:t>Preventative Measures</a:t>
             </a:r>
             <a:br>
               <a:rPr lang="en-US" dirty="0"/>
             </a:br>
             <a:r>
-              <a:rPr lang="en-US" sz="1400" dirty="0"/>
-              <a:t>Does having accessible healthcare effect death rate?</a:t>
-            </a:r>
-          </a:p>
-        </p:txBody>
-      </p:sp>
-      <p:sp>
-        <p:nvSpPr>
-          <p:cNvPr id="4" name="TextBox 3">
-            <a:extLst>
-              <a:ext uri="{FF2B5EF4-FFF2-40B4-BE49-F238E27FC236}">
-                <a16:creationId xmlns:a16="http://schemas.microsoft.com/office/drawing/2014/main" id="{AB8D94A0-A1DF-4026-97E3-EEA0267611A1}"/>
-              </a:ext>
-            </a:extLst>
-          </p:cNvPr>
-          <p:cNvSpPr txBox="1"/>
-          <p:nvPr/>
-        </p:nvSpPr>
-        <p:spPr>
-          <a:xfrm>
-            <a:off x="838200" y="6171972"/>
-            <a:ext cx="9589008" cy="461665"/>
-          </a:xfrm>
-          <a:prstGeom prst="rect">
-            <a:avLst/>
-          </a:prstGeom>
-          <a:noFill/>
-        </p:spPr>
-        <p:txBody>
-          <a:bodyPr wrap="square" rtlCol="0">
-            <a:spAutoFit/>
-          </a:bodyPr>
-          <a:lstStyle/>
-          <a:p>
-            <a:r>
-              <a:rPr lang="en-US" sz="1200" b="1" u="sng" dirty="0"/>
-              <a:t>The Small Print</a:t>
-            </a:r>
-            <a:r>
-              <a:rPr lang="en-US" sz="1200" dirty="0"/>
-              <a:t> </a:t>
-            </a:r>
-          </a:p>
-          <a:p>
-            <a:r>
-              <a:rPr lang="en-US" sz="1200" dirty="0"/>
-              <a:t>Data Sources: Center for Disease Control (CDC) website: </a:t>
-            </a:r>
-            <a:r>
-              <a:rPr lang="en-US" sz="1200" dirty="0" err="1"/>
-              <a:t>cdc.gov</a:t>
-            </a:r>
-            <a:endParaRPr lang="en-US" sz="1200" dirty="0"/>
+              <a:rPr lang="en-US" sz="2400" dirty="0"/>
+              <a:t>States with no mask mandate have better outcomes than those with &gt;80% mandates. </a:t>
+            </a:r>
           </a:p>
         </p:txBody>
       </p:sp>
       <p:pic>
         <p:nvPicPr>
-          <p:cNvPr id="5" name="Picture 4" descr="Chart, scatter chart&#10;&#10;Description automatically generated">
-            <a:extLst>
-              <a:ext uri="{FF2B5EF4-FFF2-40B4-BE49-F238E27FC236}">
-                <a16:creationId xmlns:a16="http://schemas.microsoft.com/office/drawing/2014/main" id="{E619428C-B256-C74B-AF11-7D48398FF1FF}"/>
+          <p:cNvPr id="6" name="Content Placeholder 5">
+            <a:extLst>
+              <a:ext uri="{FF2B5EF4-FFF2-40B4-BE49-F238E27FC236}">
+                <a16:creationId xmlns:a16="http://schemas.microsoft.com/office/drawing/2014/main" id="{AA1CAC79-63C8-4CC2-92B8-8E4E72A5757E}"/>
               </a:ext>
             </a:extLst>
           </p:cNvPr>
           <p:cNvPicPr>
-            <a:picLocks noChangeAspect="1"/>
+            <a:picLocks noGrp="1" noChangeAspect="1"/>
           </p:cNvPicPr>
-          <p:nvPr/>
+          <p:nvPr>
+            <p:ph idx="1"/>
+          </p:nvPr>
         </p:nvPicPr>
         <p:blipFill>
           <a:blip r:embed="rId2">
@@ -4090,18 +4114,67 @@
         </p:blipFill>
         <p:spPr>
           <a:xfrm>
-            <a:off x="2818332" y="1690688"/>
-            <a:ext cx="6555335" cy="4370223"/>
+            <a:off x="1816608" y="1367162"/>
+            <a:ext cx="6924358" cy="4616238"/>
+          </a:xfrm>
+        </p:spPr>
+      </p:pic>
+      <p:sp>
+        <p:nvSpPr>
+          <p:cNvPr id="4" name="TextBox 3">
+            <a:extLst>
+              <a:ext uri="{FF2B5EF4-FFF2-40B4-BE49-F238E27FC236}">
+                <a16:creationId xmlns:a16="http://schemas.microsoft.com/office/drawing/2014/main" id="{AB8D94A0-A1DF-4026-97E3-EEA0267611A1}"/>
+              </a:ext>
+            </a:extLst>
+          </p:cNvPr>
+          <p:cNvSpPr txBox="1"/>
+          <p:nvPr/>
+        </p:nvSpPr>
+        <p:spPr>
+          <a:xfrm>
+            <a:off x="838200" y="5983400"/>
+            <a:ext cx="9589008" cy="646331"/>
           </a:xfrm>
           <a:prstGeom prst="rect">
             <a:avLst/>
           </a:prstGeom>
+          <a:noFill/>
         </p:spPr>
-      </p:pic>
+        <p:txBody>
+          <a:bodyPr wrap="square" rtlCol="0">
+            <a:spAutoFit/>
+          </a:bodyPr>
+          <a:lstStyle/>
+          <a:p>
+            <a:r>
+              <a:rPr lang="en-US" sz="1200" b="1" u="sng" dirty="0"/>
+              <a:t>The Small Print</a:t>
+            </a:r>
+          </a:p>
+          <a:p>
+            <a:r>
+              <a:rPr lang="en-US" sz="1200" dirty="0"/>
+              <a:t>Definitions of any terms or metrics:  March 2020 to April 2021</a:t>
+            </a:r>
+          </a:p>
+          <a:p>
+            <a:r>
+              <a:rPr lang="en-US" sz="1200" dirty="0"/>
+              <a:t>Data Sources: Center for Disease Control (CDC) website: </a:t>
+            </a:r>
+            <a:r>
+              <a:rPr lang="en-US" sz="1200" dirty="0" err="1"/>
+              <a:t>cdc.gov</a:t>
+            </a:r>
+            <a:endParaRPr lang="en-US" sz="1200" dirty="0"/>
+          </a:p>
+        </p:txBody>
+      </p:sp>
     </p:spTree>
     <p:extLst>
       <p:ext uri="{BB962C8B-B14F-4D97-AF65-F5344CB8AC3E}">
-        <p14:creationId xmlns:p14="http://schemas.microsoft.com/office/powerpoint/2010/main" val="4154975767"/>
+        <p14:creationId xmlns:p14="http://schemas.microsoft.com/office/powerpoint/2010/main" val="4204894420"/>
       </p:ext>
     </p:extLst>
   </p:cSld>
@@ -4151,53 +4224,54 @@
           <a:p>
             <a:r>
               <a:rPr lang="en-US" dirty="0"/>
-              <a:t>Preventative Measures [John]</a:t>
+              <a:t>Geography</a:t>
             </a:r>
             <a:br>
               <a:rPr lang="en-US" dirty="0"/>
             </a:br>
             <a:r>
-              <a:rPr lang="en-US" sz="3200" dirty="0"/>
-              <a:t>High-level conclusion</a:t>
+              <a:rPr lang="en-US" sz="2000" dirty="0"/>
+              <a:t>“Distancing” is a factor in the spread of Covid-19. Death Rate shows a very weak correlation with population density. </a:t>
             </a:r>
             <a:endParaRPr lang="en-US" dirty="0"/>
           </a:p>
         </p:txBody>
       </p:sp>
-      <p:sp>
-        <p:nvSpPr>
-          <p:cNvPr id="3" name="Content Placeholder 2">
-            <a:extLst>
-              <a:ext uri="{FF2B5EF4-FFF2-40B4-BE49-F238E27FC236}">
-                <a16:creationId xmlns:a16="http://schemas.microsoft.com/office/drawing/2014/main" id="{8255C409-34C6-40B3-BFB5-F40F2E36F4B8}"/>
-              </a:ext>
-            </a:extLst>
-          </p:cNvPr>
-          <p:cNvSpPr>
-            <a:spLocks noGrp="1"/>
-          </p:cNvSpPr>
+      <p:pic>
+        <p:nvPicPr>
+          <p:cNvPr id="6" name="Content Placeholder 5">
+            <a:extLst>
+              <a:ext uri="{FF2B5EF4-FFF2-40B4-BE49-F238E27FC236}">
+                <a16:creationId xmlns:a16="http://schemas.microsoft.com/office/drawing/2014/main" id="{C3E1CE41-05E0-4993-AE36-07D89FD05972}"/>
+              </a:ext>
+            </a:extLst>
+          </p:cNvPr>
+          <p:cNvPicPr>
+            <a:picLocks noGrp="1" noChangeAspect="1"/>
+          </p:cNvPicPr>
           <p:nvPr>
             <p:ph idx="1"/>
           </p:nvPr>
-        </p:nvSpPr>
-        <p:spPr/>
-        <p:txBody>
-          <a:bodyPr/>
-          <a:lstStyle/>
-          <a:p>
-            <a:r>
-              <a:rPr lang="en-US" dirty="0"/>
-              <a:t>2 histogram on same plot – death rate with mask and without mask</a:t>
-            </a:r>
-          </a:p>
-          <a:p>
-            <a:r>
-              <a:rPr lang="en-US" dirty="0"/>
-              <a:t>2 Sample t-test – is there a difference?</a:t>
-            </a:r>
-          </a:p>
-        </p:txBody>
-      </p:sp>
+        </p:nvPicPr>
+        <p:blipFill>
+          <a:blip r:embed="rId2">
+            <a:extLst>
+              <a:ext uri="{28A0092B-C50C-407E-A947-70E740481C1C}">
+                <a14:useLocalDpi xmlns:a14="http://schemas.microsoft.com/office/drawing/2010/main" val="0"/>
+              </a:ext>
+            </a:extLst>
+          </a:blip>
+          <a:stretch>
+            <a:fillRect/>
+          </a:stretch>
+        </p:blipFill>
+        <p:spPr>
+          <a:xfrm>
+            <a:off x="1923140" y="1257518"/>
+            <a:ext cx="7128917" cy="4752613"/>
+          </a:xfrm>
+        </p:spPr>
+      </p:pic>
       <p:sp>
         <p:nvSpPr>
           <p:cNvPr id="4" name="TextBox 3">
@@ -4212,8 +4286,8 @@
         </p:nvSpPr>
         <p:spPr>
           <a:xfrm>
-            <a:off x="786384" y="5850235"/>
-            <a:ext cx="9589008" cy="830997"/>
+            <a:off x="838200" y="6010131"/>
+            <a:ext cx="9589008" cy="646331"/>
           </a:xfrm>
           <a:prstGeom prst="rect">
             <a:avLst/>
@@ -4234,27 +4308,26 @@
           <a:p>
             <a:r>
               <a:rPr lang="en-US" sz="1200" dirty="0"/>
-              <a:t>Definitions of any terms or metrics:  March 2020 to April 2021 | Death Rate is cumulative confirmed Covid Deaths / cumulative confirmed Covid Cases </a:t>
+              <a:t>Definitions of any terms or metrics:  March 2020 to April 2021</a:t>
             </a:r>
           </a:p>
           <a:p>
             <a:r>
               <a:rPr lang="en-US" sz="1200" dirty="0"/>
-              <a:t>Data Sources: Center for Disease Control (CDC) website: cdc.gov</a:t>
-            </a:r>
-          </a:p>
-          <a:p>
-            <a:r>
-              <a:rPr lang="en-US" sz="1200" dirty="0"/>
-              <a:t>Omissions or filtering: No data for AS</a:t>
-            </a:r>
+              <a:t>Data Sources: Center for Disease Control (CDC) website: </a:t>
+            </a:r>
+            <a:r>
+              <a:rPr lang="en-US" sz="1200" dirty="0" err="1"/>
+              <a:t>cdc.gov</a:t>
+            </a:r>
+            <a:endParaRPr lang="en-US" sz="1200" dirty="0"/>
           </a:p>
         </p:txBody>
       </p:sp>
     </p:spTree>
     <p:extLst>
       <p:ext uri="{BB962C8B-B14F-4D97-AF65-F5344CB8AC3E}">
-        <p14:creationId xmlns:p14="http://schemas.microsoft.com/office/powerpoint/2010/main" val="4204894420"/>
+        <p14:creationId xmlns:p14="http://schemas.microsoft.com/office/powerpoint/2010/main" val="232561670"/>
       </p:ext>
     </p:extLst>
   </p:cSld>
@@ -4286,7 +4359,7 @@
           <p:cNvPr id="2" name="Title 1">
             <a:extLst>
               <a:ext uri="{FF2B5EF4-FFF2-40B4-BE49-F238E27FC236}">
-                <a16:creationId xmlns:a16="http://schemas.microsoft.com/office/drawing/2014/main" id="{88EEA56A-21EC-4C5D-9474-BFBF3B512795}"/>
+                <a16:creationId xmlns:a16="http://schemas.microsoft.com/office/drawing/2014/main" id="{AE77BA51-5CA8-47D3-BBDF-9027CDFCCFBB}"/>
               </a:ext>
             </a:extLst>
           </p:cNvPr>
@@ -4304,342 +4377,94 @@
           <a:p>
             <a:r>
               <a:rPr lang="en-US" dirty="0"/>
-              <a:t>Vaccination Rollout [?]</a:t>
-            </a:r>
-            <a:br>
+              <a:t>Overall Conclusions</a:t>
+            </a:r>
+          </a:p>
+        </p:txBody>
+      </p:sp>
+      <p:sp>
+        <p:nvSpPr>
+          <p:cNvPr id="3" name="Content Placeholder 2">
+            <a:extLst>
+              <a:ext uri="{FF2B5EF4-FFF2-40B4-BE49-F238E27FC236}">
+                <a16:creationId xmlns:a16="http://schemas.microsoft.com/office/drawing/2014/main" id="{1EF89807-BD61-448C-AECF-F0035C097D51}"/>
+              </a:ext>
+            </a:extLst>
+          </p:cNvPr>
+          <p:cNvSpPr>
+            <a:spLocks noGrp="1"/>
+          </p:cNvSpPr>
+          <p:nvPr>
+            <p:ph idx="1"/>
+          </p:nvPr>
+        </p:nvSpPr>
+        <p:spPr/>
+        <p:txBody>
+          <a:bodyPr/>
+          <a:lstStyle/>
+          <a:p>
+            <a:r>
               <a:rPr lang="en-US" dirty="0"/>
-            </a:br>
-            <a:r>
-              <a:rPr lang="en-US" sz="3200" dirty="0"/>
-              <a:t>High-level conclusion</a:t>
-            </a:r>
+              <a:t>Very difficult to make a judgement on best or worst</a:t>
+            </a:r>
+          </a:p>
+          <a:p>
+            <a:pPr lvl="1"/>
+            <a:r>
+              <a:rPr lang="en-US" dirty="0"/>
+              <a:t>Surprised that data was not more conclusive</a:t>
+            </a:r>
+          </a:p>
+          <a:p>
+            <a:pPr marL="0" indent="0">
+              <a:buNone/>
+            </a:pPr>
             <a:endParaRPr lang="en-US" dirty="0"/>
-          </a:p>
-        </p:txBody>
-      </p:sp>
-      <p:sp>
-        <p:nvSpPr>
-          <p:cNvPr id="3" name="Content Placeholder 2">
-            <a:extLst>
-              <a:ext uri="{FF2B5EF4-FFF2-40B4-BE49-F238E27FC236}">
-                <a16:creationId xmlns:a16="http://schemas.microsoft.com/office/drawing/2014/main" id="{8255C409-34C6-40B3-BFB5-F40F2E36F4B8}"/>
-              </a:ext>
-            </a:extLst>
-          </p:cNvPr>
-          <p:cNvSpPr>
-            <a:spLocks noGrp="1"/>
-          </p:cNvSpPr>
-          <p:nvPr>
-            <p:ph idx="1"/>
-          </p:nvPr>
-        </p:nvSpPr>
-        <p:spPr/>
-        <p:txBody>
-          <a:bodyPr/>
-          <a:lstStyle/>
-          <a:p>
-            <a:r>
-              <a:rPr lang="en-US" dirty="0"/>
-              <a:t>Scatter % complete versus death rate</a:t>
-            </a:r>
-          </a:p>
-          <a:p>
-            <a:r>
-              <a:rPr lang="en-US" dirty="0"/>
-              <a:t>Regression</a:t>
-            </a:r>
-          </a:p>
-        </p:txBody>
-      </p:sp>
-      <p:sp>
-        <p:nvSpPr>
-          <p:cNvPr id="4" name="TextBox 3">
-            <a:extLst>
-              <a:ext uri="{FF2B5EF4-FFF2-40B4-BE49-F238E27FC236}">
-                <a16:creationId xmlns:a16="http://schemas.microsoft.com/office/drawing/2014/main" id="{AB8D94A0-A1DF-4026-97E3-EEA0267611A1}"/>
-              </a:ext>
-            </a:extLst>
-          </p:cNvPr>
-          <p:cNvSpPr txBox="1"/>
-          <p:nvPr/>
-        </p:nvSpPr>
-        <p:spPr>
-          <a:xfrm>
-            <a:off x="786384" y="5850235"/>
-            <a:ext cx="9589008" cy="830997"/>
-          </a:xfrm>
-          <a:prstGeom prst="rect">
-            <a:avLst/>
-          </a:prstGeom>
-          <a:noFill/>
-        </p:spPr>
-        <p:txBody>
-          <a:bodyPr wrap="square" rtlCol="0">
-            <a:spAutoFit/>
-          </a:bodyPr>
-          <a:lstStyle/>
-          <a:p>
-            <a:r>
-              <a:rPr lang="en-US" sz="1200" b="1" u="sng" dirty="0"/>
-              <a:t>The Small Print</a:t>
-            </a:r>
-          </a:p>
-          <a:p>
-            <a:r>
-              <a:rPr lang="en-US" sz="1200" dirty="0"/>
-              <a:t>Definitions of any terms or metrics:  March 2020 to April 2021 | Death Rate is cumulative confirmed Covid Deaths / cumulative confirmed Covid Cases </a:t>
-            </a:r>
-          </a:p>
-          <a:p>
-            <a:r>
-              <a:rPr lang="en-US" sz="1200" dirty="0"/>
-              <a:t>Data Sources: Center for Disease Control (CDC) website: cdc.gov</a:t>
-            </a:r>
-          </a:p>
-          <a:p>
-            <a:r>
-              <a:rPr lang="en-US" sz="1200" dirty="0"/>
-              <a:t>Omissions or filtering: No data for AS</a:t>
-            </a:r>
-          </a:p>
-        </p:txBody>
-      </p:sp>
-    </p:spTree>
-    <p:extLst>
-      <p:ext uri="{BB962C8B-B14F-4D97-AF65-F5344CB8AC3E}">
-        <p14:creationId xmlns:p14="http://schemas.microsoft.com/office/powerpoint/2010/main" val="2518426682"/>
-      </p:ext>
-    </p:extLst>
-  </p:cSld>
-  <p:clrMapOvr>
-    <a:masterClrMapping/>
-  </p:clrMapOvr>
-</p:sld>
-</file>
-
-<file path=ppt/slides/slide15.xml><?xml version="1.0" encoding="utf-8"?>
-<p:sld xmlns:a="http://schemas.openxmlformats.org/drawingml/2006/main" xmlns:r="http://schemas.openxmlformats.org/officeDocument/2006/relationships" xmlns:p="http://schemas.openxmlformats.org/presentationml/2006/main">
-  <p:cSld>
-    <p:spTree>
-      <p:nvGrpSpPr>
-        <p:cNvPr id="1" name=""/>
-        <p:cNvGrpSpPr/>
-        <p:nvPr/>
-      </p:nvGrpSpPr>
-      <p:grpSpPr>
-        <a:xfrm>
-          <a:off x="0" y="0"/>
-          <a:ext cx="0" cy="0"/>
-          <a:chOff x="0" y="0"/>
-          <a:chExt cx="0" cy="0"/>
-        </a:xfrm>
-      </p:grpSpPr>
-      <p:sp>
-        <p:nvSpPr>
-          <p:cNvPr id="2" name="Title 1">
-            <a:extLst>
-              <a:ext uri="{FF2B5EF4-FFF2-40B4-BE49-F238E27FC236}">
-                <a16:creationId xmlns:a16="http://schemas.microsoft.com/office/drawing/2014/main" id="{88EEA56A-21EC-4C5D-9474-BFBF3B512795}"/>
-              </a:ext>
-            </a:extLst>
-          </p:cNvPr>
-          <p:cNvSpPr>
-            <a:spLocks noGrp="1"/>
-          </p:cNvSpPr>
-          <p:nvPr>
-            <p:ph type="title"/>
-          </p:nvPr>
-        </p:nvSpPr>
-        <p:spPr/>
-        <p:txBody>
-          <a:bodyPr/>
-          <a:lstStyle/>
-          <a:p>
-            <a:r>
-              <a:rPr lang="en-US" dirty="0"/>
-              <a:t>Demographics [?]</a:t>
-            </a:r>
-            <a:br>
-              <a:rPr lang="en-US" dirty="0"/>
-            </a:br>
-            <a:r>
-              <a:rPr lang="en-US" sz="3200" dirty="0"/>
-              <a:t>High-level conclusion</a:t>
-            </a:r>
-            <a:endParaRPr lang="en-US" dirty="0"/>
-          </a:p>
-        </p:txBody>
-      </p:sp>
-      <p:sp>
-        <p:nvSpPr>
-          <p:cNvPr id="3" name="Content Placeholder 2">
-            <a:extLst>
-              <a:ext uri="{FF2B5EF4-FFF2-40B4-BE49-F238E27FC236}">
-                <a16:creationId xmlns:a16="http://schemas.microsoft.com/office/drawing/2014/main" id="{8255C409-34C6-40B3-BFB5-F40F2E36F4B8}"/>
-              </a:ext>
-            </a:extLst>
-          </p:cNvPr>
-          <p:cNvSpPr>
-            <a:spLocks noGrp="1"/>
-          </p:cNvSpPr>
-          <p:nvPr>
-            <p:ph idx="1"/>
-          </p:nvPr>
-        </p:nvSpPr>
-        <p:spPr/>
-        <p:txBody>
-          <a:bodyPr/>
-          <a:lstStyle/>
-          <a:p>
-            <a:r>
-              <a:rPr lang="en-US" dirty="0"/>
-              <a:t>Chart</a:t>
-            </a:r>
-          </a:p>
-        </p:txBody>
-      </p:sp>
-      <p:sp>
-        <p:nvSpPr>
-          <p:cNvPr id="4" name="TextBox 3">
-            <a:extLst>
-              <a:ext uri="{FF2B5EF4-FFF2-40B4-BE49-F238E27FC236}">
-                <a16:creationId xmlns:a16="http://schemas.microsoft.com/office/drawing/2014/main" id="{AB8D94A0-A1DF-4026-97E3-EEA0267611A1}"/>
-              </a:ext>
-            </a:extLst>
-          </p:cNvPr>
-          <p:cNvSpPr txBox="1"/>
-          <p:nvPr/>
-        </p:nvSpPr>
-        <p:spPr>
-          <a:xfrm>
-            <a:off x="786384" y="5850235"/>
-            <a:ext cx="9589008" cy="830997"/>
-          </a:xfrm>
-          <a:prstGeom prst="rect">
-            <a:avLst/>
-          </a:prstGeom>
-          <a:noFill/>
-        </p:spPr>
-        <p:txBody>
-          <a:bodyPr wrap="square" rtlCol="0">
-            <a:spAutoFit/>
-          </a:bodyPr>
-          <a:lstStyle/>
-          <a:p>
-            <a:r>
-              <a:rPr lang="en-US" sz="1200" b="1" u="sng" dirty="0"/>
-              <a:t>The Small Print</a:t>
-            </a:r>
-          </a:p>
-          <a:p>
-            <a:r>
-              <a:rPr lang="en-US" sz="1200" dirty="0"/>
-              <a:t>Definitions of any terms or metrics:  March 2020 to April 2021 | Death Rate is cumulative confirmed Covid Deaths / cumulative confirmed Covid Cases </a:t>
-            </a:r>
-          </a:p>
-          <a:p>
-            <a:r>
-              <a:rPr lang="en-US" sz="1200" dirty="0"/>
-              <a:t>Data Sources: Center for Disease Control (CDC) website: cdc.gov</a:t>
-            </a:r>
-          </a:p>
-          <a:p>
-            <a:r>
-              <a:rPr lang="en-US" sz="1200" dirty="0"/>
-              <a:t>Omissions or filtering: No data for AS</a:t>
-            </a:r>
-          </a:p>
-        </p:txBody>
-      </p:sp>
-    </p:spTree>
-    <p:extLst>
-      <p:ext uri="{BB962C8B-B14F-4D97-AF65-F5344CB8AC3E}">
-        <p14:creationId xmlns:p14="http://schemas.microsoft.com/office/powerpoint/2010/main" val="232561670"/>
-      </p:ext>
-    </p:extLst>
-  </p:cSld>
-  <p:clrMapOvr>
-    <a:masterClrMapping/>
-  </p:clrMapOvr>
-</p:sld>
-</file>
-
-<file path=ppt/slides/slide16.xml><?xml version="1.0" encoding="utf-8"?>
-<p:sld xmlns:a="http://schemas.openxmlformats.org/drawingml/2006/main" xmlns:r="http://schemas.openxmlformats.org/officeDocument/2006/relationships" xmlns:p="http://schemas.openxmlformats.org/presentationml/2006/main">
-  <p:cSld>
-    <p:spTree>
-      <p:nvGrpSpPr>
-        <p:cNvPr id="1" name=""/>
-        <p:cNvGrpSpPr/>
-        <p:nvPr/>
-      </p:nvGrpSpPr>
-      <p:grpSpPr>
-        <a:xfrm>
-          <a:off x="0" y="0"/>
-          <a:ext cx="0" cy="0"/>
-          <a:chOff x="0" y="0"/>
-          <a:chExt cx="0" cy="0"/>
-        </a:xfrm>
-      </p:grpSpPr>
-      <p:sp>
-        <p:nvSpPr>
-          <p:cNvPr id="2" name="Title 1">
-            <a:extLst>
-              <a:ext uri="{FF2B5EF4-FFF2-40B4-BE49-F238E27FC236}">
-                <a16:creationId xmlns:a16="http://schemas.microsoft.com/office/drawing/2014/main" id="{AE77BA51-5CA8-47D3-BBDF-9027CDFCCFBB}"/>
-              </a:ext>
-            </a:extLst>
-          </p:cNvPr>
-          <p:cNvSpPr>
-            <a:spLocks noGrp="1"/>
-          </p:cNvSpPr>
-          <p:nvPr>
-            <p:ph type="title"/>
-          </p:nvPr>
-        </p:nvSpPr>
-        <p:spPr/>
-        <p:txBody>
-          <a:bodyPr/>
-          <a:lstStyle/>
-          <a:p>
-            <a:r>
-              <a:rPr lang="en-US" dirty="0"/>
-              <a:t>Overall Conclusions [All]</a:t>
-            </a:r>
-          </a:p>
-        </p:txBody>
-      </p:sp>
-      <p:sp>
-        <p:nvSpPr>
-          <p:cNvPr id="3" name="Content Placeholder 2">
-            <a:extLst>
-              <a:ext uri="{FF2B5EF4-FFF2-40B4-BE49-F238E27FC236}">
-                <a16:creationId xmlns:a16="http://schemas.microsoft.com/office/drawing/2014/main" id="{1EF89807-BD61-448C-AECF-F0035C097D51}"/>
-              </a:ext>
-            </a:extLst>
-          </p:cNvPr>
-          <p:cNvSpPr>
-            <a:spLocks noGrp="1"/>
-          </p:cNvSpPr>
-          <p:nvPr>
-            <p:ph idx="1"/>
-          </p:nvPr>
-        </p:nvSpPr>
-        <p:spPr/>
-        <p:txBody>
-          <a:bodyPr/>
-          <a:lstStyle/>
-          <a:p>
-            <a:r>
-              <a:rPr lang="en-US" dirty="0"/>
-              <a:t>Summary</a:t>
-            </a:r>
           </a:p>
           <a:p>
             <a:r>
               <a:rPr lang="en-US" dirty="0"/>
               <a:t>Lessons learned</a:t>
             </a:r>
+          </a:p>
+          <a:p>
+            <a:pPr lvl="1"/>
+            <a:r>
+              <a:rPr lang="en-US" dirty="0"/>
+              <a:t>Collaborating on GitHub</a:t>
+            </a:r>
+          </a:p>
+          <a:p>
+            <a:pPr lvl="1"/>
+            <a:r>
+              <a:rPr lang="en-US" dirty="0"/>
+              <a:t>Finding the data was difficult</a:t>
+            </a:r>
+          </a:p>
+          <a:p>
+            <a:pPr lvl="1"/>
+            <a:r>
+              <a:rPr lang="en-US" dirty="0"/>
+              <a:t>CDC data is amazing / CDC API</a:t>
+            </a:r>
+          </a:p>
+          <a:p>
+            <a:pPr lvl="1"/>
+            <a:r>
+              <a:rPr lang="en-US" dirty="0"/>
+              <a:t>Used Census data API</a:t>
+            </a:r>
+          </a:p>
+          <a:p>
+            <a:pPr lvl="1"/>
+            <a:r>
+              <a:rPr lang="en-US" dirty="0"/>
+              <a:t>A lot of Pandas manipulation</a:t>
+            </a:r>
+          </a:p>
+          <a:p>
+            <a:pPr lvl="1"/>
+            <a:endParaRPr lang="en-US" dirty="0"/>
           </a:p>
         </p:txBody>
       </p:sp>
@@ -4729,22 +4554,27 @@
           </a:bodyPr>
           <a:lstStyle/>
           <a:p>
+            <a:pPr marL="342900" indent="-342900">
+              <a:buAutoNum type="arabicPeriod"/>
+            </a:pPr>
+            <a:endParaRPr lang="en-US" sz="1800" dirty="0"/>
+          </a:p>
+          <a:p>
             <a:pPr marL="0" indent="0">
               <a:buNone/>
             </a:pPr>
             <a:r>
-              <a:rPr lang="en-US" sz="2000" dirty="0"/>
-              <a:t>As a group, we decided that we wanted to analyze data from the COVID-19 pandemic in the United States and find out which US states overall ranked best and worst by death rate and other factors.</a:t>
-            </a:r>
-            <a:endParaRPr lang="en-US" sz="1600" dirty="0"/>
+              <a:rPr lang="en-US" sz="1800" dirty="0"/>
+              <a:t>1. What is the death rate for each state?</a:t>
+            </a:r>
           </a:p>
           <a:p>
             <a:pPr marL="0" indent="0">
               <a:buNone/>
             </a:pPr>
             <a:r>
-              <a:rPr lang="en-US" sz="1600" dirty="0"/>
-              <a:t>1. What is the death rate for each state?</a:t>
+              <a:rPr lang="en-US" sz="1800" dirty="0"/>
+              <a:t>2. What is the death rate for each state normalized by age?</a:t>
             </a:r>
           </a:p>
           <a:p>
@@ -4752,12 +4582,8 @@
               <a:buNone/>
             </a:pPr>
             <a:r>
-              <a:rPr lang="en-US" sz="1300" dirty="0"/>
-              <a:t>	</a:t>
-            </a:r>
-            <a:r>
-              <a:rPr lang="en-US" sz="1400" dirty="0"/>
-              <a:t>We can rank states by death rate.</a:t>
+              <a:rPr lang="en-US" sz="1800" dirty="0"/>
+              <a:t>3. What is the excess death for each state in comparison to death rate?</a:t>
             </a:r>
           </a:p>
           <a:p>
@@ -4765,8 +4591,8 @@
               <a:buNone/>
             </a:pPr>
             <a:r>
-              <a:rPr lang="en-US" sz="1600" dirty="0"/>
-              <a:t>2. What is the death rate for each state normalized by age?</a:t>
+              <a:rPr lang="en-US" sz="1800" dirty="0"/>
+              <a:t>4. What other factors affect death rate?</a:t>
             </a:r>
           </a:p>
           <a:p>
@@ -4774,12 +4600,8 @@
               <a:buNone/>
             </a:pPr>
             <a:r>
-              <a:rPr lang="en-US" sz="1300" dirty="0"/>
-              <a:t>	</a:t>
-            </a:r>
-            <a:r>
-              <a:rPr lang="en-US" sz="1400" dirty="0"/>
-              <a:t>We already knew that age is a defining factor in death rate, but what if we normalized it by comparing each state with the same </a:t>
+              <a:rPr lang="en-US" sz="1800" dirty="0"/>
+              <a:t>	1.  Geographic</a:t>
             </a:r>
           </a:p>
           <a:p>
@@ -4787,8 +4609,8 @@
               <a:buNone/>
             </a:pPr>
             <a:r>
-              <a:rPr lang="en-US" sz="1400" dirty="0"/>
-              <a:t>	population parameters.</a:t>
+              <a:rPr lang="en-US" sz="1800" dirty="0"/>
+              <a:t>	2. Healthcare</a:t>
             </a:r>
           </a:p>
           <a:p>
@@ -4796,52 +4618,7 @@
               <a:buNone/>
             </a:pPr>
             <a:r>
-              <a:rPr lang="en-US" sz="1600" dirty="0"/>
-              <a:t>3. What is the excess death for each state in comparison to death rate?</a:t>
-            </a:r>
-          </a:p>
-          <a:p>
-            <a:pPr marL="0" indent="0">
-              <a:buNone/>
-            </a:pPr>
-            <a:r>
-              <a:rPr lang="en-US" sz="1300" dirty="0"/>
-              <a:t>	</a:t>
-            </a:r>
-          </a:p>
-          <a:p>
-            <a:pPr marL="0" indent="0">
-              <a:buNone/>
-            </a:pPr>
-            <a:r>
-              <a:rPr lang="en-US" sz="1600" dirty="0"/>
-              <a:t>4. What other factors affect death rate?</a:t>
-            </a:r>
-          </a:p>
-          <a:p>
-            <a:pPr marL="0" indent="0">
-              <a:buNone/>
-            </a:pPr>
-            <a:r>
-              <a:rPr lang="en-US" sz="1400" dirty="0"/>
-              <a:t>	1.  Geographic</a:t>
-            </a:r>
-          </a:p>
-          <a:p>
-            <a:pPr marL="0" indent="0">
-              <a:buNone/>
-            </a:pPr>
-            <a:r>
-              <a:rPr lang="en-US" sz="1400" dirty="0"/>
-              <a:t>	2. Healthcare</a:t>
-            </a:r>
-          </a:p>
-          <a:p>
-            <a:pPr marL="0" indent="0">
-              <a:buNone/>
-            </a:pPr>
-            <a:r>
-              <a:rPr lang="en-US" sz="1400" dirty="0"/>
+              <a:rPr lang="en-US" sz="1800" dirty="0"/>
               <a:t>	3. Preventative Measures</a:t>
             </a:r>
           </a:p>
@@ -4966,10 +4743,10 @@
       </p:sp>
       <p:pic>
         <p:nvPicPr>
-          <p:cNvPr id="9" name="Picture 8" descr="Chart&#10;&#10;Description automatically generated">
-            <a:extLst>
-              <a:ext uri="{FF2B5EF4-FFF2-40B4-BE49-F238E27FC236}">
-                <a16:creationId xmlns:a16="http://schemas.microsoft.com/office/drawing/2014/main" id="{76B6520F-DC6D-9A40-9634-D526F7C04C8E}"/>
+          <p:cNvPr id="3" name="Picture 2">
+            <a:extLst>
+              <a:ext uri="{FF2B5EF4-FFF2-40B4-BE49-F238E27FC236}">
+                <a16:creationId xmlns:a16="http://schemas.microsoft.com/office/drawing/2014/main" id="{38E8E641-F3E1-A346-B6D1-8626E6E2854F}"/>
               </a:ext>
             </a:extLst>
           </p:cNvPr>
@@ -4979,20 +4756,14 @@
           <p:nvPr/>
         </p:nvPicPr>
         <p:blipFill>
-          <a:blip r:embed="rId2">
-            <a:extLst>
-              <a:ext uri="{28A0092B-C50C-407E-A947-70E740481C1C}">
-                <a14:useLocalDpi xmlns:a14="http://schemas.microsoft.com/office/drawing/2010/main" val="0"/>
-              </a:ext>
-            </a:extLst>
-          </a:blip>
+          <a:blip r:embed="rId2"/>
           <a:stretch>
             <a:fillRect/>
           </a:stretch>
         </p:blipFill>
         <p:spPr>
           <a:xfrm>
-            <a:off x="0" y="1544122"/>
+            <a:off x="0" y="1397000"/>
             <a:ext cx="12192000" cy="4064000"/>
           </a:xfrm>
           <a:prstGeom prst="rect">
@@ -5055,7 +4826,7 @@
           <a:p>
             <a:r>
               <a:rPr lang="en-US" dirty="0"/>
-              <a:t>Death Rate</a:t>
+              <a:t>US COVID Deaths by Age</a:t>
             </a:r>
             <a:br>
               <a:rPr lang="en-US" dirty="0"/>
@@ -5081,8 +4852,8 @@
         </p:nvSpPr>
         <p:spPr>
           <a:xfrm>
-            <a:off x="838200" y="5846544"/>
-            <a:ext cx="9589008" cy="646331"/>
+            <a:off x="838199" y="5661878"/>
+            <a:ext cx="9589008" cy="830997"/>
           </a:xfrm>
           <a:prstGeom prst="rect">
             <a:avLst/>
@@ -5103,7 +4874,7 @@
           <a:p>
             <a:r>
               <a:rPr lang="en-US" sz="1200" dirty="0"/>
-              <a:t>Definitions of any terms or metrics:  January 2020 to April 2021 | Death Rate is cumulative confirmed Covid Deaths / cumulative confirmed Covid Cases </a:t>
+              <a:t>Definitions of any terms or metrics:  January 2020 to April 2021</a:t>
             </a:r>
           </a:p>
           <a:p>
@@ -5114,6 +4885,17 @@
             <a:r>
               <a:rPr lang="en-US" sz="1200" dirty="0" err="1"/>
               <a:t>cdc.gov</a:t>
+            </a:r>
+            <a:endParaRPr lang="en-US" sz="1200" dirty="0"/>
+          </a:p>
+          <a:p>
+            <a:r>
+              <a:rPr lang="en-US" sz="1200" dirty="0"/>
+              <a:t>Census website: </a:t>
+            </a:r>
+            <a:r>
+              <a:rPr lang="en-US" sz="1200" dirty="0" err="1"/>
+              <a:t>census.gov</a:t>
             </a:r>
             <a:endParaRPr lang="en-US" sz="1200" dirty="0"/>
           </a:p>
@@ -5237,7 +5019,7 @@
         <p:spPr>
           <a:xfrm>
             <a:off x="838200" y="5846544"/>
-            <a:ext cx="9589008" cy="646331"/>
+            <a:ext cx="9589008" cy="830997"/>
           </a:xfrm>
           <a:prstGeom prst="rect">
             <a:avLst/>
@@ -5272,14 +5054,25 @@
             </a:r>
             <a:endParaRPr lang="en-US" sz="1200" dirty="0"/>
           </a:p>
+          <a:p>
+            <a:r>
+              <a:rPr lang="en-US" sz="1200" dirty="0"/>
+              <a:t>Census website: </a:t>
+            </a:r>
+            <a:r>
+              <a:rPr lang="en-US" sz="1200" dirty="0" err="1"/>
+              <a:t>census.gov</a:t>
+            </a:r>
+            <a:endParaRPr lang="en-US" sz="1200" dirty="0"/>
+          </a:p>
         </p:txBody>
       </p:sp>
       <p:pic>
         <p:nvPicPr>
-          <p:cNvPr id="7" name="Picture 6" descr="Chart, bar chart&#10;&#10;Description automatically generated">
-            <a:extLst>
-              <a:ext uri="{FF2B5EF4-FFF2-40B4-BE49-F238E27FC236}">
-                <a16:creationId xmlns:a16="http://schemas.microsoft.com/office/drawing/2014/main" id="{B4D755F1-716B-6247-919F-DA95CD58D84F}"/>
+          <p:cNvPr id="3" name="Picture 2">
+            <a:extLst>
+              <a:ext uri="{FF2B5EF4-FFF2-40B4-BE49-F238E27FC236}">
+                <a16:creationId xmlns:a16="http://schemas.microsoft.com/office/drawing/2014/main" id="{39A4F382-73B2-124B-8B27-B7B8A983F3B3}"/>
               </a:ext>
             </a:extLst>
           </p:cNvPr>
@@ -5289,21 +5082,15 @@
           <p:nvPr/>
         </p:nvPicPr>
         <p:blipFill>
-          <a:blip r:embed="rId2">
-            <a:extLst>
-              <a:ext uri="{28A0092B-C50C-407E-A947-70E740481C1C}">
-                <a14:useLocalDpi xmlns:a14="http://schemas.microsoft.com/office/drawing/2010/main" val="0"/>
-              </a:ext>
-            </a:extLst>
-          </a:blip>
+          <a:blip r:embed="rId2"/>
           <a:stretch>
             <a:fillRect/>
           </a:stretch>
         </p:blipFill>
         <p:spPr>
           <a:xfrm>
-            <a:off x="0" y="1690688"/>
-            <a:ext cx="12192000" cy="4064000"/>
+            <a:off x="647700" y="1662450"/>
+            <a:ext cx="10896600" cy="4159851"/>
           </a:xfrm>
           <a:prstGeom prst="rect">
             <a:avLst/>
@@ -5710,7 +5497,9 @@
         </p:nvSpPr>
         <p:spPr/>
         <p:txBody>
-          <a:bodyPr/>
+          <a:bodyPr>
+            <a:normAutofit fontScale="90000"/>
+          </a:bodyPr>
           <a:lstStyle/>
           <a:p>
             <a:r>
@@ -5721,10 +5510,9 @@
               <a:rPr lang="en-US" dirty="0"/>
             </a:br>
             <a:r>
-              <a:rPr lang="en-US" sz="3200" dirty="0"/>
-              <a:t>Are states reporting consistently? Does it affect the death rate?</a:t>
-            </a:r>
-            <a:endParaRPr lang="en-US" dirty="0"/>
+              <a:rPr lang="en-US" sz="2200" dirty="0"/>
+              <a:t>Excess deaths range from ~20% (NE) to ~96% (AK) higher than Covid-19. The discrepancy provides very weak or little explanation of death rate or there are stronger confounding  variables.</a:t>
+            </a:r>
           </a:p>
         </p:txBody>
       </p:sp>
@@ -5743,7 +5531,7 @@
         <p:spPr>
           <a:xfrm>
             <a:off x="786384" y="5850235"/>
-            <a:ext cx="9589008" cy="1015663"/>
+            <a:ext cx="9589008" cy="830997"/>
           </a:xfrm>
           <a:prstGeom prst="rect">
             <a:avLst/>
@@ -5782,12 +5570,6 @@
             <a:r>
               <a:rPr lang="en-US" sz="1200" dirty="0"/>
               <a:t>Data Sources: Center for Disease Control (CDC) website: cdc.gov</a:t>
-            </a:r>
-          </a:p>
-          <a:p>
-            <a:r>
-              <a:rPr lang="en-US" sz="1200" dirty="0"/>
-              <a:t>Omissions or filtering: </a:t>
             </a:r>
           </a:p>
         </p:txBody>
@@ -5830,10 +5612,10 @@
       </p:pic>
       <p:pic>
         <p:nvPicPr>
-          <p:cNvPr id="12" name="Picture 11">
-            <a:extLst>
-              <a:ext uri="{FF2B5EF4-FFF2-40B4-BE49-F238E27FC236}">
-                <a16:creationId xmlns:a16="http://schemas.microsoft.com/office/drawing/2014/main" id="{DE2B7FC6-BE06-442B-B016-662E7A2F3DCD}"/>
+          <p:cNvPr id="5" name="Picture 4">
+            <a:extLst>
+              <a:ext uri="{FF2B5EF4-FFF2-40B4-BE49-F238E27FC236}">
+                <a16:creationId xmlns:a16="http://schemas.microsoft.com/office/drawing/2014/main" id="{594DE894-F2C5-486F-8BCF-0286059CA2BF}"/>
               </a:ext>
             </a:extLst>
           </p:cNvPr>
@@ -5856,7 +5638,7 @@
         </p:blipFill>
         <p:spPr>
           <a:xfrm>
-            <a:off x="5803379" y="1790115"/>
+            <a:off x="5936545" y="1790115"/>
             <a:ext cx="5485714" cy="3657143"/>
           </a:xfrm>
           <a:prstGeom prst="rect">
@@ -5917,7 +5699,15 @@
           <a:p>
             <a:r>
               <a:rPr lang="en-US" dirty="0"/>
-              <a:t>Conclusions [All]</a:t>
+              <a:t>Initial Conclusions (1</a:t>
+            </a:r>
+            <a:r>
+              <a:rPr lang="en-US" baseline="30000" dirty="0"/>
+              <a:t>st</a:t>
+            </a:r>
+            <a:r>
+              <a:rPr lang="en-US" dirty="0"/>
+              <a:t> = NE, last = MA)</a:t>
             </a:r>
           </a:p>
         </p:txBody>
@@ -5940,10 +5730,82 @@
         </p:nvSpPr>
         <p:spPr/>
         <p:txBody>
-          <a:bodyPr/>
-          <a:lstStyle/>
-          <a:p>
-            <a:endParaRPr lang="en-US" dirty="0"/>
+          <a:bodyPr>
+            <a:normAutofit fontScale="92500" lnSpcReduction="20000"/>
+          </a:bodyPr>
+          <a:lstStyle/>
+          <a:p>
+            <a:r>
+              <a:rPr lang="en-US" dirty="0"/>
+              <a:t>Best performing states:</a:t>
+            </a:r>
+          </a:p>
+          <a:p>
+            <a:pPr lvl="1"/>
+            <a:r>
+              <a:rPr lang="en-US" dirty="0"/>
+              <a:t>AK, UT, NE, VT and ID</a:t>
+            </a:r>
+          </a:p>
+          <a:p>
+            <a:pPr lvl="1"/>
+            <a:r>
+              <a:rPr lang="en-US" dirty="0"/>
+              <a:t>small, sparse states </a:t>
+            </a:r>
+          </a:p>
+          <a:p>
+            <a:pPr lvl="1"/>
+            <a:r>
+              <a:rPr lang="en-US" dirty="0"/>
+              <a:t>some of which may have underreported (not NE)</a:t>
+            </a:r>
+          </a:p>
+          <a:p>
+            <a:r>
+              <a:rPr lang="en-US" dirty="0"/>
+              <a:t>Worst performing states:</a:t>
+            </a:r>
+          </a:p>
+          <a:p>
+            <a:pPr lvl="1"/>
+            <a:r>
+              <a:rPr lang="en-US" dirty="0"/>
+              <a:t>MA, NJ, CT, MS, LA</a:t>
+            </a:r>
+          </a:p>
+          <a:p>
+            <a:pPr lvl="1"/>
+            <a:r>
+              <a:rPr lang="en-US" dirty="0"/>
+              <a:t>3 North Eastern states with very high population densities</a:t>
+            </a:r>
+          </a:p>
+          <a:p>
+            <a:r>
+              <a:rPr lang="en-US" dirty="0"/>
+              <a:t>Over 65s make up 78% of all Covid Deaths</a:t>
+            </a:r>
+          </a:p>
+          <a:p>
+            <a:pPr lvl="1"/>
+            <a:r>
+              <a:rPr lang="en-US" dirty="0"/>
+              <a:t>States with a “younger population”: AK, UT, CO, TX, GA – adjusted went up</a:t>
+            </a:r>
+          </a:p>
+          <a:p>
+            <a:pPr lvl="1"/>
+            <a:r>
+              <a:rPr lang="en-US" dirty="0"/>
+              <a:t>States with “older populations”:  ME, FL, CT, WV, HI, RI – adjusted went down</a:t>
+            </a:r>
+          </a:p>
+          <a:p>
+            <a:r>
+              <a:rPr lang="en-US" dirty="0"/>
+              <a:t>If an adjustment was made for excess deaths this would make a large impact on death rate.</a:t>
+            </a:r>
           </a:p>
         </p:txBody>
       </p:sp>
@@ -6023,7 +5885,9 @@
         </p:nvSpPr>
         <p:spPr/>
         <p:txBody>
-          <a:bodyPr/>
+          <a:bodyPr>
+            <a:normAutofit lnSpcReduction="10000"/>
+          </a:bodyPr>
           <a:lstStyle/>
           <a:p>
             <a:r>
@@ -6039,24 +5903,6 @@
             </a:r>
           </a:p>
           <a:p>
-            <a:pPr lvl="1"/>
-            <a:r>
-              <a:rPr lang="en-US" dirty="0"/>
-              <a:t>Scatter plot normalized death rate versus hospital beds</a:t>
-            </a:r>
-          </a:p>
-          <a:p>
-            <a:pPr lvl="1"/>
-            <a:r>
-              <a:rPr lang="en-US" dirty="0"/>
-              <a:t>Regression analysis</a:t>
-            </a:r>
-          </a:p>
-          <a:p>
-            <a:pPr lvl="1"/>
-            <a:endParaRPr lang="en-US" dirty="0"/>
-          </a:p>
-          <a:p>
             <a:r>
               <a:rPr lang="en-US" dirty="0"/>
               <a:t>Preventative Measures</a:t>
@@ -6066,21 +5912,46 @@
             <a:pPr lvl="1"/>
             <a:r>
               <a:rPr lang="en-US" dirty="0"/>
-              <a:t>Mask mandate data (by month)</a:t>
+              <a:t>Mask mandates</a:t>
+            </a:r>
+          </a:p>
+          <a:p>
+            <a:r>
+              <a:rPr lang="en-US" dirty="0"/>
+              <a:t>Demographics</a:t>
             </a:r>
           </a:p>
           <a:p>
             <a:pPr lvl="1"/>
             <a:r>
               <a:rPr lang="en-US" dirty="0"/>
-              <a:t>Yes or no</a:t>
+              <a:t>Sex, race, income</a:t>
+            </a:r>
+          </a:p>
+          <a:p>
+            <a:r>
+              <a:rPr lang="en-US" dirty="0"/>
+              <a:t>Timing</a:t>
             </a:r>
           </a:p>
           <a:p>
             <a:pPr lvl="1"/>
             <a:r>
               <a:rPr lang="en-US" dirty="0"/>
-              <a:t>2-sample t-test</a:t>
+              <a:t>Vaccination roll out</a:t>
+            </a:r>
+          </a:p>
+          <a:p>
+            <a:r>
+              <a:rPr lang="en-US" dirty="0"/>
+              <a:t>Geography</a:t>
+            </a:r>
+          </a:p>
+          <a:p>
+            <a:pPr lvl="1"/>
+            <a:r>
+              <a:rPr lang="en-US" dirty="0"/>
+              <a:t>Urban/Metropolitan populations</a:t>
             </a:r>
           </a:p>
         </p:txBody>
